--- a/Materials/Programming 101 Day 4.pptx
+++ b/Materials/Programming 101 Day 4.pptx
@@ -1,37 +1,37 @@
 
 <file path=ppt/presentation.xml><?xml version="1.0" encoding="utf-8"?>
-<p:presentation xmlns:a="http://schemas.openxmlformats.org/drawingml/2006/main" xmlns:r="http://schemas.openxmlformats.org/officeDocument/2006/relationships" xmlns:mc="http://schemas.openxmlformats.org/markup-compatibility/2006" xmlns:mv="urn:schemas-microsoft-com:mac:vml" xmlns:p="http://schemas.openxmlformats.org/presentationml/2006/main" xmlns:c="http://schemas.openxmlformats.org/drawingml/2006/chart" xmlns:dgm="http://schemas.openxmlformats.org/drawingml/2006/diagram" xmlns:o="urn:schemas-microsoft-com:office:office" xmlns:v="urn:schemas-microsoft-com:vml" xmlns:pvml="urn:schemas-microsoft-com:office:powerpoint" xmlns:com="http://schemas.openxmlformats.org/drawingml/2006/compatibility" xmlns:p14="http://schemas.microsoft.com/office/powerpoint/2010/main" xmlns:p15="http://schemas.microsoft.com/office/powerpoint/2012/main" autoCompressPictures="0" embedTrueTypeFonts="1" strictFirstAndLastChars="0" saveSubsetFonts="1">
+<p:presentation xmlns:a="http://schemas.openxmlformats.org/drawingml/2006/main" xmlns:r="http://schemas.openxmlformats.org/officeDocument/2006/relationships" xmlns:p="http://schemas.openxmlformats.org/presentationml/2006/main" strictFirstAndLastChars="0" embedTrueTypeFonts="1" saveSubsetFonts="1" autoCompressPictures="0">
   <p:sldMasterIdLst>
-    <p:sldMasterId id="2147483659" r:id="rId4"/>
+    <p:sldMasterId id="2147483659" r:id="rId1"/>
   </p:sldMasterIdLst>
   <p:notesMasterIdLst>
-    <p:notesMasterId r:id="rId5"/>
+    <p:notesMasterId r:id="rId12"/>
   </p:notesMasterIdLst>
   <p:sldIdLst>
-    <p:sldId id="256" r:id="rId6"/>
-    <p:sldId id="257" r:id="rId7"/>
-    <p:sldId id="258" r:id="rId8"/>
-    <p:sldId id="259" r:id="rId9"/>
-    <p:sldId id="260" r:id="rId10"/>
-    <p:sldId id="261" r:id="rId11"/>
-    <p:sldId id="262" r:id="rId12"/>
-    <p:sldId id="263" r:id="rId13"/>
-    <p:sldId id="264" r:id="rId14"/>
-    <p:sldId id="265" r:id="rId15"/>
+    <p:sldId id="256" r:id="rId2"/>
+    <p:sldId id="257" r:id="rId3"/>
+    <p:sldId id="258" r:id="rId4"/>
+    <p:sldId id="259" r:id="rId5"/>
+    <p:sldId id="260" r:id="rId6"/>
+    <p:sldId id="261" r:id="rId7"/>
+    <p:sldId id="262" r:id="rId8"/>
+    <p:sldId id="263" r:id="rId9"/>
+    <p:sldId id="264" r:id="rId10"/>
+    <p:sldId id="265" r:id="rId11"/>
   </p:sldIdLst>
-  <p:sldSz cy="5143500" cx="9144000"/>
+  <p:sldSz cx="9144000" cy="5143500" type="screen16x9"/>
   <p:notesSz cx="6858000" cy="9144000"/>
   <p:embeddedFontLst>
     <p:embeddedFont>
-      <p:font typeface="Roboto"/>
-      <p:regular r:id="rId16"/>
-      <p:bold r:id="rId17"/>
-      <p:italic r:id="rId18"/>
-      <p:boldItalic r:id="rId19"/>
+      <p:font typeface="Roboto" panose="02000000000000000000" pitchFamily="2" charset="0"/>
+      <p:regular r:id="rId13"/>
+      <p:bold r:id="rId14"/>
+      <p:italic r:id="rId15"/>
+      <p:boldItalic r:id="rId16"/>
     </p:embeddedFont>
   </p:embeddedFontLst>
   <p:defaultTextStyle>
-    <a:defPPr lvl="0" marR="0" rtl="0" algn="l">
+    <a:defPPr marR="0" lvl="0" algn="l" rtl="0">
       <a:lnSpc>
         <a:spcPct val="100000"/>
       </a:lnSpc>
@@ -42,7 +42,7 @@
         <a:spcPts val="0"/>
       </a:spcAft>
     </a:defPPr>
-    <a:lvl1pPr lvl="0" marR="0" rtl="0" algn="l">
+    <a:lvl1pPr marR="0" lvl="0" algn="l" rtl="0">
       <a:lnSpc>
         <a:spcPct val="100000"/>
       </a:lnSpc>
@@ -56,7 +56,7 @@
         <a:srgbClr val="000000"/>
       </a:buClr>
       <a:buFont typeface="Arial"/>
-      <a:defRPr b="0" i="0" sz="1400" u="none" cap="none" strike="noStrike">
+      <a:defRPr sz="1400" b="0" i="0" u="none" strike="noStrike" cap="none">
         <a:solidFill>
           <a:srgbClr val="000000"/>
         </a:solidFill>
@@ -66,7 +66,7 @@
         <a:sym typeface="Arial"/>
       </a:defRPr>
     </a:lvl1pPr>
-    <a:lvl2pPr lvl="1" marR="0" rtl="0" algn="l">
+    <a:lvl2pPr marR="0" lvl="1" algn="l" rtl="0">
       <a:lnSpc>
         <a:spcPct val="100000"/>
       </a:lnSpc>
@@ -80,7 +80,7 @@
         <a:srgbClr val="000000"/>
       </a:buClr>
       <a:buFont typeface="Arial"/>
-      <a:defRPr b="0" i="0" sz="1400" u="none" cap="none" strike="noStrike">
+      <a:defRPr sz="1400" b="0" i="0" u="none" strike="noStrike" cap="none">
         <a:solidFill>
           <a:srgbClr val="000000"/>
         </a:solidFill>
@@ -90,7 +90,7 @@
         <a:sym typeface="Arial"/>
       </a:defRPr>
     </a:lvl2pPr>
-    <a:lvl3pPr lvl="2" marR="0" rtl="0" algn="l">
+    <a:lvl3pPr marR="0" lvl="2" algn="l" rtl="0">
       <a:lnSpc>
         <a:spcPct val="100000"/>
       </a:lnSpc>
@@ -104,7 +104,7 @@
         <a:srgbClr val="000000"/>
       </a:buClr>
       <a:buFont typeface="Arial"/>
-      <a:defRPr b="0" i="0" sz="1400" u="none" cap="none" strike="noStrike">
+      <a:defRPr sz="1400" b="0" i="0" u="none" strike="noStrike" cap="none">
         <a:solidFill>
           <a:srgbClr val="000000"/>
         </a:solidFill>
@@ -114,7 +114,7 @@
         <a:sym typeface="Arial"/>
       </a:defRPr>
     </a:lvl3pPr>
-    <a:lvl4pPr lvl="3" marR="0" rtl="0" algn="l">
+    <a:lvl4pPr marR="0" lvl="3" algn="l" rtl="0">
       <a:lnSpc>
         <a:spcPct val="100000"/>
       </a:lnSpc>
@@ -128,7 +128,7 @@
         <a:srgbClr val="000000"/>
       </a:buClr>
       <a:buFont typeface="Arial"/>
-      <a:defRPr b="0" i="0" sz="1400" u="none" cap="none" strike="noStrike">
+      <a:defRPr sz="1400" b="0" i="0" u="none" strike="noStrike" cap="none">
         <a:solidFill>
           <a:srgbClr val="000000"/>
         </a:solidFill>
@@ -138,7 +138,7 @@
         <a:sym typeface="Arial"/>
       </a:defRPr>
     </a:lvl4pPr>
-    <a:lvl5pPr lvl="4" marR="0" rtl="0" algn="l">
+    <a:lvl5pPr marR="0" lvl="4" algn="l" rtl="0">
       <a:lnSpc>
         <a:spcPct val="100000"/>
       </a:lnSpc>
@@ -152,7 +152,7 @@
         <a:srgbClr val="000000"/>
       </a:buClr>
       <a:buFont typeface="Arial"/>
-      <a:defRPr b="0" i="0" sz="1400" u="none" cap="none" strike="noStrike">
+      <a:defRPr sz="1400" b="0" i="0" u="none" strike="noStrike" cap="none">
         <a:solidFill>
           <a:srgbClr val="000000"/>
         </a:solidFill>
@@ -162,7 +162,7 @@
         <a:sym typeface="Arial"/>
       </a:defRPr>
     </a:lvl5pPr>
-    <a:lvl6pPr lvl="5" marR="0" rtl="0" algn="l">
+    <a:lvl6pPr marR="0" lvl="5" algn="l" rtl="0">
       <a:lnSpc>
         <a:spcPct val="100000"/>
       </a:lnSpc>
@@ -176,7 +176,7 @@
         <a:srgbClr val="000000"/>
       </a:buClr>
       <a:buFont typeface="Arial"/>
-      <a:defRPr b="0" i="0" sz="1400" u="none" cap="none" strike="noStrike">
+      <a:defRPr sz="1400" b="0" i="0" u="none" strike="noStrike" cap="none">
         <a:solidFill>
           <a:srgbClr val="000000"/>
         </a:solidFill>
@@ -186,7 +186,7 @@
         <a:sym typeface="Arial"/>
       </a:defRPr>
     </a:lvl6pPr>
-    <a:lvl7pPr lvl="6" marR="0" rtl="0" algn="l">
+    <a:lvl7pPr marR="0" lvl="6" algn="l" rtl="0">
       <a:lnSpc>
         <a:spcPct val="100000"/>
       </a:lnSpc>
@@ -200,7 +200,7 @@
         <a:srgbClr val="000000"/>
       </a:buClr>
       <a:buFont typeface="Arial"/>
-      <a:defRPr b="0" i="0" sz="1400" u="none" cap="none" strike="noStrike">
+      <a:defRPr sz="1400" b="0" i="0" u="none" strike="noStrike" cap="none">
         <a:solidFill>
           <a:srgbClr val="000000"/>
         </a:solidFill>
@@ -210,7 +210,7 @@
         <a:sym typeface="Arial"/>
       </a:defRPr>
     </a:lvl7pPr>
-    <a:lvl8pPr lvl="7" marR="0" rtl="0" algn="l">
+    <a:lvl8pPr marR="0" lvl="7" algn="l" rtl="0">
       <a:lnSpc>
         <a:spcPct val="100000"/>
       </a:lnSpc>
@@ -224,7 +224,7 @@
         <a:srgbClr val="000000"/>
       </a:buClr>
       <a:buFont typeface="Arial"/>
-      <a:defRPr b="0" i="0" sz="1400" u="none" cap="none" strike="noStrike">
+      <a:defRPr sz="1400" b="0" i="0" u="none" strike="noStrike" cap="none">
         <a:solidFill>
           <a:srgbClr val="000000"/>
         </a:solidFill>
@@ -234,7 +234,7 @@
         <a:sym typeface="Arial"/>
       </a:defRPr>
     </a:lvl8pPr>
-    <a:lvl9pPr lvl="8" marR="0" rtl="0" algn="l">
+    <a:lvl9pPr marR="0" lvl="8" algn="l" rtl="0">
       <a:lnSpc>
         <a:spcPct val="100000"/>
       </a:lnSpc>
@@ -248,7 +248,7 @@
         <a:srgbClr val="000000"/>
       </a:buClr>
       <a:buFont typeface="Arial"/>
-      <a:defRPr b="0" i="0" sz="1400" u="none" cap="none" strike="noStrike">
+      <a:defRPr sz="1400" b="0" i="0" u="none" strike="noStrike" cap="none">
         <a:solidFill>
           <a:srgbClr val="000000"/>
         </a:solidFill>
@@ -261,7 +261,7 @@
   </p:defaultTextStyle>
   <p:extLst>
     <p:ext uri="{EFAFB233-063F-42B5-8137-9DF3F51BA10A}">
-      <p15:sldGuideLst>
+      <p15:sldGuideLst xmlns:p15="http://schemas.microsoft.com/office/powerpoint/2012/main">
         <p15:guide id="1" orient="horz" pos="1620">
           <p15:clr>
             <a:srgbClr val="A4A3A4"/>
@@ -279,11 +279,16 @@
 </file>
 
 <file path=ppt/notesMasters/notesMaster1.xml><?xml version="1.0" encoding="utf-8"?>
-<p:notesMaster xmlns:a="http://schemas.openxmlformats.org/drawingml/2006/main" xmlns:r="http://schemas.openxmlformats.org/officeDocument/2006/relationships" xmlns:mc="http://schemas.openxmlformats.org/markup-compatibility/2006" xmlns:mv="urn:schemas-microsoft-com:mac:vml" xmlns:p="http://schemas.openxmlformats.org/presentationml/2006/main" xmlns:c="http://schemas.openxmlformats.org/drawingml/2006/chart" xmlns:dgm="http://schemas.openxmlformats.org/drawingml/2006/diagram" xmlns:o="urn:schemas-microsoft-com:office:office" xmlns:v="urn:schemas-microsoft-com:vml" xmlns:pvml="urn:schemas-microsoft-com:office:powerpoint" xmlns:com="http://schemas.openxmlformats.org/drawingml/2006/compatibility" xmlns:p14="http://schemas.microsoft.com/office/powerpoint/2010/main" xmlns:p15="http://schemas.microsoft.com/office/powerpoint/2012/main">
+<p:notesMaster xmlns:a="http://schemas.openxmlformats.org/drawingml/2006/main" xmlns:r="http://schemas.openxmlformats.org/officeDocument/2006/relationships" xmlns:p="http://schemas.openxmlformats.org/presentationml/2006/main">
   <p:cSld>
+    <p:bg>
+      <p:bgRef idx="1001">
+        <a:schemeClr val="bg1"/>
+      </p:bgRef>
+    </p:bg>
     <p:spTree>
       <p:nvGrpSpPr>
-        <p:cNvPr id="2" name="Shape 2"/>
+        <p:cNvPr id="1" name="Shape 2"/>
         <p:cNvGrpSpPr/>
         <p:nvPr/>
       </p:nvGrpSpPr>
@@ -298,9 +303,11 @@
       <p:sp>
         <p:nvSpPr>
           <p:cNvPr id="3" name="Google Shape;3;n"/>
-          <p:cNvSpPr/>
+          <p:cNvSpPr>
+            <a:spLocks noGrp="1" noRot="1" noChangeAspect="1"/>
+          </p:cNvSpPr>
           <p:nvPr>
-            <p:ph idx="2" type="sldImg"/>
+            <p:ph type="sldImg" idx="2"/>
           </p:nvPr>
         </p:nvSpPr>
         <p:spPr>
@@ -309,9 +316,13 @@
             <a:ext cx="6096075" cy="3429000"/>
           </a:xfrm>
           <a:custGeom>
-            <a:rect b="b" l="l" r="r" t="t"/>
+            <a:avLst/>
+            <a:gdLst/>
+            <a:ahLst/>
+            <a:cxnLst/>
+            <a:rect l="l" t="t" r="r" b="b"/>
             <a:pathLst>
-              <a:path extrusionOk="0" h="120000" w="120000">
+              <a:path w="120000" h="120000" extrusionOk="0">
                 <a:moveTo>
                   <a:pt x="0" y="0"/>
                 </a:moveTo>
@@ -329,23 +340,25 @@
             </a:pathLst>
           </a:custGeom>
           <a:noFill/>
-          <a:ln cap="flat" cmpd="sng" w="9525">
+          <a:ln w="9525" cap="flat" cmpd="sng">
             <a:solidFill>
               <a:srgbClr val="000000"/>
             </a:solidFill>
             <a:prstDash val="solid"/>
             <a:round/>
-            <a:headEnd len="sm" w="sm" type="none"/>
-            <a:tailEnd len="sm" w="sm" type="none"/>
+            <a:headEnd type="none" w="sm" len="sm"/>
+            <a:tailEnd type="none" w="sm" len="sm"/>
           </a:ln>
         </p:spPr>
       </p:sp>
       <p:sp>
         <p:nvSpPr>
           <p:cNvPr id="4" name="Google Shape;4;n"/>
-          <p:cNvSpPr txBox="1"/>
+          <p:cNvSpPr txBox="1">
+            <a:spLocks noGrp="1"/>
+          </p:cNvSpPr>
           <p:nvPr>
-            <p:ph idx="1" type="body"/>
+            <p:ph type="body" idx="1"/>
           </p:nvPr>
         </p:nvSpPr>
         <p:spPr>
@@ -362,11 +375,11 @@
           </a:ln>
         </p:spPr>
         <p:txBody>
-          <a:bodyPr anchorCtr="0" anchor="t" bIns="91425" lIns="91425" spcFirstLastPara="1" rIns="91425" wrap="square" tIns="91425">
+          <a:bodyPr spcFirstLastPara="1" wrap="square" lIns="91425" tIns="91425" rIns="91425" bIns="91425" anchor="t" anchorCtr="0">
             <a:noAutofit/>
           </a:bodyPr>
           <a:lstStyle>
-            <a:lvl1pPr indent="-317500" lvl="0" marL="457200">
+            <a:lvl1pPr marL="457200" lvl="0" indent="-317500">
               <a:spcBef>
                 <a:spcPts val="0"/>
               </a:spcBef>
@@ -377,7 +390,7 @@
               <a:buChar char="●"/>
               <a:defRPr sz="1100"/>
             </a:lvl1pPr>
-            <a:lvl2pPr indent="-317500" lvl="1" marL="914400">
+            <a:lvl2pPr marL="914400" lvl="1" indent="-317500">
               <a:spcBef>
                 <a:spcPts val="0"/>
               </a:spcBef>
@@ -388,7 +401,7 @@
               <a:buChar char="○"/>
               <a:defRPr sz="1100"/>
             </a:lvl2pPr>
-            <a:lvl3pPr indent="-317500" lvl="2" marL="1371600">
+            <a:lvl3pPr marL="1371600" lvl="2" indent="-317500">
               <a:spcBef>
                 <a:spcPts val="0"/>
               </a:spcBef>
@@ -399,7 +412,7 @@
               <a:buChar char="■"/>
               <a:defRPr sz="1100"/>
             </a:lvl3pPr>
-            <a:lvl4pPr indent="-317500" lvl="3" marL="1828800">
+            <a:lvl4pPr marL="1828800" lvl="3" indent="-317500">
               <a:spcBef>
                 <a:spcPts val="0"/>
               </a:spcBef>
@@ -410,7 +423,7 @@
               <a:buChar char="●"/>
               <a:defRPr sz="1100"/>
             </a:lvl4pPr>
-            <a:lvl5pPr indent="-317500" lvl="4" marL="2286000">
+            <a:lvl5pPr marL="2286000" lvl="4" indent="-317500">
               <a:spcBef>
                 <a:spcPts val="0"/>
               </a:spcBef>
@@ -421,7 +434,7 @@
               <a:buChar char="○"/>
               <a:defRPr sz="1100"/>
             </a:lvl5pPr>
-            <a:lvl6pPr indent="-317500" lvl="5" marL="2743200">
+            <a:lvl6pPr marL="2743200" lvl="5" indent="-317500">
               <a:spcBef>
                 <a:spcPts val="0"/>
               </a:spcBef>
@@ -432,7 +445,7 @@
               <a:buChar char="■"/>
               <a:defRPr sz="1100"/>
             </a:lvl6pPr>
-            <a:lvl7pPr indent="-317500" lvl="6" marL="3200400">
+            <a:lvl7pPr marL="3200400" lvl="6" indent="-317500">
               <a:spcBef>
                 <a:spcPts val="0"/>
               </a:spcBef>
@@ -443,7 +456,7 @@
               <a:buChar char="●"/>
               <a:defRPr sz="1100"/>
             </a:lvl7pPr>
-            <a:lvl8pPr indent="-317500" lvl="7" marL="3657600">
+            <a:lvl8pPr marL="3657600" lvl="7" indent="-317500">
               <a:spcBef>
                 <a:spcPts val="0"/>
               </a:spcBef>
@@ -454,7 +467,7 @@
               <a:buChar char="○"/>
               <a:defRPr sz="1100"/>
             </a:lvl8pPr>
-            <a:lvl9pPr indent="-317500" lvl="8" marL="4114800">
+            <a:lvl9pPr marL="4114800" lvl="8" indent="-317500">
               <a:spcBef>
                 <a:spcPts val="0"/>
               </a:spcBef>
@@ -466,14 +479,16 @@
               <a:defRPr sz="1100"/>
             </a:lvl9pPr>
           </a:lstStyle>
-          <a:p/>
+          <a:p>
+            <a:endParaRPr/>
+          </a:p>
         </p:txBody>
       </p:sp>
     </p:spTree>
   </p:cSld>
-  <p:clrMap accent1="accent1" accent2="accent2" accent3="accent3" accent4="accent4" accent5="accent5" accent6="accent6" bg1="lt1" bg2="dk2" tx1="dk1" tx2="lt2" folHlink="folHlink" hlink="hlink"/>
+  <p:clrMap bg1="lt1" tx1="dk1" bg2="dk2" tx2="lt2" accent1="accent1" accent2="accent2" accent3="accent3" accent4="accent4" accent5="accent5" accent6="accent6" hlink="hlink" folHlink="folHlink"/>
   <p:notesStyle>
-    <a:defPPr lvl="0" marR="0" rtl="0" algn="l">
+    <a:defPPr marR="0" lvl="0" algn="l" rtl="0">
       <a:lnSpc>
         <a:spcPct val="100000"/>
       </a:lnSpc>
@@ -484,7 +499,7 @@
         <a:spcPts val="0"/>
       </a:spcAft>
     </a:defPPr>
-    <a:lvl1pPr lvl="0" marR="0" rtl="0" algn="l">
+    <a:lvl1pPr marR="0" lvl="0" algn="l" rtl="0">
       <a:lnSpc>
         <a:spcPct val="100000"/>
       </a:lnSpc>
@@ -498,7 +513,7 @@
         <a:srgbClr val="000000"/>
       </a:buClr>
       <a:buFont typeface="Arial"/>
-      <a:defRPr b="0" i="0" sz="1400" u="none" cap="none" strike="noStrike">
+      <a:defRPr sz="1400" b="0" i="0" u="none" strike="noStrike" cap="none">
         <a:solidFill>
           <a:srgbClr val="000000"/>
         </a:solidFill>
@@ -508,7 +523,7 @@
         <a:sym typeface="Arial"/>
       </a:defRPr>
     </a:lvl1pPr>
-    <a:lvl2pPr lvl="1" marR="0" rtl="0" algn="l">
+    <a:lvl2pPr marR="0" lvl="1" algn="l" rtl="0">
       <a:lnSpc>
         <a:spcPct val="100000"/>
       </a:lnSpc>
@@ -522,7 +537,7 @@
         <a:srgbClr val="000000"/>
       </a:buClr>
       <a:buFont typeface="Arial"/>
-      <a:defRPr b="0" i="0" sz="1400" u="none" cap="none" strike="noStrike">
+      <a:defRPr sz="1400" b="0" i="0" u="none" strike="noStrike" cap="none">
         <a:solidFill>
           <a:srgbClr val="000000"/>
         </a:solidFill>
@@ -532,7 +547,7 @@
         <a:sym typeface="Arial"/>
       </a:defRPr>
     </a:lvl2pPr>
-    <a:lvl3pPr lvl="2" marR="0" rtl="0" algn="l">
+    <a:lvl3pPr marR="0" lvl="2" algn="l" rtl="0">
       <a:lnSpc>
         <a:spcPct val="100000"/>
       </a:lnSpc>
@@ -546,7 +561,7 @@
         <a:srgbClr val="000000"/>
       </a:buClr>
       <a:buFont typeface="Arial"/>
-      <a:defRPr b="0" i="0" sz="1400" u="none" cap="none" strike="noStrike">
+      <a:defRPr sz="1400" b="0" i="0" u="none" strike="noStrike" cap="none">
         <a:solidFill>
           <a:srgbClr val="000000"/>
         </a:solidFill>
@@ -556,7 +571,7 @@
         <a:sym typeface="Arial"/>
       </a:defRPr>
     </a:lvl3pPr>
-    <a:lvl4pPr lvl="3" marR="0" rtl="0" algn="l">
+    <a:lvl4pPr marR="0" lvl="3" algn="l" rtl="0">
       <a:lnSpc>
         <a:spcPct val="100000"/>
       </a:lnSpc>
@@ -570,7 +585,7 @@
         <a:srgbClr val="000000"/>
       </a:buClr>
       <a:buFont typeface="Arial"/>
-      <a:defRPr b="0" i="0" sz="1400" u="none" cap="none" strike="noStrike">
+      <a:defRPr sz="1400" b="0" i="0" u="none" strike="noStrike" cap="none">
         <a:solidFill>
           <a:srgbClr val="000000"/>
         </a:solidFill>
@@ -580,7 +595,7 @@
         <a:sym typeface="Arial"/>
       </a:defRPr>
     </a:lvl4pPr>
-    <a:lvl5pPr lvl="4" marR="0" rtl="0" algn="l">
+    <a:lvl5pPr marR="0" lvl="4" algn="l" rtl="0">
       <a:lnSpc>
         <a:spcPct val="100000"/>
       </a:lnSpc>
@@ -594,7 +609,7 @@
         <a:srgbClr val="000000"/>
       </a:buClr>
       <a:buFont typeface="Arial"/>
-      <a:defRPr b="0" i="0" sz="1400" u="none" cap="none" strike="noStrike">
+      <a:defRPr sz="1400" b="0" i="0" u="none" strike="noStrike" cap="none">
         <a:solidFill>
           <a:srgbClr val="000000"/>
         </a:solidFill>
@@ -604,7 +619,7 @@
         <a:sym typeface="Arial"/>
       </a:defRPr>
     </a:lvl5pPr>
-    <a:lvl6pPr lvl="5" marR="0" rtl="0" algn="l">
+    <a:lvl6pPr marR="0" lvl="5" algn="l" rtl="0">
       <a:lnSpc>
         <a:spcPct val="100000"/>
       </a:lnSpc>
@@ -618,7 +633,7 @@
         <a:srgbClr val="000000"/>
       </a:buClr>
       <a:buFont typeface="Arial"/>
-      <a:defRPr b="0" i="0" sz="1400" u="none" cap="none" strike="noStrike">
+      <a:defRPr sz="1400" b="0" i="0" u="none" strike="noStrike" cap="none">
         <a:solidFill>
           <a:srgbClr val="000000"/>
         </a:solidFill>
@@ -628,7 +643,7 @@
         <a:sym typeface="Arial"/>
       </a:defRPr>
     </a:lvl6pPr>
-    <a:lvl7pPr lvl="6" marR="0" rtl="0" algn="l">
+    <a:lvl7pPr marR="0" lvl="6" algn="l" rtl="0">
       <a:lnSpc>
         <a:spcPct val="100000"/>
       </a:lnSpc>
@@ -642,7 +657,7 @@
         <a:srgbClr val="000000"/>
       </a:buClr>
       <a:buFont typeface="Arial"/>
-      <a:defRPr b="0" i="0" sz="1400" u="none" cap="none" strike="noStrike">
+      <a:defRPr sz="1400" b="0" i="0" u="none" strike="noStrike" cap="none">
         <a:solidFill>
           <a:srgbClr val="000000"/>
         </a:solidFill>
@@ -652,7 +667,7 @@
         <a:sym typeface="Arial"/>
       </a:defRPr>
     </a:lvl7pPr>
-    <a:lvl8pPr lvl="7" marR="0" rtl="0" algn="l">
+    <a:lvl8pPr marR="0" lvl="7" algn="l" rtl="0">
       <a:lnSpc>
         <a:spcPct val="100000"/>
       </a:lnSpc>
@@ -666,7 +681,7 @@
         <a:srgbClr val="000000"/>
       </a:buClr>
       <a:buFont typeface="Arial"/>
-      <a:defRPr b="0" i="0" sz="1400" u="none" cap="none" strike="noStrike">
+      <a:defRPr sz="1400" b="0" i="0" u="none" strike="noStrike" cap="none">
         <a:solidFill>
           <a:srgbClr val="000000"/>
         </a:solidFill>
@@ -676,7 +691,7 @@
         <a:sym typeface="Arial"/>
       </a:defRPr>
     </a:lvl8pPr>
-    <a:lvl9pPr lvl="8" marR="0" rtl="0" algn="l">
+    <a:lvl9pPr marR="0" lvl="8" algn="l" rtl="0">
       <a:lnSpc>
         <a:spcPct val="100000"/>
       </a:lnSpc>
@@ -690,7 +705,7 @@
         <a:srgbClr val="000000"/>
       </a:buClr>
       <a:buFont typeface="Arial"/>
-      <a:defRPr b="0" i="0" sz="1400" u="none" cap="none" strike="noStrike">
+      <a:defRPr sz="1400" b="0" i="0" u="none" strike="noStrike" cap="none">
         <a:solidFill>
           <a:srgbClr val="000000"/>
         </a:solidFill>
@@ -705,11 +720,11 @@
 </file>
 
 <file path=ppt/notesSlides/notesSlide1.xml><?xml version="1.0" encoding="utf-8"?>
-<p:notes xmlns:a="http://schemas.openxmlformats.org/drawingml/2006/main" xmlns:r="http://schemas.openxmlformats.org/officeDocument/2006/relationships" xmlns:mc="http://schemas.openxmlformats.org/markup-compatibility/2006" xmlns:mv="urn:schemas-microsoft-com:mac:vml" xmlns:p="http://schemas.openxmlformats.org/presentationml/2006/main" xmlns:c="http://schemas.openxmlformats.org/drawingml/2006/chart" xmlns:dgm="http://schemas.openxmlformats.org/drawingml/2006/diagram" xmlns:o="urn:schemas-microsoft-com:office:office" xmlns:v="urn:schemas-microsoft-com:vml" xmlns:pvml="urn:schemas-microsoft-com:office:powerpoint" xmlns:com="http://schemas.openxmlformats.org/drawingml/2006/compatibility" xmlns:p14="http://schemas.microsoft.com/office/powerpoint/2010/main" xmlns:p15="http://schemas.microsoft.com/office/powerpoint/2012/main" showMasterPhAnim="0" showMasterSp="0">
+<p:notes xmlns:a="http://schemas.openxmlformats.org/drawingml/2006/main" xmlns:r="http://schemas.openxmlformats.org/officeDocument/2006/relationships" xmlns:p="http://schemas.openxmlformats.org/presentationml/2006/main" showMasterSp="0" showMasterPhAnim="0">
   <p:cSld>
     <p:spTree>
       <p:nvGrpSpPr>
-        <p:cNvPr id="63" name="Shape 63"/>
+        <p:cNvPr id="1" name="Shape 63"/>
         <p:cNvGrpSpPr/>
         <p:nvPr/>
       </p:nvGrpSpPr>
@@ -724,9 +739,11 @@
       <p:sp>
         <p:nvSpPr>
           <p:cNvPr id="64" name="Google Shape;64;gc6f73a04f_0_0:notes"/>
-          <p:cNvSpPr/>
+          <p:cNvSpPr>
+            <a:spLocks noGrp="1" noRot="1" noChangeAspect="1"/>
+          </p:cNvSpPr>
           <p:nvPr>
-            <p:ph idx="2" type="sldImg"/>
+            <p:ph type="sldImg" idx="2"/>
           </p:nvPr>
         </p:nvSpPr>
         <p:spPr>
@@ -735,9 +752,13 @@
             <a:ext cx="6096300" cy="3429000"/>
           </a:xfrm>
           <a:custGeom>
-            <a:rect b="b" l="l" r="r" t="t"/>
+            <a:avLst/>
+            <a:gdLst/>
+            <a:ahLst/>
+            <a:cxnLst/>
+            <a:rect l="l" t="t" r="r" b="b"/>
             <a:pathLst>
-              <a:path extrusionOk="0" h="120000" w="120000">
+              <a:path w="120000" h="120000" extrusionOk="0">
                 <a:moveTo>
                   <a:pt x="0" y="0"/>
                 </a:moveTo>
@@ -759,9 +780,11 @@
       <p:sp>
         <p:nvSpPr>
           <p:cNvPr id="65" name="Google Shape;65;gc6f73a04f_0_0:notes"/>
-          <p:cNvSpPr txBox="1"/>
+          <p:cNvSpPr txBox="1">
+            <a:spLocks noGrp="1"/>
+          </p:cNvSpPr>
           <p:nvPr>
-            <p:ph idx="1" type="body"/>
+            <p:ph type="body" idx="1"/>
           </p:nvPr>
         </p:nvSpPr>
         <p:spPr>
@@ -774,12 +797,12 @@
           </a:prstGeom>
         </p:spPr>
         <p:txBody>
-          <a:bodyPr anchorCtr="0" anchor="t" bIns="91425" lIns="91425" spcFirstLastPara="1" rIns="91425" wrap="square" tIns="91425">
+          <a:bodyPr spcFirstLastPara="1" wrap="square" lIns="91425" tIns="91425" rIns="91425" bIns="91425" anchor="t" anchorCtr="0">
             <a:noAutofit/>
           </a:bodyPr>
           <a:lstStyle/>
           <a:p>
-            <a:pPr indent="0" lvl="0" marL="0" rtl="0" algn="l">
+            <a:pPr marL="0" lvl="0" indent="0" algn="l" rtl="0">
               <a:spcBef>
                 <a:spcPts val="0"/>
               </a:spcBef>
@@ -788,9 +811,6 @@
               </a:spcAft>
               <a:buNone/>
             </a:pPr>
-            <a:r>
-              <a:t/>
-            </a:r>
             <a:endParaRPr/>
           </a:p>
         </p:txBody>
@@ -804,11 +824,11 @@
 </file>
 
 <file path=ppt/notesSlides/notesSlide10.xml><?xml version="1.0" encoding="utf-8"?>
-<p:notes xmlns:a="http://schemas.openxmlformats.org/drawingml/2006/main" xmlns:r="http://schemas.openxmlformats.org/officeDocument/2006/relationships" xmlns:mc="http://schemas.openxmlformats.org/markup-compatibility/2006" xmlns:mv="urn:schemas-microsoft-com:mac:vml" xmlns:p="http://schemas.openxmlformats.org/presentationml/2006/main" xmlns:c="http://schemas.openxmlformats.org/drawingml/2006/chart" xmlns:dgm="http://schemas.openxmlformats.org/drawingml/2006/diagram" xmlns:o="urn:schemas-microsoft-com:office:office" xmlns:v="urn:schemas-microsoft-com:vml" xmlns:pvml="urn:schemas-microsoft-com:office:powerpoint" xmlns:com="http://schemas.openxmlformats.org/drawingml/2006/compatibility" xmlns:p14="http://schemas.microsoft.com/office/powerpoint/2010/main" xmlns:p15="http://schemas.microsoft.com/office/powerpoint/2012/main" showMasterPhAnim="0" showMasterSp="0">
+<p:notes xmlns:a="http://schemas.openxmlformats.org/drawingml/2006/main" xmlns:r="http://schemas.openxmlformats.org/officeDocument/2006/relationships" xmlns:p="http://schemas.openxmlformats.org/presentationml/2006/main" showMasterSp="0" showMasterPhAnim="0">
   <p:cSld>
     <p:spTree>
       <p:nvGrpSpPr>
-        <p:cNvPr id="128" name="Shape 128"/>
+        <p:cNvPr id="1" name="Shape 128"/>
         <p:cNvGrpSpPr/>
         <p:nvPr/>
       </p:nvGrpSpPr>
@@ -823,9 +843,11 @@
       <p:sp>
         <p:nvSpPr>
           <p:cNvPr id="129" name="Google Shape;129;gc6f73a04f_0_36:notes"/>
-          <p:cNvSpPr/>
+          <p:cNvSpPr>
+            <a:spLocks noGrp="1" noRot="1" noChangeAspect="1"/>
+          </p:cNvSpPr>
           <p:nvPr>
-            <p:ph idx="2" type="sldImg"/>
+            <p:ph type="sldImg" idx="2"/>
           </p:nvPr>
         </p:nvSpPr>
         <p:spPr>
@@ -834,9 +856,13 @@
             <a:ext cx="6096300" cy="3429000"/>
           </a:xfrm>
           <a:custGeom>
-            <a:rect b="b" l="l" r="r" t="t"/>
+            <a:avLst/>
+            <a:gdLst/>
+            <a:ahLst/>
+            <a:cxnLst/>
+            <a:rect l="l" t="t" r="r" b="b"/>
             <a:pathLst>
-              <a:path extrusionOk="0" h="120000" w="120000">
+              <a:path w="120000" h="120000" extrusionOk="0">
                 <a:moveTo>
                   <a:pt x="0" y="0"/>
                 </a:moveTo>
@@ -858,9 +884,11 @@
       <p:sp>
         <p:nvSpPr>
           <p:cNvPr id="130" name="Google Shape;130;gc6f73a04f_0_36:notes"/>
-          <p:cNvSpPr txBox="1"/>
+          <p:cNvSpPr txBox="1">
+            <a:spLocks noGrp="1"/>
+          </p:cNvSpPr>
           <p:nvPr>
-            <p:ph idx="1" type="body"/>
+            <p:ph type="body" idx="1"/>
           </p:nvPr>
         </p:nvSpPr>
         <p:spPr>
@@ -873,12 +901,12 @@
           </a:prstGeom>
         </p:spPr>
         <p:txBody>
-          <a:bodyPr anchorCtr="0" anchor="t" bIns="91425" lIns="91425" spcFirstLastPara="1" rIns="91425" wrap="square" tIns="91425">
+          <a:bodyPr spcFirstLastPara="1" wrap="square" lIns="91425" tIns="91425" rIns="91425" bIns="91425" anchor="t" anchorCtr="0">
             <a:noAutofit/>
           </a:bodyPr>
           <a:lstStyle/>
           <a:p>
-            <a:pPr indent="0" lvl="0" marL="0" rtl="0" algn="l">
+            <a:pPr marL="0" lvl="0" indent="0" algn="l" rtl="0">
               <a:spcBef>
                 <a:spcPts val="0"/>
               </a:spcBef>
@@ -887,9 +915,6 @@
               </a:spcAft>
               <a:buNone/>
             </a:pPr>
-            <a:r>
-              <a:t/>
-            </a:r>
             <a:endParaRPr/>
           </a:p>
         </p:txBody>
@@ -903,11 +928,11 @@
 </file>
 
 <file path=ppt/notesSlides/notesSlide2.xml><?xml version="1.0" encoding="utf-8"?>
-<p:notes xmlns:a="http://schemas.openxmlformats.org/drawingml/2006/main" xmlns:r="http://schemas.openxmlformats.org/officeDocument/2006/relationships" xmlns:mc="http://schemas.openxmlformats.org/markup-compatibility/2006" xmlns:mv="urn:schemas-microsoft-com:mac:vml" xmlns:p="http://schemas.openxmlformats.org/presentationml/2006/main" xmlns:c="http://schemas.openxmlformats.org/drawingml/2006/chart" xmlns:dgm="http://schemas.openxmlformats.org/drawingml/2006/diagram" xmlns:o="urn:schemas-microsoft-com:office:office" xmlns:v="urn:schemas-microsoft-com:vml" xmlns:pvml="urn:schemas-microsoft-com:office:powerpoint" xmlns:com="http://schemas.openxmlformats.org/drawingml/2006/compatibility" xmlns:p14="http://schemas.microsoft.com/office/powerpoint/2010/main" xmlns:p15="http://schemas.microsoft.com/office/powerpoint/2012/main" showMasterPhAnim="0" showMasterSp="0">
+<p:notes xmlns:a="http://schemas.openxmlformats.org/drawingml/2006/main" xmlns:r="http://schemas.openxmlformats.org/officeDocument/2006/relationships" xmlns:p="http://schemas.openxmlformats.org/presentationml/2006/main" showMasterSp="0" showMasterPhAnim="0">
   <p:cSld>
     <p:spTree>
       <p:nvGrpSpPr>
-        <p:cNvPr id="69" name="Shape 69"/>
+        <p:cNvPr id="1" name="Shape 69"/>
         <p:cNvGrpSpPr/>
         <p:nvPr/>
       </p:nvGrpSpPr>
@@ -922,9 +947,11 @@
       <p:sp>
         <p:nvSpPr>
           <p:cNvPr id="70" name="Google Shape;70;g5f9696c198_0_0:notes"/>
-          <p:cNvSpPr/>
+          <p:cNvSpPr>
+            <a:spLocks noGrp="1" noRot="1" noChangeAspect="1"/>
+          </p:cNvSpPr>
           <p:nvPr>
-            <p:ph idx="2" type="sldImg"/>
+            <p:ph type="sldImg" idx="2"/>
           </p:nvPr>
         </p:nvSpPr>
         <p:spPr>
@@ -933,9 +960,13 @@
             <a:ext cx="6096000" cy="3429000"/>
           </a:xfrm>
           <a:custGeom>
-            <a:rect b="b" l="l" r="r" t="t"/>
+            <a:avLst/>
+            <a:gdLst/>
+            <a:ahLst/>
+            <a:cxnLst/>
+            <a:rect l="l" t="t" r="r" b="b"/>
             <a:pathLst>
-              <a:path extrusionOk="0" h="120000" w="120000">
+              <a:path w="120000" h="120000" extrusionOk="0">
                 <a:moveTo>
                   <a:pt x="0" y="0"/>
                 </a:moveTo>
@@ -957,9 +988,11 @@
       <p:sp>
         <p:nvSpPr>
           <p:cNvPr id="71" name="Google Shape;71;g5f9696c198_0_0:notes"/>
-          <p:cNvSpPr txBox="1"/>
+          <p:cNvSpPr txBox="1">
+            <a:spLocks noGrp="1"/>
+          </p:cNvSpPr>
           <p:nvPr>
-            <p:ph idx="1" type="body"/>
+            <p:ph type="body" idx="1"/>
           </p:nvPr>
         </p:nvSpPr>
         <p:spPr>
@@ -972,12 +1005,12 @@
           </a:prstGeom>
         </p:spPr>
         <p:txBody>
-          <a:bodyPr anchorCtr="0" anchor="t" bIns="91425" lIns="91425" spcFirstLastPara="1" rIns="91425" wrap="square" tIns="91425">
+          <a:bodyPr spcFirstLastPara="1" wrap="square" lIns="91425" tIns="91425" rIns="91425" bIns="91425" anchor="t" anchorCtr="0">
             <a:noAutofit/>
           </a:bodyPr>
           <a:lstStyle/>
           <a:p>
-            <a:pPr indent="0" lvl="0" marL="0" rtl="0" algn="l">
+            <a:pPr marL="0" lvl="0" indent="0" algn="l" rtl="0">
               <a:spcBef>
                 <a:spcPts val="0"/>
               </a:spcBef>
@@ -986,9 +1019,6 @@
               </a:spcAft>
               <a:buNone/>
             </a:pPr>
-            <a:r>
-              <a:t/>
-            </a:r>
             <a:endParaRPr/>
           </a:p>
         </p:txBody>
@@ -1002,11 +1032,11 @@
 </file>
 
 <file path=ppt/notesSlides/notesSlide3.xml><?xml version="1.0" encoding="utf-8"?>
-<p:notes xmlns:a="http://schemas.openxmlformats.org/drawingml/2006/main" xmlns:r="http://schemas.openxmlformats.org/officeDocument/2006/relationships" xmlns:mc="http://schemas.openxmlformats.org/markup-compatibility/2006" xmlns:mv="urn:schemas-microsoft-com:mac:vml" xmlns:p="http://schemas.openxmlformats.org/presentationml/2006/main" xmlns:c="http://schemas.openxmlformats.org/drawingml/2006/chart" xmlns:dgm="http://schemas.openxmlformats.org/drawingml/2006/diagram" xmlns:o="urn:schemas-microsoft-com:office:office" xmlns:v="urn:schemas-microsoft-com:vml" xmlns:pvml="urn:schemas-microsoft-com:office:powerpoint" xmlns:com="http://schemas.openxmlformats.org/drawingml/2006/compatibility" xmlns:p14="http://schemas.microsoft.com/office/powerpoint/2010/main" xmlns:p15="http://schemas.microsoft.com/office/powerpoint/2012/main" showMasterPhAnim="0" showMasterSp="0">
+<p:notes xmlns:a="http://schemas.openxmlformats.org/drawingml/2006/main" xmlns:r="http://schemas.openxmlformats.org/officeDocument/2006/relationships" xmlns:p="http://schemas.openxmlformats.org/presentationml/2006/main" showMasterSp="0" showMasterPhAnim="0">
   <p:cSld>
     <p:spTree>
       <p:nvGrpSpPr>
-        <p:cNvPr id="76" name="Shape 76"/>
+        <p:cNvPr id="1" name="Shape 76"/>
         <p:cNvGrpSpPr/>
         <p:nvPr/>
       </p:nvGrpSpPr>
@@ -1021,9 +1051,11 @@
       <p:sp>
         <p:nvSpPr>
           <p:cNvPr id="77" name="Google Shape;77;g6b30a9fd51_0_0:notes"/>
-          <p:cNvSpPr/>
+          <p:cNvSpPr>
+            <a:spLocks noGrp="1" noRot="1" noChangeAspect="1"/>
+          </p:cNvSpPr>
           <p:nvPr>
-            <p:ph idx="2" type="sldImg"/>
+            <p:ph type="sldImg" idx="2"/>
           </p:nvPr>
         </p:nvSpPr>
         <p:spPr>
@@ -1032,9 +1064,13 @@
             <a:ext cx="6096300" cy="3429000"/>
           </a:xfrm>
           <a:custGeom>
-            <a:rect b="b" l="l" r="r" t="t"/>
+            <a:avLst/>
+            <a:gdLst/>
+            <a:ahLst/>
+            <a:cxnLst/>
+            <a:rect l="l" t="t" r="r" b="b"/>
             <a:pathLst>
-              <a:path extrusionOk="0" h="120000" w="120000">
+              <a:path w="120000" h="120000" extrusionOk="0">
                 <a:moveTo>
                   <a:pt x="0" y="0"/>
                 </a:moveTo>
@@ -1056,9 +1092,11 @@
       <p:sp>
         <p:nvSpPr>
           <p:cNvPr id="78" name="Google Shape;78;g6b30a9fd51_0_0:notes"/>
-          <p:cNvSpPr txBox="1"/>
+          <p:cNvSpPr txBox="1">
+            <a:spLocks noGrp="1"/>
+          </p:cNvSpPr>
           <p:nvPr>
-            <p:ph idx="1" type="body"/>
+            <p:ph type="body" idx="1"/>
           </p:nvPr>
         </p:nvSpPr>
         <p:spPr>
@@ -1071,12 +1109,12 @@
           </a:prstGeom>
         </p:spPr>
         <p:txBody>
-          <a:bodyPr anchorCtr="0" anchor="t" bIns="91425" lIns="91425" spcFirstLastPara="1" rIns="91425" wrap="square" tIns="91425">
+          <a:bodyPr spcFirstLastPara="1" wrap="square" lIns="91425" tIns="91425" rIns="91425" bIns="91425" anchor="t" anchorCtr="0">
             <a:noAutofit/>
           </a:bodyPr>
           <a:lstStyle/>
           <a:p>
-            <a:pPr indent="0" lvl="0" marL="0" rtl="0" algn="l">
+            <a:pPr marL="0" lvl="0" indent="0" algn="l" rtl="0">
               <a:spcBef>
                 <a:spcPts val="0"/>
               </a:spcBef>
@@ -1085,9 +1123,6 @@
               </a:spcAft>
               <a:buNone/>
             </a:pPr>
-            <a:r>
-              <a:t/>
-            </a:r>
             <a:endParaRPr/>
           </a:p>
         </p:txBody>
@@ -1101,11 +1136,11 @@
 </file>
 
 <file path=ppt/notesSlides/notesSlide4.xml><?xml version="1.0" encoding="utf-8"?>
-<p:notes xmlns:a="http://schemas.openxmlformats.org/drawingml/2006/main" xmlns:r="http://schemas.openxmlformats.org/officeDocument/2006/relationships" xmlns:mc="http://schemas.openxmlformats.org/markup-compatibility/2006" xmlns:mv="urn:schemas-microsoft-com:mac:vml" xmlns:p="http://schemas.openxmlformats.org/presentationml/2006/main" xmlns:c="http://schemas.openxmlformats.org/drawingml/2006/chart" xmlns:dgm="http://schemas.openxmlformats.org/drawingml/2006/diagram" xmlns:o="urn:schemas-microsoft-com:office:office" xmlns:v="urn:schemas-microsoft-com:vml" xmlns:pvml="urn:schemas-microsoft-com:office:powerpoint" xmlns:com="http://schemas.openxmlformats.org/drawingml/2006/compatibility" xmlns:p14="http://schemas.microsoft.com/office/powerpoint/2010/main" xmlns:p15="http://schemas.microsoft.com/office/powerpoint/2012/main" showMasterPhAnim="0" showMasterSp="0">
+<p:notes xmlns:a="http://schemas.openxmlformats.org/drawingml/2006/main" xmlns:r="http://schemas.openxmlformats.org/officeDocument/2006/relationships" xmlns:p="http://schemas.openxmlformats.org/presentationml/2006/main" showMasterSp="0" showMasterPhAnim="0">
   <p:cSld>
     <p:spTree>
       <p:nvGrpSpPr>
-        <p:cNvPr id="82" name="Shape 82"/>
+        <p:cNvPr id="1" name="Shape 82"/>
         <p:cNvGrpSpPr/>
         <p:nvPr/>
       </p:nvGrpSpPr>
@@ -1120,9 +1155,11 @@
       <p:sp>
         <p:nvSpPr>
           <p:cNvPr id="83" name="Google Shape;83;g5f9696c198_0_357:notes"/>
-          <p:cNvSpPr/>
+          <p:cNvSpPr>
+            <a:spLocks noGrp="1" noRot="1" noChangeAspect="1"/>
+          </p:cNvSpPr>
           <p:nvPr>
-            <p:ph idx="2" type="sldImg"/>
+            <p:ph type="sldImg" idx="2"/>
           </p:nvPr>
         </p:nvSpPr>
         <p:spPr>
@@ -1131,9 +1168,13 @@
             <a:ext cx="6096300" cy="3429000"/>
           </a:xfrm>
           <a:custGeom>
-            <a:rect b="b" l="l" r="r" t="t"/>
+            <a:avLst/>
+            <a:gdLst/>
+            <a:ahLst/>
+            <a:cxnLst/>
+            <a:rect l="l" t="t" r="r" b="b"/>
             <a:pathLst>
-              <a:path extrusionOk="0" h="120000" w="120000">
+              <a:path w="120000" h="120000" extrusionOk="0">
                 <a:moveTo>
                   <a:pt x="0" y="0"/>
                 </a:moveTo>
@@ -1155,9 +1196,11 @@
       <p:sp>
         <p:nvSpPr>
           <p:cNvPr id="84" name="Google Shape;84;g5f9696c198_0_357:notes"/>
-          <p:cNvSpPr txBox="1"/>
+          <p:cNvSpPr txBox="1">
+            <a:spLocks noGrp="1"/>
+          </p:cNvSpPr>
           <p:nvPr>
-            <p:ph idx="1" type="body"/>
+            <p:ph type="body" idx="1"/>
           </p:nvPr>
         </p:nvSpPr>
         <p:spPr>
@@ -1170,12 +1213,12 @@
           </a:prstGeom>
         </p:spPr>
         <p:txBody>
-          <a:bodyPr anchorCtr="0" anchor="t" bIns="91425" lIns="91425" spcFirstLastPara="1" rIns="91425" wrap="square" tIns="91425">
+          <a:bodyPr spcFirstLastPara="1" wrap="square" lIns="91425" tIns="91425" rIns="91425" bIns="91425" anchor="t" anchorCtr="0">
             <a:noAutofit/>
           </a:bodyPr>
           <a:lstStyle/>
           <a:p>
-            <a:pPr indent="0" lvl="0" marL="0" rtl="0" algn="l">
+            <a:pPr marL="0" lvl="0" indent="0" algn="l" rtl="0">
               <a:spcBef>
                 <a:spcPts val="0"/>
               </a:spcBef>
@@ -1184,9 +1227,6 @@
               </a:spcAft>
               <a:buNone/>
             </a:pPr>
-            <a:r>
-              <a:t/>
-            </a:r>
             <a:endParaRPr/>
           </a:p>
         </p:txBody>
@@ -1200,11 +1240,11 @@
 </file>
 
 <file path=ppt/notesSlides/notesSlide5.xml><?xml version="1.0" encoding="utf-8"?>
-<p:notes xmlns:a="http://schemas.openxmlformats.org/drawingml/2006/main" xmlns:r="http://schemas.openxmlformats.org/officeDocument/2006/relationships" xmlns:mc="http://schemas.openxmlformats.org/markup-compatibility/2006" xmlns:mv="urn:schemas-microsoft-com:mac:vml" xmlns:p="http://schemas.openxmlformats.org/presentationml/2006/main" xmlns:c="http://schemas.openxmlformats.org/drawingml/2006/chart" xmlns:dgm="http://schemas.openxmlformats.org/drawingml/2006/diagram" xmlns:o="urn:schemas-microsoft-com:office:office" xmlns:v="urn:schemas-microsoft-com:vml" xmlns:pvml="urn:schemas-microsoft-com:office:powerpoint" xmlns:com="http://schemas.openxmlformats.org/drawingml/2006/compatibility" xmlns:p14="http://schemas.microsoft.com/office/powerpoint/2010/main" xmlns:p15="http://schemas.microsoft.com/office/powerpoint/2012/main" showMasterPhAnim="0" showMasterSp="0">
+<p:notes xmlns:a="http://schemas.openxmlformats.org/drawingml/2006/main" xmlns:r="http://schemas.openxmlformats.org/officeDocument/2006/relationships" xmlns:p="http://schemas.openxmlformats.org/presentationml/2006/main" showMasterSp="0" showMasterPhAnim="0">
   <p:cSld>
     <p:spTree>
       <p:nvGrpSpPr>
-        <p:cNvPr id="91" name="Shape 91"/>
+        <p:cNvPr id="1" name="Shape 91"/>
         <p:cNvGrpSpPr/>
         <p:nvPr/>
       </p:nvGrpSpPr>
@@ -1219,9 +1259,11 @@
       <p:sp>
         <p:nvSpPr>
           <p:cNvPr id="92" name="Google Shape;92;g5f9696c198_0_366:notes"/>
-          <p:cNvSpPr/>
+          <p:cNvSpPr>
+            <a:spLocks noGrp="1" noRot="1" noChangeAspect="1"/>
+          </p:cNvSpPr>
           <p:nvPr>
-            <p:ph idx="2" type="sldImg"/>
+            <p:ph type="sldImg" idx="2"/>
           </p:nvPr>
         </p:nvSpPr>
         <p:spPr>
@@ -1230,9 +1272,13 @@
             <a:ext cx="6096300" cy="3429000"/>
           </a:xfrm>
           <a:custGeom>
-            <a:rect b="b" l="l" r="r" t="t"/>
+            <a:avLst/>
+            <a:gdLst/>
+            <a:ahLst/>
+            <a:cxnLst/>
+            <a:rect l="l" t="t" r="r" b="b"/>
             <a:pathLst>
-              <a:path extrusionOk="0" h="120000" w="120000">
+              <a:path w="120000" h="120000" extrusionOk="0">
                 <a:moveTo>
                   <a:pt x="0" y="0"/>
                 </a:moveTo>
@@ -1254,9 +1300,11 @@
       <p:sp>
         <p:nvSpPr>
           <p:cNvPr id="93" name="Google Shape;93;g5f9696c198_0_366:notes"/>
-          <p:cNvSpPr txBox="1"/>
+          <p:cNvSpPr txBox="1">
+            <a:spLocks noGrp="1"/>
+          </p:cNvSpPr>
           <p:nvPr>
-            <p:ph idx="1" type="body"/>
+            <p:ph type="body" idx="1"/>
           </p:nvPr>
         </p:nvSpPr>
         <p:spPr>
@@ -1269,12 +1317,12 @@
           </a:prstGeom>
         </p:spPr>
         <p:txBody>
-          <a:bodyPr anchorCtr="0" anchor="t" bIns="91425" lIns="91425" spcFirstLastPara="1" rIns="91425" wrap="square" tIns="91425">
+          <a:bodyPr spcFirstLastPara="1" wrap="square" lIns="91425" tIns="91425" rIns="91425" bIns="91425" anchor="t" anchorCtr="0">
             <a:noAutofit/>
           </a:bodyPr>
           <a:lstStyle/>
           <a:p>
-            <a:pPr indent="0" lvl="0" marL="0" rtl="0" algn="l">
+            <a:pPr marL="0" lvl="0" indent="0" algn="l" rtl="0">
               <a:spcBef>
                 <a:spcPts val="0"/>
               </a:spcBef>
@@ -1283,9 +1331,6 @@
               </a:spcAft>
               <a:buNone/>
             </a:pPr>
-            <a:r>
-              <a:t/>
-            </a:r>
             <a:endParaRPr/>
           </a:p>
         </p:txBody>
@@ -1299,11 +1344,11 @@
 </file>
 
 <file path=ppt/notesSlides/notesSlide6.xml><?xml version="1.0" encoding="utf-8"?>
-<p:notes xmlns:a="http://schemas.openxmlformats.org/drawingml/2006/main" xmlns:r="http://schemas.openxmlformats.org/officeDocument/2006/relationships" xmlns:mc="http://schemas.openxmlformats.org/markup-compatibility/2006" xmlns:mv="urn:schemas-microsoft-com:mac:vml" xmlns:p="http://schemas.openxmlformats.org/presentationml/2006/main" xmlns:c="http://schemas.openxmlformats.org/drawingml/2006/chart" xmlns:dgm="http://schemas.openxmlformats.org/drawingml/2006/diagram" xmlns:o="urn:schemas-microsoft-com:office:office" xmlns:v="urn:schemas-microsoft-com:vml" xmlns:pvml="urn:schemas-microsoft-com:office:powerpoint" xmlns:com="http://schemas.openxmlformats.org/drawingml/2006/compatibility" xmlns:p14="http://schemas.microsoft.com/office/powerpoint/2010/main" xmlns:p15="http://schemas.microsoft.com/office/powerpoint/2012/main" showMasterPhAnim="0" showMasterSp="0">
+<p:notes xmlns:a="http://schemas.openxmlformats.org/drawingml/2006/main" xmlns:r="http://schemas.openxmlformats.org/officeDocument/2006/relationships" xmlns:p="http://schemas.openxmlformats.org/presentationml/2006/main" showMasterSp="0" showMasterPhAnim="0">
   <p:cSld>
     <p:spTree>
       <p:nvGrpSpPr>
-        <p:cNvPr id="101" name="Shape 101"/>
+        <p:cNvPr id="1" name="Shape 101"/>
         <p:cNvGrpSpPr/>
         <p:nvPr/>
       </p:nvGrpSpPr>
@@ -1318,9 +1363,11 @@
       <p:sp>
         <p:nvSpPr>
           <p:cNvPr id="102" name="Google Shape;102;g6b30a9fe52_0_6:notes"/>
-          <p:cNvSpPr/>
+          <p:cNvSpPr>
+            <a:spLocks noGrp="1" noRot="1" noChangeAspect="1"/>
+          </p:cNvSpPr>
           <p:nvPr>
-            <p:ph idx="2" type="sldImg"/>
+            <p:ph type="sldImg" idx="2"/>
           </p:nvPr>
         </p:nvSpPr>
         <p:spPr>
@@ -1329,9 +1376,13 @@
             <a:ext cx="6096000" cy="3429000"/>
           </a:xfrm>
           <a:custGeom>
-            <a:rect b="b" l="l" r="r" t="t"/>
+            <a:avLst/>
+            <a:gdLst/>
+            <a:ahLst/>
+            <a:cxnLst/>
+            <a:rect l="l" t="t" r="r" b="b"/>
             <a:pathLst>
-              <a:path extrusionOk="0" h="120000" w="120000">
+              <a:path w="120000" h="120000" extrusionOk="0">
                 <a:moveTo>
                   <a:pt x="0" y="0"/>
                 </a:moveTo>
@@ -1353,9 +1404,11 @@
       <p:sp>
         <p:nvSpPr>
           <p:cNvPr id="103" name="Google Shape;103;g6b30a9fe52_0_6:notes"/>
-          <p:cNvSpPr txBox="1"/>
+          <p:cNvSpPr txBox="1">
+            <a:spLocks noGrp="1"/>
+          </p:cNvSpPr>
           <p:nvPr>
-            <p:ph idx="1" type="body"/>
+            <p:ph type="body" idx="1"/>
           </p:nvPr>
         </p:nvSpPr>
         <p:spPr>
@@ -1368,12 +1421,12 @@
           </a:prstGeom>
         </p:spPr>
         <p:txBody>
-          <a:bodyPr anchorCtr="0" anchor="t" bIns="91425" lIns="91425" spcFirstLastPara="1" rIns="91425" wrap="square" tIns="91425">
+          <a:bodyPr spcFirstLastPara="1" wrap="square" lIns="91425" tIns="91425" rIns="91425" bIns="91425" anchor="t" anchorCtr="0">
             <a:noAutofit/>
           </a:bodyPr>
           <a:lstStyle/>
           <a:p>
-            <a:pPr indent="0" lvl="0" marL="0" rtl="0" algn="l">
+            <a:pPr marL="0" lvl="0" indent="0" algn="l" rtl="0">
               <a:spcBef>
                 <a:spcPts val="0"/>
               </a:spcBef>
@@ -1382,9 +1435,6 @@
               </a:spcAft>
               <a:buNone/>
             </a:pPr>
-            <a:r>
-              <a:t/>
-            </a:r>
             <a:endParaRPr/>
           </a:p>
         </p:txBody>
@@ -1398,11 +1448,11 @@
 </file>
 
 <file path=ppt/notesSlides/notesSlide7.xml><?xml version="1.0" encoding="utf-8"?>
-<p:notes xmlns:a="http://schemas.openxmlformats.org/drawingml/2006/main" xmlns:r="http://schemas.openxmlformats.org/officeDocument/2006/relationships" xmlns:mc="http://schemas.openxmlformats.org/markup-compatibility/2006" xmlns:mv="urn:schemas-microsoft-com:mac:vml" xmlns:p="http://schemas.openxmlformats.org/presentationml/2006/main" xmlns:c="http://schemas.openxmlformats.org/drawingml/2006/chart" xmlns:dgm="http://schemas.openxmlformats.org/drawingml/2006/diagram" xmlns:o="urn:schemas-microsoft-com:office:office" xmlns:v="urn:schemas-microsoft-com:vml" xmlns:pvml="urn:schemas-microsoft-com:office:powerpoint" xmlns:com="http://schemas.openxmlformats.org/drawingml/2006/compatibility" xmlns:p14="http://schemas.microsoft.com/office/powerpoint/2010/main" xmlns:p15="http://schemas.microsoft.com/office/powerpoint/2012/main" showMasterPhAnim="0" showMasterSp="0">
+<p:notes xmlns:a="http://schemas.openxmlformats.org/drawingml/2006/main" xmlns:r="http://schemas.openxmlformats.org/officeDocument/2006/relationships" xmlns:p="http://schemas.openxmlformats.org/presentationml/2006/main" showMasterSp="0" showMasterPhAnim="0">
   <p:cSld>
     <p:spTree>
       <p:nvGrpSpPr>
-        <p:cNvPr id="108" name="Shape 108"/>
+        <p:cNvPr id="1" name="Shape 108"/>
         <p:cNvGrpSpPr/>
         <p:nvPr/>
       </p:nvGrpSpPr>
@@ -1417,9 +1467,11 @@
       <p:sp>
         <p:nvSpPr>
           <p:cNvPr id="109" name="Google Shape;109;g6b30a9fe52_0_0:notes"/>
-          <p:cNvSpPr/>
+          <p:cNvSpPr>
+            <a:spLocks noGrp="1" noRot="1" noChangeAspect="1"/>
+          </p:cNvSpPr>
           <p:nvPr>
-            <p:ph idx="2" type="sldImg"/>
+            <p:ph type="sldImg" idx="2"/>
           </p:nvPr>
         </p:nvSpPr>
         <p:spPr>
@@ -1428,9 +1480,13 @@
             <a:ext cx="6096000" cy="3429000"/>
           </a:xfrm>
           <a:custGeom>
-            <a:rect b="b" l="l" r="r" t="t"/>
+            <a:avLst/>
+            <a:gdLst/>
+            <a:ahLst/>
+            <a:cxnLst/>
+            <a:rect l="l" t="t" r="r" b="b"/>
             <a:pathLst>
-              <a:path extrusionOk="0" h="120000" w="120000">
+              <a:path w="120000" h="120000" extrusionOk="0">
                 <a:moveTo>
                   <a:pt x="0" y="0"/>
                 </a:moveTo>
@@ -1452,9 +1508,11 @@
       <p:sp>
         <p:nvSpPr>
           <p:cNvPr id="110" name="Google Shape;110;g6b30a9fe52_0_0:notes"/>
-          <p:cNvSpPr txBox="1"/>
+          <p:cNvSpPr txBox="1">
+            <a:spLocks noGrp="1"/>
+          </p:cNvSpPr>
           <p:nvPr>
-            <p:ph idx="1" type="body"/>
+            <p:ph type="body" idx="1"/>
           </p:nvPr>
         </p:nvSpPr>
         <p:spPr>
@@ -1467,12 +1525,12 @@
           </a:prstGeom>
         </p:spPr>
         <p:txBody>
-          <a:bodyPr anchorCtr="0" anchor="t" bIns="91425" lIns="91425" spcFirstLastPara="1" rIns="91425" wrap="square" tIns="91425">
+          <a:bodyPr spcFirstLastPara="1" wrap="square" lIns="91425" tIns="91425" rIns="91425" bIns="91425" anchor="t" anchorCtr="0">
             <a:noAutofit/>
           </a:bodyPr>
           <a:lstStyle/>
           <a:p>
-            <a:pPr indent="0" lvl="0" marL="0" rtl="0" algn="l">
+            <a:pPr marL="0" lvl="0" indent="0" algn="l" rtl="0">
               <a:spcBef>
                 <a:spcPts val="0"/>
               </a:spcBef>
@@ -1481,9 +1539,6 @@
               </a:spcAft>
               <a:buNone/>
             </a:pPr>
-            <a:r>
-              <a:t/>
-            </a:r>
             <a:endParaRPr/>
           </a:p>
         </p:txBody>
@@ -1497,11 +1552,11 @@
 </file>
 
 <file path=ppt/notesSlides/notesSlide8.xml><?xml version="1.0" encoding="utf-8"?>
-<p:notes xmlns:a="http://schemas.openxmlformats.org/drawingml/2006/main" xmlns:r="http://schemas.openxmlformats.org/officeDocument/2006/relationships" xmlns:mc="http://schemas.openxmlformats.org/markup-compatibility/2006" xmlns:mv="urn:schemas-microsoft-com:mac:vml" xmlns:p="http://schemas.openxmlformats.org/presentationml/2006/main" xmlns:c="http://schemas.openxmlformats.org/drawingml/2006/chart" xmlns:dgm="http://schemas.openxmlformats.org/drawingml/2006/diagram" xmlns:o="urn:schemas-microsoft-com:office:office" xmlns:v="urn:schemas-microsoft-com:vml" xmlns:pvml="urn:schemas-microsoft-com:office:powerpoint" xmlns:com="http://schemas.openxmlformats.org/drawingml/2006/compatibility" xmlns:p14="http://schemas.microsoft.com/office/powerpoint/2010/main" xmlns:p15="http://schemas.microsoft.com/office/powerpoint/2012/main" showMasterPhAnim="0" showMasterSp="0">
+<p:notes xmlns:a="http://schemas.openxmlformats.org/drawingml/2006/main" xmlns:r="http://schemas.openxmlformats.org/officeDocument/2006/relationships" xmlns:p="http://schemas.openxmlformats.org/presentationml/2006/main" showMasterSp="0" showMasterPhAnim="0">
   <p:cSld>
     <p:spTree>
       <p:nvGrpSpPr>
-        <p:cNvPr id="115" name="Shape 115"/>
+        <p:cNvPr id="1" name="Shape 115"/>
         <p:cNvGrpSpPr/>
         <p:nvPr/>
       </p:nvGrpSpPr>
@@ -1516,9 +1571,11 @@
       <p:sp>
         <p:nvSpPr>
           <p:cNvPr id="116" name="Google Shape;116;g6b30a9fe52_0_12:notes"/>
-          <p:cNvSpPr/>
+          <p:cNvSpPr>
+            <a:spLocks noGrp="1" noRot="1" noChangeAspect="1"/>
+          </p:cNvSpPr>
           <p:nvPr>
-            <p:ph idx="2" type="sldImg"/>
+            <p:ph type="sldImg" idx="2"/>
           </p:nvPr>
         </p:nvSpPr>
         <p:spPr>
@@ -1527,9 +1584,13 @@
             <a:ext cx="6096000" cy="3429000"/>
           </a:xfrm>
           <a:custGeom>
-            <a:rect b="b" l="l" r="r" t="t"/>
+            <a:avLst/>
+            <a:gdLst/>
+            <a:ahLst/>
+            <a:cxnLst/>
+            <a:rect l="l" t="t" r="r" b="b"/>
             <a:pathLst>
-              <a:path extrusionOk="0" h="120000" w="120000">
+              <a:path w="120000" h="120000" extrusionOk="0">
                 <a:moveTo>
                   <a:pt x="0" y="0"/>
                 </a:moveTo>
@@ -1551,9 +1612,11 @@
       <p:sp>
         <p:nvSpPr>
           <p:cNvPr id="117" name="Google Shape;117;g6b30a9fe52_0_12:notes"/>
-          <p:cNvSpPr txBox="1"/>
+          <p:cNvSpPr txBox="1">
+            <a:spLocks noGrp="1"/>
+          </p:cNvSpPr>
           <p:nvPr>
-            <p:ph idx="1" type="body"/>
+            <p:ph type="body" idx="1"/>
           </p:nvPr>
         </p:nvSpPr>
         <p:spPr>
@@ -1566,12 +1629,12 @@
           </a:prstGeom>
         </p:spPr>
         <p:txBody>
-          <a:bodyPr anchorCtr="0" anchor="t" bIns="91425" lIns="91425" spcFirstLastPara="1" rIns="91425" wrap="square" tIns="91425">
+          <a:bodyPr spcFirstLastPara="1" wrap="square" lIns="91425" tIns="91425" rIns="91425" bIns="91425" anchor="t" anchorCtr="0">
             <a:noAutofit/>
           </a:bodyPr>
           <a:lstStyle/>
           <a:p>
-            <a:pPr indent="0" lvl="0" marL="0" rtl="0" algn="l">
+            <a:pPr marL="0" lvl="0" indent="0" algn="l" rtl="0">
               <a:spcBef>
                 <a:spcPts val="0"/>
               </a:spcBef>
@@ -1580,9 +1643,6 @@
               </a:spcAft>
               <a:buNone/>
             </a:pPr>
-            <a:r>
-              <a:t/>
-            </a:r>
             <a:endParaRPr/>
           </a:p>
         </p:txBody>
@@ -1596,11 +1656,11 @@
 </file>
 
 <file path=ppt/notesSlides/notesSlide9.xml><?xml version="1.0" encoding="utf-8"?>
-<p:notes xmlns:a="http://schemas.openxmlformats.org/drawingml/2006/main" xmlns:r="http://schemas.openxmlformats.org/officeDocument/2006/relationships" xmlns:mc="http://schemas.openxmlformats.org/markup-compatibility/2006" xmlns:mv="urn:schemas-microsoft-com:mac:vml" xmlns:p="http://schemas.openxmlformats.org/presentationml/2006/main" xmlns:c="http://schemas.openxmlformats.org/drawingml/2006/chart" xmlns:dgm="http://schemas.openxmlformats.org/drawingml/2006/diagram" xmlns:o="urn:schemas-microsoft-com:office:office" xmlns:v="urn:schemas-microsoft-com:vml" xmlns:pvml="urn:schemas-microsoft-com:office:powerpoint" xmlns:com="http://schemas.openxmlformats.org/drawingml/2006/compatibility" xmlns:p14="http://schemas.microsoft.com/office/powerpoint/2010/main" xmlns:p15="http://schemas.microsoft.com/office/powerpoint/2012/main" showMasterPhAnim="0" showMasterSp="0">
+<p:notes xmlns:a="http://schemas.openxmlformats.org/drawingml/2006/main" xmlns:r="http://schemas.openxmlformats.org/officeDocument/2006/relationships" xmlns:p="http://schemas.openxmlformats.org/presentationml/2006/main" showMasterSp="0" showMasterPhAnim="0">
   <p:cSld>
     <p:spTree>
       <p:nvGrpSpPr>
-        <p:cNvPr id="122" name="Shape 122"/>
+        <p:cNvPr id="1" name="Shape 122"/>
         <p:cNvGrpSpPr/>
         <p:nvPr/>
       </p:nvGrpSpPr>
@@ -1615,20 +1675,26 @@
       <p:sp>
         <p:nvSpPr>
           <p:cNvPr id="123" name="Google Shape;123;g5f9696c198_0_379:notes"/>
-          <p:cNvSpPr/>
+          <p:cNvSpPr>
+            <a:spLocks noGrp="1" noRot="1" noChangeAspect="1"/>
+          </p:cNvSpPr>
           <p:nvPr>
-            <p:ph idx="2" type="sldImg"/>
+            <p:ph type="sldImg" idx="2"/>
           </p:nvPr>
         </p:nvSpPr>
         <p:spPr>
           <a:xfrm>
-            <a:off x="381188" y="685800"/>
-            <a:ext cx="6096300" cy="3429000"/>
+            <a:off x="381000" y="685800"/>
+            <a:ext cx="6096000" cy="3429000"/>
           </a:xfrm>
           <a:custGeom>
-            <a:rect b="b" l="l" r="r" t="t"/>
+            <a:avLst/>
+            <a:gdLst/>
+            <a:ahLst/>
+            <a:cxnLst/>
+            <a:rect l="l" t="t" r="r" b="b"/>
             <a:pathLst>
-              <a:path extrusionOk="0" h="120000" w="120000">
+              <a:path w="120000" h="120000" extrusionOk="0">
                 <a:moveTo>
                   <a:pt x="0" y="0"/>
                 </a:moveTo>
@@ -1650,9 +1716,11 @@
       <p:sp>
         <p:nvSpPr>
           <p:cNvPr id="124" name="Google Shape;124;g5f9696c198_0_379:notes"/>
-          <p:cNvSpPr txBox="1"/>
+          <p:cNvSpPr txBox="1">
+            <a:spLocks noGrp="1"/>
+          </p:cNvSpPr>
           <p:nvPr>
-            <p:ph idx="1" type="body"/>
+            <p:ph type="body" idx="1"/>
           </p:nvPr>
         </p:nvSpPr>
         <p:spPr>
@@ -1665,12 +1733,12 @@
           </a:prstGeom>
         </p:spPr>
         <p:txBody>
-          <a:bodyPr anchorCtr="0" anchor="t" bIns="91425" lIns="91425" spcFirstLastPara="1" rIns="91425" wrap="square" tIns="91425">
+          <a:bodyPr spcFirstLastPara="1" wrap="square" lIns="91425" tIns="91425" rIns="91425" bIns="91425" anchor="t" anchorCtr="0">
             <a:noAutofit/>
           </a:bodyPr>
           <a:lstStyle/>
           <a:p>
-            <a:pPr indent="0" lvl="0" marL="0" rtl="0" algn="l">
+            <a:pPr marL="0" lvl="0" indent="0" algn="l" rtl="0">
               <a:spcBef>
                 <a:spcPts val="0"/>
               </a:spcBef>
@@ -1679,9 +1747,6 @@
               </a:spcAft>
               <a:buNone/>
             </a:pPr>
-            <a:r>
-              <a:t/>
-            </a:r>
             <a:endParaRPr/>
           </a:p>
         </p:txBody>
@@ -1695,11 +1760,11 @@
 </file>
 
 <file path=ppt/slideLayouts/slideLayout1.xml><?xml version="1.0" encoding="utf-8"?>
-<p:sldLayout xmlns:a="http://schemas.openxmlformats.org/drawingml/2006/main" xmlns:r="http://schemas.openxmlformats.org/officeDocument/2006/relationships" xmlns:mc="http://schemas.openxmlformats.org/markup-compatibility/2006" xmlns:mv="urn:schemas-microsoft-com:mac:vml" xmlns:p="http://schemas.openxmlformats.org/presentationml/2006/main" xmlns:c="http://schemas.openxmlformats.org/drawingml/2006/chart" xmlns:dgm="http://schemas.openxmlformats.org/drawingml/2006/diagram" xmlns:o="urn:schemas-microsoft-com:office:office" xmlns:v="urn:schemas-microsoft-com:vml" xmlns:pvml="urn:schemas-microsoft-com:office:powerpoint" xmlns:com="http://schemas.openxmlformats.org/drawingml/2006/compatibility" xmlns:p14="http://schemas.microsoft.com/office/powerpoint/2010/main" xmlns:p15="http://schemas.microsoft.com/office/powerpoint/2012/main" matchingName="Title slide" type="title">
+<p:sldLayout xmlns:a="http://schemas.openxmlformats.org/drawingml/2006/main" xmlns:r="http://schemas.openxmlformats.org/officeDocument/2006/relationships" xmlns:p="http://schemas.openxmlformats.org/presentationml/2006/main" matchingName="Title slide" type="title">
   <p:cSld name="TITLE">
     <p:spTree>
       <p:nvGrpSpPr>
-        <p:cNvPr id="9" name="Shape 9"/>
+        <p:cNvPr id="1" name="Shape 9"/>
         <p:cNvGrpSpPr/>
         <p:nvPr/>
       </p:nvGrpSpPr>
@@ -1733,12 +1798,12 @@
           </a:ln>
         </p:spPr>
         <p:txBody>
-          <a:bodyPr anchorCtr="0" anchor="ctr" bIns="91425" lIns="91425" spcFirstLastPara="1" rIns="91425" wrap="square" tIns="91425">
+          <a:bodyPr spcFirstLastPara="1" wrap="square" lIns="91425" tIns="91425" rIns="91425" bIns="91425" anchor="ctr" anchorCtr="0">
             <a:noAutofit/>
           </a:bodyPr>
           <a:lstStyle/>
           <a:p>
-            <a:pPr indent="0" lvl="0" marL="0" rtl="0" algn="l">
+            <a:pPr marL="0" lvl="0" indent="0" algn="l" rtl="0">
               <a:spcBef>
                 <a:spcPts val="0"/>
               </a:spcBef>
@@ -1747,9 +1812,6 @@
               </a:spcAft>
               <a:buNone/>
             </a:pPr>
-            <a:r>
-              <a:t/>
-            </a:r>
             <a:endParaRPr/>
           </a:p>
         </p:txBody>
@@ -1767,7 +1829,7 @@
           </a:xfrm>
           <a:prstGeom prst="round1Rect">
             <a:avLst>
-              <a:gd fmla="val 16667" name="adj"/>
+              <a:gd name="adj" fmla="val 16667"/>
             </a:avLst>
           </a:prstGeom>
           <a:solidFill>
@@ -1780,12 +1842,12 @@
           </a:ln>
         </p:spPr>
         <p:txBody>
-          <a:bodyPr anchorCtr="0" anchor="ctr" bIns="91425" lIns="91425" spcFirstLastPara="1" rIns="91425" wrap="square" tIns="91425">
+          <a:bodyPr spcFirstLastPara="1" wrap="square" lIns="91425" tIns="91425" rIns="91425" bIns="91425" anchor="ctr" anchorCtr="0">
             <a:noAutofit/>
           </a:bodyPr>
           <a:lstStyle/>
           <a:p>
-            <a:pPr indent="0" lvl="0" marL="0" rtl="0" algn="l">
+            <a:pPr marL="0" lvl="0" indent="0" algn="l" rtl="0">
               <a:spcBef>
                 <a:spcPts val="0"/>
               </a:spcBef>
@@ -1794,9 +1856,6 @@
               </a:spcAft>
               <a:buNone/>
             </a:pPr>
-            <a:r>
-              <a:t/>
-            </a:r>
             <a:endParaRPr/>
           </a:p>
         </p:txBody>
@@ -1804,7 +1863,9 @@
       <p:sp>
         <p:nvSpPr>
           <p:cNvPr id="12" name="Google Shape;12;p2"/>
-          <p:cNvSpPr txBox="1"/>
+          <p:cNvSpPr txBox="1">
+            <a:spLocks noGrp="1"/>
+          </p:cNvSpPr>
           <p:nvPr>
             <p:ph type="ctrTitle"/>
           </p:nvPr>
@@ -1819,7 +1880,7 @@
           </a:prstGeom>
         </p:spPr>
         <p:txBody>
-          <a:bodyPr anchorCtr="0" anchor="b" bIns="91425" lIns="91425" spcFirstLastPara="1" rIns="91425" wrap="square" tIns="91425">
+          <a:bodyPr spcFirstLastPara="1" wrap="square" lIns="91425" tIns="91425" rIns="91425" bIns="91425" anchor="b" anchorCtr="0">
             <a:noAutofit/>
           </a:bodyPr>
           <a:lstStyle>
@@ -1923,15 +1984,19 @@
               <a:defRPr sz="4800"/>
             </a:lvl9pPr>
           </a:lstStyle>
-          <a:p/>
+          <a:p>
+            <a:endParaRPr/>
+          </a:p>
         </p:txBody>
       </p:sp>
       <p:sp>
         <p:nvSpPr>
           <p:cNvPr id="13" name="Google Shape;13;p2"/>
-          <p:cNvSpPr txBox="1"/>
+          <p:cNvSpPr txBox="1">
+            <a:spLocks noGrp="1"/>
+          </p:cNvSpPr>
           <p:nvPr>
-            <p:ph idx="1" type="subTitle"/>
+            <p:ph type="subTitle" idx="1"/>
           </p:nvPr>
         </p:nvSpPr>
         <p:spPr>
@@ -1944,7 +2009,7 @@
           </a:prstGeom>
         </p:spPr>
         <p:txBody>
-          <a:bodyPr anchorCtr="0" anchor="t" bIns="91425" lIns="91425" spcFirstLastPara="1" rIns="91425" wrap="square" tIns="91425">
+          <a:bodyPr spcFirstLastPara="1" wrap="square" lIns="91425" tIns="91425" rIns="91425" bIns="91425" anchor="t" anchorCtr="0">
             <a:noAutofit/>
           </a:bodyPr>
           <a:lstStyle>
@@ -2138,15 +2203,19 @@
               </a:defRPr>
             </a:lvl9pPr>
           </a:lstStyle>
-          <a:p/>
+          <a:p>
+            <a:endParaRPr/>
+          </a:p>
         </p:txBody>
       </p:sp>
       <p:sp>
         <p:nvSpPr>
           <p:cNvPr id="14" name="Google Shape;14;p2"/>
-          <p:cNvSpPr txBox="1"/>
+          <p:cNvSpPr txBox="1">
+            <a:spLocks noGrp="1"/>
+          </p:cNvSpPr>
           <p:nvPr>
-            <p:ph idx="12" type="sldNum"/>
+            <p:ph type="sldNum" idx="12"/>
           </p:nvPr>
         </p:nvSpPr>
         <p:spPr>
@@ -2159,7 +2228,7 @@
           </a:prstGeom>
         </p:spPr>
         <p:txBody>
-          <a:bodyPr anchorCtr="0" anchor="ctr" bIns="91425" lIns="91425" spcFirstLastPara="1" rIns="91425" wrap="square" tIns="91425">
+          <a:bodyPr spcFirstLastPara="1" wrap="square" lIns="91425" tIns="91425" rIns="91425" bIns="91425" anchor="ctr" anchorCtr="0">
             <a:noAutofit/>
           </a:bodyPr>
           <a:lstStyle>
@@ -2201,7 +2270,7 @@
             </a:lvl9pPr>
           </a:lstStyle>
           <a:p>
-            <a:pPr indent="0" lvl="0" marL="0" rtl="0" algn="r">
+            <a:pPr marL="0" lvl="0" indent="0" algn="r" rtl="0">
               <a:spcBef>
                 <a:spcPts val="0"/>
               </a:spcBef>
@@ -2227,18 +2296,19 @@
 </file>
 
 <file path=ppt/slideLayouts/slideLayout10.xml><?xml version="1.0" encoding="utf-8"?>
-<p:sldLayout xmlns:a="http://schemas.openxmlformats.org/drawingml/2006/main" xmlns:r="http://schemas.openxmlformats.org/officeDocument/2006/relationships" xmlns:mc="http://schemas.openxmlformats.org/markup-compatibility/2006" xmlns:mv="urn:schemas-microsoft-com:mac:vml" xmlns:p="http://schemas.openxmlformats.org/presentationml/2006/main" xmlns:c="http://schemas.openxmlformats.org/drawingml/2006/chart" xmlns:dgm="http://schemas.openxmlformats.org/drawingml/2006/diagram" xmlns:o="urn:schemas-microsoft-com:office:office" xmlns:v="urn:schemas-microsoft-com:vml" xmlns:pvml="urn:schemas-microsoft-com:office:powerpoint" xmlns:com="http://schemas.openxmlformats.org/drawingml/2006/compatibility" xmlns:p14="http://schemas.microsoft.com/office/powerpoint/2010/main" xmlns:p15="http://schemas.microsoft.com/office/powerpoint/2012/main" matchingName="Big number">
+<p:sldLayout xmlns:a="http://schemas.openxmlformats.org/drawingml/2006/main" xmlns:r="http://schemas.openxmlformats.org/officeDocument/2006/relationships" xmlns:p="http://schemas.openxmlformats.org/presentationml/2006/main" matchingName="Big number">
   <p:cSld name="BIG_NUMBER">
     <p:bg>
       <p:bgPr>
         <a:solidFill>
           <a:schemeClr val="accent4"/>
         </a:solidFill>
+        <a:effectLst/>
       </p:bgPr>
     </p:bg>
     <p:spTree>
       <p:nvGrpSpPr>
-        <p:cNvPr id="57" name="Shape 57"/>
+        <p:cNvPr id="1" name="Shape 57"/>
         <p:cNvGrpSpPr/>
         <p:nvPr/>
       </p:nvGrpSpPr>
@@ -2253,9 +2323,11 @@
       <p:sp>
         <p:nvSpPr>
           <p:cNvPr id="58" name="Google Shape;58;p11"/>
-          <p:cNvSpPr txBox="1"/>
+          <p:cNvSpPr txBox="1">
+            <a:spLocks noGrp="1"/>
+          </p:cNvSpPr>
           <p:nvPr>
-            <p:ph hasCustomPrompt="1" type="title"/>
+            <p:ph type="title" hasCustomPrompt="1"/>
           </p:nvPr>
         </p:nvSpPr>
         <p:spPr>
@@ -2268,7 +2340,7 @@
           </a:prstGeom>
         </p:spPr>
         <p:txBody>
-          <a:bodyPr anchorCtr="0" anchor="b" bIns="91425" lIns="91425" spcFirstLastPara="1" rIns="91425" wrap="square" tIns="91425">
+          <a:bodyPr spcFirstLastPara="1" wrap="square" lIns="91425" tIns="91425" rIns="91425" bIns="91425" anchor="b" anchorCtr="0">
             <a:noAutofit/>
           </a:bodyPr>
           <a:lstStyle>
@@ -2445,9 +2517,11 @@
       <p:sp>
         <p:nvSpPr>
           <p:cNvPr id="59" name="Google Shape;59;p11"/>
-          <p:cNvSpPr txBox="1"/>
+          <p:cNvSpPr txBox="1">
+            <a:spLocks noGrp="1"/>
+          </p:cNvSpPr>
           <p:nvPr>
-            <p:ph idx="1" type="body"/>
+            <p:ph type="body" idx="1"/>
           </p:nvPr>
         </p:nvSpPr>
         <p:spPr>
@@ -2460,11 +2534,11 @@
           </a:prstGeom>
         </p:spPr>
         <p:txBody>
-          <a:bodyPr anchorCtr="0" anchor="t" bIns="91425" lIns="91425" spcFirstLastPara="1" rIns="91425" wrap="square" tIns="91425">
+          <a:bodyPr spcFirstLastPara="1" wrap="square" lIns="91425" tIns="91425" rIns="91425" bIns="91425" anchor="t" anchorCtr="0">
             <a:noAutofit/>
           </a:bodyPr>
           <a:lstStyle>
-            <a:lvl1pPr indent="-342900" lvl="0" marL="457200" algn="ctr">
+            <a:lvl1pPr marL="457200" lvl="0" indent="-342900" algn="ctr">
               <a:spcBef>
                 <a:spcPts val="0"/>
               </a:spcBef>
@@ -2475,7 +2549,7 @@
               <a:buChar char="●"/>
               <a:defRPr/>
             </a:lvl1pPr>
-            <a:lvl2pPr indent="-317500" lvl="1" marL="914400" algn="ctr">
+            <a:lvl2pPr marL="914400" lvl="1" indent="-317500" algn="ctr">
               <a:spcBef>
                 <a:spcPts val="1600"/>
               </a:spcBef>
@@ -2486,7 +2560,7 @@
               <a:buChar char="○"/>
               <a:defRPr/>
             </a:lvl2pPr>
-            <a:lvl3pPr indent="-317500" lvl="2" marL="1371600" algn="ctr">
+            <a:lvl3pPr marL="1371600" lvl="2" indent="-317500" algn="ctr">
               <a:spcBef>
                 <a:spcPts val="1600"/>
               </a:spcBef>
@@ -2497,7 +2571,7 @@
               <a:buChar char="■"/>
               <a:defRPr/>
             </a:lvl3pPr>
-            <a:lvl4pPr indent="-317500" lvl="3" marL="1828800" algn="ctr">
+            <a:lvl4pPr marL="1828800" lvl="3" indent="-317500" algn="ctr">
               <a:spcBef>
                 <a:spcPts val="1600"/>
               </a:spcBef>
@@ -2508,7 +2582,7 @@
               <a:buChar char="●"/>
               <a:defRPr/>
             </a:lvl4pPr>
-            <a:lvl5pPr indent="-317500" lvl="4" marL="2286000" algn="ctr">
+            <a:lvl5pPr marL="2286000" lvl="4" indent="-317500" algn="ctr">
               <a:spcBef>
                 <a:spcPts val="1600"/>
               </a:spcBef>
@@ -2519,7 +2593,7 @@
               <a:buChar char="○"/>
               <a:defRPr/>
             </a:lvl5pPr>
-            <a:lvl6pPr indent="-317500" lvl="5" marL="2743200" algn="ctr">
+            <a:lvl6pPr marL="2743200" lvl="5" indent="-317500" algn="ctr">
               <a:spcBef>
                 <a:spcPts val="1600"/>
               </a:spcBef>
@@ -2530,7 +2604,7 @@
               <a:buChar char="■"/>
               <a:defRPr/>
             </a:lvl6pPr>
-            <a:lvl7pPr indent="-317500" lvl="6" marL="3200400" algn="ctr">
+            <a:lvl7pPr marL="3200400" lvl="6" indent="-317500" algn="ctr">
               <a:spcBef>
                 <a:spcPts val="1600"/>
               </a:spcBef>
@@ -2541,7 +2615,7 @@
               <a:buChar char="●"/>
               <a:defRPr/>
             </a:lvl7pPr>
-            <a:lvl8pPr indent="-317500" lvl="7" marL="3657600" algn="ctr">
+            <a:lvl8pPr marL="3657600" lvl="7" indent="-317500" algn="ctr">
               <a:spcBef>
                 <a:spcPts val="1600"/>
               </a:spcBef>
@@ -2552,7 +2626,7 @@
               <a:buChar char="○"/>
               <a:defRPr/>
             </a:lvl8pPr>
-            <a:lvl9pPr indent="-317500" lvl="8" marL="4114800" algn="ctr">
+            <a:lvl9pPr marL="4114800" lvl="8" indent="-317500" algn="ctr">
               <a:spcBef>
                 <a:spcPts val="1600"/>
               </a:spcBef>
@@ -2564,15 +2638,19 @@
               <a:defRPr/>
             </a:lvl9pPr>
           </a:lstStyle>
-          <a:p/>
+          <a:p>
+            <a:endParaRPr/>
+          </a:p>
         </p:txBody>
       </p:sp>
       <p:sp>
         <p:nvSpPr>
           <p:cNvPr id="60" name="Google Shape;60;p11"/>
-          <p:cNvSpPr txBox="1"/>
+          <p:cNvSpPr txBox="1">
+            <a:spLocks noGrp="1"/>
+          </p:cNvSpPr>
           <p:nvPr>
-            <p:ph idx="12" type="sldNum"/>
+            <p:ph type="sldNum" idx="12"/>
           </p:nvPr>
         </p:nvSpPr>
         <p:spPr>
@@ -2585,7 +2663,7 @@
           </a:prstGeom>
         </p:spPr>
         <p:txBody>
-          <a:bodyPr anchorCtr="0" anchor="ctr" bIns="91425" lIns="91425" spcFirstLastPara="1" rIns="91425" wrap="square" tIns="91425">
+          <a:bodyPr spcFirstLastPara="1" wrap="square" lIns="91425" tIns="91425" rIns="91425" bIns="91425" anchor="ctr" anchorCtr="0">
             <a:noAutofit/>
           </a:bodyPr>
           <a:lstStyle>
@@ -2627,7 +2705,7 @@
             </a:lvl9pPr>
           </a:lstStyle>
           <a:p>
-            <a:pPr indent="0" lvl="0" marL="0" rtl="0" algn="r">
+            <a:pPr marL="0" lvl="0" indent="0" algn="r" rtl="0">
               <a:spcBef>
                 <a:spcPts val="0"/>
               </a:spcBef>
@@ -2653,18 +2731,19 @@
 </file>
 
 <file path=ppt/slideLayouts/slideLayout11.xml><?xml version="1.0" encoding="utf-8"?>
-<p:sldLayout xmlns:a="http://schemas.openxmlformats.org/drawingml/2006/main" xmlns:r="http://schemas.openxmlformats.org/officeDocument/2006/relationships" xmlns:mc="http://schemas.openxmlformats.org/markup-compatibility/2006" xmlns:mv="urn:schemas-microsoft-com:mac:vml" xmlns:p="http://schemas.openxmlformats.org/presentationml/2006/main" xmlns:c="http://schemas.openxmlformats.org/drawingml/2006/chart" xmlns:dgm="http://schemas.openxmlformats.org/drawingml/2006/diagram" xmlns:o="urn:schemas-microsoft-com:office:office" xmlns:v="urn:schemas-microsoft-com:vml" xmlns:pvml="urn:schemas-microsoft-com:office:powerpoint" xmlns:com="http://schemas.openxmlformats.org/drawingml/2006/compatibility" xmlns:p14="http://schemas.microsoft.com/office/powerpoint/2010/main" xmlns:p15="http://schemas.microsoft.com/office/powerpoint/2012/main" matchingName="Blank" type="blank">
+<p:sldLayout xmlns:a="http://schemas.openxmlformats.org/drawingml/2006/main" xmlns:r="http://schemas.openxmlformats.org/officeDocument/2006/relationships" xmlns:p="http://schemas.openxmlformats.org/presentationml/2006/main" matchingName="Blank" type="blank">
   <p:cSld name="BLANK">
     <p:bg>
       <p:bgPr>
         <a:solidFill>
           <a:schemeClr val="accent4"/>
         </a:solidFill>
+        <a:effectLst/>
       </p:bgPr>
     </p:bg>
     <p:spTree>
       <p:nvGrpSpPr>
-        <p:cNvPr id="61" name="Shape 61"/>
+        <p:cNvPr id="1" name="Shape 61"/>
         <p:cNvGrpSpPr/>
         <p:nvPr/>
       </p:nvGrpSpPr>
@@ -2679,9 +2758,11 @@
       <p:sp>
         <p:nvSpPr>
           <p:cNvPr id="62" name="Google Shape;62;p12"/>
-          <p:cNvSpPr txBox="1"/>
+          <p:cNvSpPr txBox="1">
+            <a:spLocks noGrp="1"/>
+          </p:cNvSpPr>
           <p:nvPr>
-            <p:ph idx="12" type="sldNum"/>
+            <p:ph type="sldNum" idx="12"/>
           </p:nvPr>
         </p:nvSpPr>
         <p:spPr>
@@ -2694,7 +2775,7 @@
           </a:prstGeom>
         </p:spPr>
         <p:txBody>
-          <a:bodyPr anchorCtr="0" anchor="ctr" bIns="91425" lIns="91425" spcFirstLastPara="1" rIns="91425" wrap="square" tIns="91425">
+          <a:bodyPr spcFirstLastPara="1" wrap="square" lIns="91425" tIns="91425" rIns="91425" bIns="91425" anchor="ctr" anchorCtr="0">
             <a:noAutofit/>
           </a:bodyPr>
           <a:lstStyle>
@@ -2736,7 +2817,7 @@
             </a:lvl9pPr>
           </a:lstStyle>
           <a:p>
-            <a:pPr indent="0" lvl="0" marL="0" rtl="0" algn="r">
+            <a:pPr marL="0" lvl="0" indent="0" algn="r" rtl="0">
               <a:spcBef>
                 <a:spcPts val="0"/>
               </a:spcBef>
@@ -2762,11 +2843,11 @@
 </file>
 
 <file path=ppt/slideLayouts/slideLayout2.xml><?xml version="1.0" encoding="utf-8"?>
-<p:sldLayout xmlns:a="http://schemas.openxmlformats.org/drawingml/2006/main" xmlns:r="http://schemas.openxmlformats.org/officeDocument/2006/relationships" xmlns:mc="http://schemas.openxmlformats.org/markup-compatibility/2006" xmlns:mv="urn:schemas-microsoft-com:mac:vml" xmlns:p="http://schemas.openxmlformats.org/presentationml/2006/main" xmlns:c="http://schemas.openxmlformats.org/drawingml/2006/chart" xmlns:dgm="http://schemas.openxmlformats.org/drawingml/2006/diagram" xmlns:o="urn:schemas-microsoft-com:office:office" xmlns:v="urn:schemas-microsoft-com:vml" xmlns:pvml="urn:schemas-microsoft-com:office:powerpoint" xmlns:com="http://schemas.openxmlformats.org/drawingml/2006/compatibility" xmlns:p14="http://schemas.microsoft.com/office/powerpoint/2010/main" xmlns:p15="http://schemas.microsoft.com/office/powerpoint/2012/main" matchingName="Section header" type="secHead">
+<p:sldLayout xmlns:a="http://schemas.openxmlformats.org/drawingml/2006/main" xmlns:r="http://schemas.openxmlformats.org/officeDocument/2006/relationships" xmlns:p="http://schemas.openxmlformats.org/presentationml/2006/main" matchingName="Section header" type="secHead">
   <p:cSld name="SECTION_HEADER">
     <p:spTree>
       <p:nvGrpSpPr>
-        <p:cNvPr id="15" name="Shape 15"/>
+        <p:cNvPr id="1" name="Shape 15"/>
         <p:cNvGrpSpPr/>
         <p:nvPr/>
       </p:nvGrpSpPr>
@@ -2781,7 +2862,9 @@
       <p:sp>
         <p:nvSpPr>
           <p:cNvPr id="16" name="Google Shape;16;p3"/>
-          <p:cNvSpPr txBox="1"/>
+          <p:cNvSpPr txBox="1">
+            <a:spLocks noGrp="1"/>
+          </p:cNvSpPr>
           <p:nvPr>
             <p:ph type="title"/>
           </p:nvPr>
@@ -2796,7 +2879,7 @@
           </a:prstGeom>
         </p:spPr>
         <p:txBody>
-          <a:bodyPr anchorCtr="0" anchor="ctr" bIns="91425" lIns="91425" spcFirstLastPara="1" rIns="91425" wrap="square" tIns="91425">
+          <a:bodyPr spcFirstLastPara="1" wrap="square" lIns="91425" tIns="91425" rIns="91425" bIns="91425" anchor="ctr" anchorCtr="0">
             <a:noAutofit/>
           </a:bodyPr>
           <a:lstStyle>
@@ -2900,15 +2983,19 @@
               <a:defRPr sz="4200"/>
             </a:lvl9pPr>
           </a:lstStyle>
-          <a:p/>
+          <a:p>
+            <a:endParaRPr/>
+          </a:p>
         </p:txBody>
       </p:sp>
       <p:sp>
         <p:nvSpPr>
           <p:cNvPr id="17" name="Google Shape;17;p3"/>
-          <p:cNvSpPr txBox="1"/>
+          <p:cNvSpPr txBox="1">
+            <a:spLocks noGrp="1"/>
+          </p:cNvSpPr>
           <p:nvPr>
-            <p:ph idx="12" type="sldNum"/>
+            <p:ph type="sldNum" idx="12"/>
           </p:nvPr>
         </p:nvSpPr>
         <p:spPr>
@@ -2921,7 +3008,7 @@
           </a:prstGeom>
         </p:spPr>
         <p:txBody>
-          <a:bodyPr anchorCtr="0" anchor="ctr" bIns="91425" lIns="91425" spcFirstLastPara="1" rIns="91425" wrap="square" tIns="91425">
+          <a:bodyPr spcFirstLastPara="1" wrap="square" lIns="91425" tIns="91425" rIns="91425" bIns="91425" anchor="ctr" anchorCtr="0">
             <a:noAutofit/>
           </a:bodyPr>
           <a:lstStyle>
@@ -2999,7 +3086,7 @@
             </a:lvl9pPr>
           </a:lstStyle>
           <a:p>
-            <a:pPr indent="0" lvl="0" marL="0" rtl="0" algn="r">
+            <a:pPr marL="0" lvl="0" indent="0" algn="r" rtl="0">
               <a:spcBef>
                 <a:spcPts val="0"/>
               </a:spcBef>
@@ -3025,11 +3112,11 @@
 </file>
 
 <file path=ppt/slideLayouts/slideLayout3.xml><?xml version="1.0" encoding="utf-8"?>
-<p:sldLayout xmlns:a="http://schemas.openxmlformats.org/drawingml/2006/main" xmlns:r="http://schemas.openxmlformats.org/officeDocument/2006/relationships" xmlns:mc="http://schemas.openxmlformats.org/markup-compatibility/2006" xmlns:mv="urn:schemas-microsoft-com:mac:vml" xmlns:p="http://schemas.openxmlformats.org/presentationml/2006/main" xmlns:c="http://schemas.openxmlformats.org/drawingml/2006/chart" xmlns:dgm="http://schemas.openxmlformats.org/drawingml/2006/diagram" xmlns:o="urn:schemas-microsoft-com:office:office" xmlns:v="urn:schemas-microsoft-com:vml" xmlns:pvml="urn:schemas-microsoft-com:office:powerpoint" xmlns:com="http://schemas.openxmlformats.org/drawingml/2006/compatibility" xmlns:p14="http://schemas.microsoft.com/office/powerpoint/2010/main" xmlns:p15="http://schemas.microsoft.com/office/powerpoint/2012/main" matchingName="Title and body" type="tx">
+<p:sldLayout xmlns:a="http://schemas.openxmlformats.org/drawingml/2006/main" xmlns:r="http://schemas.openxmlformats.org/officeDocument/2006/relationships" xmlns:p="http://schemas.openxmlformats.org/presentationml/2006/main" matchingName="Title and body" type="tx">
   <p:cSld name="TITLE_AND_BODY">
     <p:spTree>
       <p:nvGrpSpPr>
-        <p:cNvPr id="18" name="Shape 18"/>
+        <p:cNvPr id="1" name="Shape 18"/>
         <p:cNvGrpSpPr/>
         <p:nvPr/>
       </p:nvGrpSpPr>
@@ -3048,7 +3135,7 @@
           <p:nvPr/>
         </p:nvSpPr>
         <p:spPr>
-          <a:xfrm flipH="1" rot="10800000">
+          <a:xfrm rot="10800000" flipH="1">
             <a:off x="0" y="1686000"/>
             <a:ext cx="9144000" cy="3457500"/>
           </a:xfrm>
@@ -3063,12 +3150,12 @@
           </a:ln>
         </p:spPr>
         <p:txBody>
-          <a:bodyPr anchorCtr="0" anchor="ctr" bIns="91425" lIns="91425" spcFirstLastPara="1" rIns="91425" wrap="square" tIns="91425">
+          <a:bodyPr spcFirstLastPara="1" wrap="square" lIns="91425" tIns="91425" rIns="91425" bIns="91425" anchor="ctr" anchorCtr="0">
             <a:noAutofit/>
           </a:bodyPr>
           <a:lstStyle/>
           <a:p>
-            <a:pPr indent="0" lvl="0" marL="0" rtl="0" algn="l">
+            <a:pPr marL="0" lvl="0" indent="0" algn="l" rtl="0">
               <a:spcBef>
                 <a:spcPts val="0"/>
               </a:spcBef>
@@ -3077,9 +3164,6 @@
               </a:spcAft>
               <a:buNone/>
             </a:pPr>
-            <a:r>
-              <a:t/>
-            </a:r>
             <a:endParaRPr/>
           </a:p>
         </p:txBody>
@@ -3120,12 +3204,12 @@
           </a:ln>
         </p:spPr>
         <p:txBody>
-          <a:bodyPr anchorCtr="0" anchor="ctr" bIns="91425" lIns="91425" spcFirstLastPara="1" rIns="91425" wrap="square" tIns="91425">
+          <a:bodyPr spcFirstLastPara="1" wrap="square" lIns="91425" tIns="91425" rIns="91425" bIns="91425" anchor="ctr" anchorCtr="0">
             <a:noAutofit/>
           </a:bodyPr>
           <a:lstStyle/>
           <a:p>
-            <a:pPr indent="0" lvl="0" marL="0" rtl="0" algn="l">
+            <a:pPr marL="0" lvl="0" indent="0" algn="l" rtl="0">
               <a:spcBef>
                 <a:spcPts val="0"/>
               </a:spcBef>
@@ -3134,9 +3218,6 @@
               </a:spcAft>
               <a:buNone/>
             </a:pPr>
-            <a:r>
-              <a:t/>
-            </a:r>
             <a:endParaRPr/>
           </a:p>
         </p:txBody>
@@ -3144,7 +3225,9 @@
       <p:sp>
         <p:nvSpPr>
           <p:cNvPr id="21" name="Google Shape;21;p4"/>
-          <p:cNvSpPr txBox="1"/>
+          <p:cNvSpPr txBox="1">
+            <a:spLocks noGrp="1"/>
+          </p:cNvSpPr>
           <p:nvPr>
             <p:ph type="title"/>
           </p:nvPr>
@@ -3159,7 +3242,7 @@
           </a:prstGeom>
         </p:spPr>
         <p:txBody>
-          <a:bodyPr anchorCtr="0" anchor="b" bIns="91425" lIns="91425" spcFirstLastPara="1" rIns="91425" wrap="square" tIns="91425">
+          <a:bodyPr spcFirstLastPara="1" wrap="square" lIns="91425" tIns="91425" rIns="91425" bIns="91425" anchor="b" anchorCtr="0">
             <a:noAutofit/>
           </a:bodyPr>
           <a:lstStyle>
@@ -3263,15 +3346,19 @@
               <a:defRPr/>
             </a:lvl9pPr>
           </a:lstStyle>
-          <a:p/>
+          <a:p>
+            <a:endParaRPr/>
+          </a:p>
         </p:txBody>
       </p:sp>
       <p:sp>
         <p:nvSpPr>
           <p:cNvPr id="22" name="Google Shape;22;p4"/>
-          <p:cNvSpPr txBox="1"/>
+          <p:cNvSpPr txBox="1">
+            <a:spLocks noGrp="1"/>
+          </p:cNvSpPr>
           <p:nvPr>
-            <p:ph idx="1" type="body"/>
+            <p:ph type="body" idx="1"/>
           </p:nvPr>
         </p:nvSpPr>
         <p:spPr>
@@ -3284,11 +3371,11 @@
           </a:prstGeom>
         </p:spPr>
         <p:txBody>
-          <a:bodyPr anchorCtr="0" anchor="t" bIns="91425" lIns="91425" spcFirstLastPara="1" rIns="91425" wrap="square" tIns="91425">
+          <a:bodyPr spcFirstLastPara="1" wrap="square" lIns="91425" tIns="91425" rIns="91425" bIns="91425" anchor="t" anchorCtr="0">
             <a:noAutofit/>
           </a:bodyPr>
           <a:lstStyle>
-            <a:lvl1pPr indent="-342900" lvl="0" marL="457200">
+            <a:lvl1pPr marL="457200" lvl="0" indent="-342900">
               <a:spcBef>
                 <a:spcPts val="0"/>
               </a:spcBef>
@@ -3299,7 +3386,7 @@
               <a:buChar char="●"/>
               <a:defRPr/>
             </a:lvl1pPr>
-            <a:lvl2pPr indent="-317500" lvl="1" marL="914400">
+            <a:lvl2pPr marL="914400" lvl="1" indent="-317500">
               <a:spcBef>
                 <a:spcPts val="1600"/>
               </a:spcBef>
@@ -3310,7 +3397,7 @@
               <a:buChar char="○"/>
               <a:defRPr/>
             </a:lvl2pPr>
-            <a:lvl3pPr indent="-317500" lvl="2" marL="1371600">
+            <a:lvl3pPr marL="1371600" lvl="2" indent="-317500">
               <a:spcBef>
                 <a:spcPts val="1600"/>
               </a:spcBef>
@@ -3321,7 +3408,7 @@
               <a:buChar char="■"/>
               <a:defRPr/>
             </a:lvl3pPr>
-            <a:lvl4pPr indent="-317500" lvl="3" marL="1828800">
+            <a:lvl4pPr marL="1828800" lvl="3" indent="-317500">
               <a:spcBef>
                 <a:spcPts val="1600"/>
               </a:spcBef>
@@ -3332,7 +3419,7 @@
               <a:buChar char="●"/>
               <a:defRPr/>
             </a:lvl4pPr>
-            <a:lvl5pPr indent="-317500" lvl="4" marL="2286000">
+            <a:lvl5pPr marL="2286000" lvl="4" indent="-317500">
               <a:spcBef>
                 <a:spcPts val="1600"/>
               </a:spcBef>
@@ -3343,7 +3430,7 @@
               <a:buChar char="○"/>
               <a:defRPr/>
             </a:lvl5pPr>
-            <a:lvl6pPr indent="-317500" lvl="5" marL="2743200">
+            <a:lvl6pPr marL="2743200" lvl="5" indent="-317500">
               <a:spcBef>
                 <a:spcPts val="1600"/>
               </a:spcBef>
@@ -3354,7 +3441,7 @@
               <a:buChar char="■"/>
               <a:defRPr/>
             </a:lvl6pPr>
-            <a:lvl7pPr indent="-317500" lvl="6" marL="3200400">
+            <a:lvl7pPr marL="3200400" lvl="6" indent="-317500">
               <a:spcBef>
                 <a:spcPts val="1600"/>
               </a:spcBef>
@@ -3365,7 +3452,7 @@
               <a:buChar char="●"/>
               <a:defRPr/>
             </a:lvl7pPr>
-            <a:lvl8pPr indent="-317500" lvl="7" marL="3657600">
+            <a:lvl8pPr marL="3657600" lvl="7" indent="-317500">
               <a:spcBef>
                 <a:spcPts val="1600"/>
               </a:spcBef>
@@ -3376,7 +3463,7 @@
               <a:buChar char="○"/>
               <a:defRPr/>
             </a:lvl8pPr>
-            <a:lvl9pPr indent="-317500" lvl="8" marL="4114800">
+            <a:lvl9pPr marL="4114800" lvl="8" indent="-317500">
               <a:spcBef>
                 <a:spcPts val="1600"/>
               </a:spcBef>
@@ -3388,15 +3475,19 @@
               <a:defRPr/>
             </a:lvl9pPr>
           </a:lstStyle>
-          <a:p/>
+          <a:p>
+            <a:endParaRPr/>
+          </a:p>
         </p:txBody>
       </p:sp>
       <p:sp>
         <p:nvSpPr>
           <p:cNvPr id="23" name="Google Shape;23;p4"/>
-          <p:cNvSpPr txBox="1"/>
+          <p:cNvSpPr txBox="1">
+            <a:spLocks noGrp="1"/>
+          </p:cNvSpPr>
           <p:nvPr>
-            <p:ph idx="12" type="sldNum"/>
+            <p:ph type="sldNum" idx="12"/>
           </p:nvPr>
         </p:nvSpPr>
         <p:spPr>
@@ -3409,7 +3500,7 @@
           </a:prstGeom>
         </p:spPr>
         <p:txBody>
-          <a:bodyPr anchorCtr="0" anchor="ctr" bIns="91425" lIns="91425" spcFirstLastPara="1" rIns="91425" wrap="square" tIns="91425">
+          <a:bodyPr spcFirstLastPara="1" wrap="square" lIns="91425" tIns="91425" rIns="91425" bIns="91425" anchor="ctr" anchorCtr="0">
             <a:noAutofit/>
           </a:bodyPr>
           <a:lstStyle>
@@ -3451,7 +3542,7 @@
             </a:lvl9pPr>
           </a:lstStyle>
           <a:p>
-            <a:pPr indent="0" lvl="0" marL="0" rtl="0" algn="r">
+            <a:pPr marL="0" lvl="0" indent="0" algn="r" rtl="0">
               <a:spcBef>
                 <a:spcPts val="0"/>
               </a:spcBef>
@@ -3477,11 +3568,11 @@
 </file>
 
 <file path=ppt/slideLayouts/slideLayout4.xml><?xml version="1.0" encoding="utf-8"?>
-<p:sldLayout xmlns:a="http://schemas.openxmlformats.org/drawingml/2006/main" xmlns:r="http://schemas.openxmlformats.org/officeDocument/2006/relationships" xmlns:mc="http://schemas.openxmlformats.org/markup-compatibility/2006" xmlns:mv="urn:schemas-microsoft-com:mac:vml" xmlns:p="http://schemas.openxmlformats.org/presentationml/2006/main" xmlns:c="http://schemas.openxmlformats.org/drawingml/2006/chart" xmlns:dgm="http://schemas.openxmlformats.org/drawingml/2006/diagram" xmlns:o="urn:schemas-microsoft-com:office:office" xmlns:v="urn:schemas-microsoft-com:vml" xmlns:pvml="urn:schemas-microsoft-com:office:powerpoint" xmlns:com="http://schemas.openxmlformats.org/drawingml/2006/compatibility" xmlns:p14="http://schemas.microsoft.com/office/powerpoint/2010/main" xmlns:p15="http://schemas.microsoft.com/office/powerpoint/2012/main" matchingName="Title and two columns" type="twoColTx">
+<p:sldLayout xmlns:a="http://schemas.openxmlformats.org/drawingml/2006/main" xmlns:r="http://schemas.openxmlformats.org/officeDocument/2006/relationships" xmlns:p="http://schemas.openxmlformats.org/presentationml/2006/main" matchingName="Title and two columns" type="twoColTx">
   <p:cSld name="TITLE_AND_TWO_COLUMNS">
     <p:spTree>
       <p:nvGrpSpPr>
-        <p:cNvPr id="24" name="Shape 24"/>
+        <p:cNvPr id="1" name="Shape 24"/>
         <p:cNvGrpSpPr/>
         <p:nvPr/>
       </p:nvGrpSpPr>
@@ -3500,7 +3591,7 @@
           <p:nvPr/>
         </p:nvSpPr>
         <p:spPr>
-          <a:xfrm flipH="1" rot="10800000">
+          <a:xfrm rot="10800000" flipH="1">
             <a:off x="0" y="1686000"/>
             <a:ext cx="9144000" cy="3457500"/>
           </a:xfrm>
@@ -3515,12 +3606,12 @@
           </a:ln>
         </p:spPr>
         <p:txBody>
-          <a:bodyPr anchorCtr="0" anchor="ctr" bIns="91425" lIns="91425" spcFirstLastPara="1" rIns="91425" wrap="square" tIns="91425">
+          <a:bodyPr spcFirstLastPara="1" wrap="square" lIns="91425" tIns="91425" rIns="91425" bIns="91425" anchor="ctr" anchorCtr="0">
             <a:noAutofit/>
           </a:bodyPr>
           <a:lstStyle/>
           <a:p>
-            <a:pPr indent="0" lvl="0" marL="0" rtl="0" algn="l">
+            <a:pPr marL="0" lvl="0" indent="0" algn="l" rtl="0">
               <a:spcBef>
                 <a:spcPts val="0"/>
               </a:spcBef>
@@ -3529,9 +3620,6 @@
               </a:spcAft>
               <a:buNone/>
             </a:pPr>
-            <a:r>
-              <a:t/>
-            </a:r>
             <a:endParaRPr/>
           </a:p>
         </p:txBody>
@@ -3572,12 +3660,12 @@
           </a:ln>
         </p:spPr>
         <p:txBody>
-          <a:bodyPr anchorCtr="0" anchor="ctr" bIns="91425" lIns="91425" spcFirstLastPara="1" rIns="91425" wrap="square" tIns="91425">
+          <a:bodyPr spcFirstLastPara="1" wrap="square" lIns="91425" tIns="91425" rIns="91425" bIns="91425" anchor="ctr" anchorCtr="0">
             <a:noAutofit/>
           </a:bodyPr>
           <a:lstStyle/>
           <a:p>
-            <a:pPr indent="0" lvl="0" marL="0" rtl="0" algn="l">
+            <a:pPr marL="0" lvl="0" indent="0" algn="l" rtl="0">
               <a:spcBef>
                 <a:spcPts val="0"/>
               </a:spcBef>
@@ -3586,9 +3674,6 @@
               </a:spcAft>
               <a:buNone/>
             </a:pPr>
-            <a:r>
-              <a:t/>
-            </a:r>
             <a:endParaRPr/>
           </a:p>
         </p:txBody>
@@ -3596,7 +3681,9 @@
       <p:sp>
         <p:nvSpPr>
           <p:cNvPr id="27" name="Google Shape;27;p5"/>
-          <p:cNvSpPr txBox="1"/>
+          <p:cNvSpPr txBox="1">
+            <a:spLocks noGrp="1"/>
+          </p:cNvSpPr>
           <p:nvPr>
             <p:ph type="title"/>
           </p:nvPr>
@@ -3611,7 +3698,7 @@
           </a:prstGeom>
         </p:spPr>
         <p:txBody>
-          <a:bodyPr anchorCtr="0" anchor="b" bIns="91425" lIns="91425" spcFirstLastPara="1" rIns="91425" wrap="square" tIns="91425">
+          <a:bodyPr spcFirstLastPara="1" wrap="square" lIns="91425" tIns="91425" rIns="91425" bIns="91425" anchor="b" anchorCtr="0">
             <a:noAutofit/>
           </a:bodyPr>
           <a:lstStyle>
@@ -3715,15 +3802,19 @@
               <a:defRPr/>
             </a:lvl9pPr>
           </a:lstStyle>
-          <a:p/>
+          <a:p>
+            <a:endParaRPr/>
+          </a:p>
         </p:txBody>
       </p:sp>
       <p:sp>
         <p:nvSpPr>
           <p:cNvPr id="28" name="Google Shape;28;p5"/>
-          <p:cNvSpPr txBox="1"/>
+          <p:cNvSpPr txBox="1">
+            <a:spLocks noGrp="1"/>
+          </p:cNvSpPr>
           <p:nvPr>
-            <p:ph idx="1" type="body"/>
+            <p:ph type="body" idx="1"/>
           </p:nvPr>
         </p:nvSpPr>
         <p:spPr>
@@ -3736,11 +3827,11 @@
           </a:prstGeom>
         </p:spPr>
         <p:txBody>
-          <a:bodyPr anchorCtr="0" anchor="t" bIns="91425" lIns="91425" spcFirstLastPara="1" rIns="91425" wrap="square" tIns="91425">
+          <a:bodyPr spcFirstLastPara="1" wrap="square" lIns="91425" tIns="91425" rIns="91425" bIns="91425" anchor="t" anchorCtr="0">
             <a:noAutofit/>
           </a:bodyPr>
           <a:lstStyle>
-            <a:lvl1pPr indent="-317500" lvl="0" marL="457200">
+            <a:lvl1pPr marL="457200" lvl="0" indent="-317500">
               <a:spcBef>
                 <a:spcPts val="0"/>
               </a:spcBef>
@@ -3751,7 +3842,7 @@
               <a:buChar char="●"/>
               <a:defRPr sz="1400"/>
             </a:lvl1pPr>
-            <a:lvl2pPr indent="-304800" lvl="1" marL="914400">
+            <a:lvl2pPr marL="914400" lvl="1" indent="-304800">
               <a:spcBef>
                 <a:spcPts val="1600"/>
               </a:spcBef>
@@ -3762,7 +3853,7 @@
               <a:buChar char="○"/>
               <a:defRPr sz="1200"/>
             </a:lvl2pPr>
-            <a:lvl3pPr indent="-304800" lvl="2" marL="1371600">
+            <a:lvl3pPr marL="1371600" lvl="2" indent="-304800">
               <a:spcBef>
                 <a:spcPts val="1600"/>
               </a:spcBef>
@@ -3773,7 +3864,7 @@
               <a:buChar char="■"/>
               <a:defRPr sz="1200"/>
             </a:lvl3pPr>
-            <a:lvl4pPr indent="-304800" lvl="3" marL="1828800">
+            <a:lvl4pPr marL="1828800" lvl="3" indent="-304800">
               <a:spcBef>
                 <a:spcPts val="1600"/>
               </a:spcBef>
@@ -3784,7 +3875,7 @@
               <a:buChar char="●"/>
               <a:defRPr sz="1200"/>
             </a:lvl4pPr>
-            <a:lvl5pPr indent="-304800" lvl="4" marL="2286000">
+            <a:lvl5pPr marL="2286000" lvl="4" indent="-304800">
               <a:spcBef>
                 <a:spcPts val="1600"/>
               </a:spcBef>
@@ -3795,7 +3886,7 @@
               <a:buChar char="○"/>
               <a:defRPr sz="1200"/>
             </a:lvl5pPr>
-            <a:lvl6pPr indent="-304800" lvl="5" marL="2743200">
+            <a:lvl6pPr marL="2743200" lvl="5" indent="-304800">
               <a:spcBef>
                 <a:spcPts val="1600"/>
               </a:spcBef>
@@ -3806,7 +3897,7 @@
               <a:buChar char="■"/>
               <a:defRPr sz="1200"/>
             </a:lvl6pPr>
-            <a:lvl7pPr indent="-304800" lvl="6" marL="3200400">
+            <a:lvl7pPr marL="3200400" lvl="6" indent="-304800">
               <a:spcBef>
                 <a:spcPts val="1600"/>
               </a:spcBef>
@@ -3817,7 +3908,7 @@
               <a:buChar char="●"/>
               <a:defRPr sz="1200"/>
             </a:lvl7pPr>
-            <a:lvl8pPr indent="-304800" lvl="7" marL="3657600">
+            <a:lvl8pPr marL="3657600" lvl="7" indent="-304800">
               <a:spcBef>
                 <a:spcPts val="1600"/>
               </a:spcBef>
@@ -3828,7 +3919,7 @@
               <a:buChar char="○"/>
               <a:defRPr sz="1200"/>
             </a:lvl8pPr>
-            <a:lvl9pPr indent="-304800" lvl="8" marL="4114800">
+            <a:lvl9pPr marL="4114800" lvl="8" indent="-304800">
               <a:spcBef>
                 <a:spcPts val="1600"/>
               </a:spcBef>
@@ -3840,15 +3931,19 @@
               <a:defRPr sz="1200"/>
             </a:lvl9pPr>
           </a:lstStyle>
-          <a:p/>
+          <a:p>
+            <a:endParaRPr/>
+          </a:p>
         </p:txBody>
       </p:sp>
       <p:sp>
         <p:nvSpPr>
           <p:cNvPr id="29" name="Google Shape;29;p5"/>
-          <p:cNvSpPr txBox="1"/>
+          <p:cNvSpPr txBox="1">
+            <a:spLocks noGrp="1"/>
+          </p:cNvSpPr>
           <p:nvPr>
-            <p:ph idx="2" type="body"/>
+            <p:ph type="body" idx="2"/>
           </p:nvPr>
         </p:nvSpPr>
         <p:spPr>
@@ -3861,11 +3956,11 @@
           </a:prstGeom>
         </p:spPr>
         <p:txBody>
-          <a:bodyPr anchorCtr="0" anchor="t" bIns="91425" lIns="91425" spcFirstLastPara="1" rIns="91425" wrap="square" tIns="91425">
+          <a:bodyPr spcFirstLastPara="1" wrap="square" lIns="91425" tIns="91425" rIns="91425" bIns="91425" anchor="t" anchorCtr="0">
             <a:noAutofit/>
           </a:bodyPr>
           <a:lstStyle>
-            <a:lvl1pPr indent="-317500" lvl="0" marL="457200">
+            <a:lvl1pPr marL="457200" lvl="0" indent="-317500">
               <a:spcBef>
                 <a:spcPts val="0"/>
               </a:spcBef>
@@ -3876,7 +3971,7 @@
               <a:buChar char="●"/>
               <a:defRPr sz="1400"/>
             </a:lvl1pPr>
-            <a:lvl2pPr indent="-304800" lvl="1" marL="914400">
+            <a:lvl2pPr marL="914400" lvl="1" indent="-304800">
               <a:spcBef>
                 <a:spcPts val="1600"/>
               </a:spcBef>
@@ -3887,7 +3982,7 @@
               <a:buChar char="○"/>
               <a:defRPr sz="1200"/>
             </a:lvl2pPr>
-            <a:lvl3pPr indent="-304800" lvl="2" marL="1371600">
+            <a:lvl3pPr marL="1371600" lvl="2" indent="-304800">
               <a:spcBef>
                 <a:spcPts val="1600"/>
               </a:spcBef>
@@ -3898,7 +3993,7 @@
               <a:buChar char="■"/>
               <a:defRPr sz="1200"/>
             </a:lvl3pPr>
-            <a:lvl4pPr indent="-304800" lvl="3" marL="1828800">
+            <a:lvl4pPr marL="1828800" lvl="3" indent="-304800">
               <a:spcBef>
                 <a:spcPts val="1600"/>
               </a:spcBef>
@@ -3909,7 +4004,7 @@
               <a:buChar char="●"/>
               <a:defRPr sz="1200"/>
             </a:lvl4pPr>
-            <a:lvl5pPr indent="-304800" lvl="4" marL="2286000">
+            <a:lvl5pPr marL="2286000" lvl="4" indent="-304800">
               <a:spcBef>
                 <a:spcPts val="1600"/>
               </a:spcBef>
@@ -3920,7 +4015,7 @@
               <a:buChar char="○"/>
               <a:defRPr sz="1200"/>
             </a:lvl5pPr>
-            <a:lvl6pPr indent="-304800" lvl="5" marL="2743200">
+            <a:lvl6pPr marL="2743200" lvl="5" indent="-304800">
               <a:spcBef>
                 <a:spcPts val="1600"/>
               </a:spcBef>
@@ -3931,7 +4026,7 @@
               <a:buChar char="■"/>
               <a:defRPr sz="1200"/>
             </a:lvl6pPr>
-            <a:lvl7pPr indent="-304800" lvl="6" marL="3200400">
+            <a:lvl7pPr marL="3200400" lvl="6" indent="-304800">
               <a:spcBef>
                 <a:spcPts val="1600"/>
               </a:spcBef>
@@ -3942,7 +4037,7 @@
               <a:buChar char="●"/>
               <a:defRPr sz="1200"/>
             </a:lvl7pPr>
-            <a:lvl8pPr indent="-304800" lvl="7" marL="3657600">
+            <a:lvl8pPr marL="3657600" lvl="7" indent="-304800">
               <a:spcBef>
                 <a:spcPts val="1600"/>
               </a:spcBef>
@@ -3953,7 +4048,7 @@
               <a:buChar char="○"/>
               <a:defRPr sz="1200"/>
             </a:lvl8pPr>
-            <a:lvl9pPr indent="-304800" lvl="8" marL="4114800">
+            <a:lvl9pPr marL="4114800" lvl="8" indent="-304800">
               <a:spcBef>
                 <a:spcPts val="1600"/>
               </a:spcBef>
@@ -3965,15 +4060,19 @@
               <a:defRPr sz="1200"/>
             </a:lvl9pPr>
           </a:lstStyle>
-          <a:p/>
+          <a:p>
+            <a:endParaRPr/>
+          </a:p>
         </p:txBody>
       </p:sp>
       <p:sp>
         <p:nvSpPr>
           <p:cNvPr id="30" name="Google Shape;30;p5"/>
-          <p:cNvSpPr txBox="1"/>
+          <p:cNvSpPr txBox="1">
+            <a:spLocks noGrp="1"/>
+          </p:cNvSpPr>
           <p:nvPr>
-            <p:ph idx="12" type="sldNum"/>
+            <p:ph type="sldNum" idx="12"/>
           </p:nvPr>
         </p:nvSpPr>
         <p:spPr>
@@ -3986,7 +4085,7 @@
           </a:prstGeom>
         </p:spPr>
         <p:txBody>
-          <a:bodyPr anchorCtr="0" anchor="ctr" bIns="91425" lIns="91425" spcFirstLastPara="1" rIns="91425" wrap="square" tIns="91425">
+          <a:bodyPr spcFirstLastPara="1" wrap="square" lIns="91425" tIns="91425" rIns="91425" bIns="91425" anchor="ctr" anchorCtr="0">
             <a:noAutofit/>
           </a:bodyPr>
           <a:lstStyle>
@@ -4028,7 +4127,7 @@
             </a:lvl9pPr>
           </a:lstStyle>
           <a:p>
-            <a:pPr indent="0" lvl="0" marL="0" rtl="0" algn="r">
+            <a:pPr marL="0" lvl="0" indent="0" algn="r" rtl="0">
               <a:spcBef>
                 <a:spcPts val="0"/>
               </a:spcBef>
@@ -4054,11 +4153,11 @@
 </file>
 
 <file path=ppt/slideLayouts/slideLayout5.xml><?xml version="1.0" encoding="utf-8"?>
-<p:sldLayout xmlns:a="http://schemas.openxmlformats.org/drawingml/2006/main" xmlns:r="http://schemas.openxmlformats.org/officeDocument/2006/relationships" xmlns:mc="http://schemas.openxmlformats.org/markup-compatibility/2006" xmlns:mv="urn:schemas-microsoft-com:mac:vml" xmlns:p="http://schemas.openxmlformats.org/presentationml/2006/main" xmlns:c="http://schemas.openxmlformats.org/drawingml/2006/chart" xmlns:dgm="http://schemas.openxmlformats.org/drawingml/2006/diagram" xmlns:o="urn:schemas-microsoft-com:office:office" xmlns:v="urn:schemas-microsoft-com:vml" xmlns:pvml="urn:schemas-microsoft-com:office:powerpoint" xmlns:com="http://schemas.openxmlformats.org/drawingml/2006/compatibility" xmlns:p14="http://schemas.microsoft.com/office/powerpoint/2010/main" xmlns:p15="http://schemas.microsoft.com/office/powerpoint/2012/main" matchingName="Title only" type="titleOnly">
+<p:sldLayout xmlns:a="http://schemas.openxmlformats.org/drawingml/2006/main" xmlns:r="http://schemas.openxmlformats.org/officeDocument/2006/relationships" xmlns:p="http://schemas.openxmlformats.org/presentationml/2006/main" matchingName="Title only" type="titleOnly">
   <p:cSld name="TITLE_ONLY">
     <p:spTree>
       <p:nvGrpSpPr>
-        <p:cNvPr id="31" name="Shape 31"/>
+        <p:cNvPr id="1" name="Shape 31"/>
         <p:cNvGrpSpPr/>
         <p:nvPr/>
       </p:nvGrpSpPr>
@@ -4077,7 +4176,7 @@
           <p:nvPr/>
         </p:nvSpPr>
         <p:spPr>
-          <a:xfrm flipH="1" rot="10800000">
+          <a:xfrm rot="10800000" flipH="1">
             <a:off x="0" y="656400"/>
             <a:ext cx="9144000" cy="4487100"/>
           </a:xfrm>
@@ -4092,12 +4191,12 @@
           </a:ln>
         </p:spPr>
         <p:txBody>
-          <a:bodyPr anchorCtr="0" anchor="ctr" bIns="91425" lIns="91425" spcFirstLastPara="1" rIns="91425" wrap="square" tIns="91425">
+          <a:bodyPr spcFirstLastPara="1" wrap="square" lIns="91425" tIns="91425" rIns="91425" bIns="91425" anchor="ctr" anchorCtr="0">
             <a:noAutofit/>
           </a:bodyPr>
           <a:lstStyle/>
           <a:p>
-            <a:pPr indent="0" lvl="0" marL="0" rtl="0" algn="l">
+            <a:pPr marL="0" lvl="0" indent="0" algn="l" rtl="0">
               <a:spcBef>
                 <a:spcPts val="0"/>
               </a:spcBef>
@@ -4106,9 +4205,6 @@
               </a:spcAft>
               <a:buNone/>
             </a:pPr>
-            <a:r>
-              <a:t/>
-            </a:r>
             <a:endParaRPr/>
           </a:p>
         </p:txBody>
@@ -4149,12 +4245,12 @@
           </a:ln>
         </p:spPr>
         <p:txBody>
-          <a:bodyPr anchorCtr="0" anchor="ctr" bIns="91425" lIns="91425" spcFirstLastPara="1" rIns="91425" wrap="square" tIns="91425">
+          <a:bodyPr spcFirstLastPara="1" wrap="square" lIns="91425" tIns="91425" rIns="91425" bIns="91425" anchor="ctr" anchorCtr="0">
             <a:noAutofit/>
           </a:bodyPr>
           <a:lstStyle/>
           <a:p>
-            <a:pPr indent="0" lvl="0" marL="0" rtl="0" algn="l">
+            <a:pPr marL="0" lvl="0" indent="0" algn="l" rtl="0">
               <a:spcBef>
                 <a:spcPts val="0"/>
               </a:spcBef>
@@ -4163,9 +4259,6 @@
               </a:spcAft>
               <a:buNone/>
             </a:pPr>
-            <a:r>
-              <a:t/>
-            </a:r>
             <a:endParaRPr/>
           </a:p>
         </p:txBody>
@@ -4173,7 +4266,9 @@
       <p:sp>
         <p:nvSpPr>
           <p:cNvPr id="34" name="Google Shape;34;p6"/>
-          <p:cNvSpPr txBox="1"/>
+          <p:cNvSpPr txBox="1">
+            <a:spLocks noGrp="1"/>
+          </p:cNvSpPr>
           <p:nvPr>
             <p:ph type="title"/>
           </p:nvPr>
@@ -4188,7 +4283,7 @@
           </a:prstGeom>
         </p:spPr>
         <p:txBody>
-          <a:bodyPr anchorCtr="0" anchor="ctr" bIns="91425" lIns="91425" spcFirstLastPara="1" rIns="91425" wrap="square" tIns="91425">
+          <a:bodyPr spcFirstLastPara="1" wrap="square" lIns="91425" tIns="91425" rIns="91425" bIns="91425" anchor="ctr" anchorCtr="0">
             <a:noAutofit/>
           </a:bodyPr>
           <a:lstStyle>
@@ -4292,15 +4387,19 @@
               <a:defRPr sz="1800"/>
             </a:lvl9pPr>
           </a:lstStyle>
-          <a:p/>
+          <a:p>
+            <a:endParaRPr/>
+          </a:p>
         </p:txBody>
       </p:sp>
       <p:sp>
         <p:nvSpPr>
           <p:cNvPr id="35" name="Google Shape;35;p6"/>
-          <p:cNvSpPr txBox="1"/>
+          <p:cNvSpPr txBox="1">
+            <a:spLocks noGrp="1"/>
+          </p:cNvSpPr>
           <p:nvPr>
-            <p:ph idx="12" type="sldNum"/>
+            <p:ph type="sldNum" idx="12"/>
           </p:nvPr>
         </p:nvSpPr>
         <p:spPr>
@@ -4313,7 +4412,7 @@
           </a:prstGeom>
         </p:spPr>
         <p:txBody>
-          <a:bodyPr anchorCtr="0" anchor="ctr" bIns="91425" lIns="91425" spcFirstLastPara="1" rIns="91425" wrap="square" tIns="91425">
+          <a:bodyPr spcFirstLastPara="1" wrap="square" lIns="91425" tIns="91425" rIns="91425" bIns="91425" anchor="ctr" anchorCtr="0">
             <a:noAutofit/>
           </a:bodyPr>
           <a:lstStyle>
@@ -4355,7 +4454,7 @@
             </a:lvl9pPr>
           </a:lstStyle>
           <a:p>
-            <a:pPr indent="0" lvl="0" marL="0" rtl="0" algn="r">
+            <a:pPr marL="0" lvl="0" indent="0" algn="r" rtl="0">
               <a:spcBef>
                 <a:spcPts val="0"/>
               </a:spcBef>
@@ -4381,11 +4480,11 @@
 </file>
 
 <file path=ppt/slideLayouts/slideLayout6.xml><?xml version="1.0" encoding="utf-8"?>
-<p:sldLayout xmlns:a="http://schemas.openxmlformats.org/drawingml/2006/main" xmlns:r="http://schemas.openxmlformats.org/officeDocument/2006/relationships" xmlns:mc="http://schemas.openxmlformats.org/markup-compatibility/2006" xmlns:mv="urn:schemas-microsoft-com:mac:vml" xmlns:p="http://schemas.openxmlformats.org/presentationml/2006/main" xmlns:c="http://schemas.openxmlformats.org/drawingml/2006/chart" xmlns:dgm="http://schemas.openxmlformats.org/drawingml/2006/diagram" xmlns:o="urn:schemas-microsoft-com:office:office" xmlns:v="urn:schemas-microsoft-com:vml" xmlns:pvml="urn:schemas-microsoft-com:office:powerpoint" xmlns:com="http://schemas.openxmlformats.org/drawingml/2006/compatibility" xmlns:p14="http://schemas.microsoft.com/office/powerpoint/2010/main" xmlns:p15="http://schemas.microsoft.com/office/powerpoint/2012/main" matchingName="One column text">
+<p:sldLayout xmlns:a="http://schemas.openxmlformats.org/drawingml/2006/main" xmlns:r="http://schemas.openxmlformats.org/officeDocument/2006/relationships" xmlns:p="http://schemas.openxmlformats.org/presentationml/2006/main" matchingName="One column text">
   <p:cSld name="ONE_COLUMN_TEXT">
     <p:spTree>
       <p:nvGrpSpPr>
-        <p:cNvPr id="36" name="Shape 36"/>
+        <p:cNvPr id="1" name="Shape 36"/>
         <p:cNvGrpSpPr/>
         <p:nvPr/>
       </p:nvGrpSpPr>
@@ -4404,7 +4503,7 @@
           <p:nvPr/>
         </p:nvSpPr>
         <p:spPr>
-          <a:xfrm flipH="1" rot="10800000">
+          <a:xfrm rot="10800000" flipH="1">
             <a:off x="3276600" y="25"/>
             <a:ext cx="5867400" cy="5143500"/>
           </a:xfrm>
@@ -4419,12 +4518,12 @@
           </a:ln>
         </p:spPr>
         <p:txBody>
-          <a:bodyPr anchorCtr="0" anchor="ctr" bIns="91425" lIns="91425" spcFirstLastPara="1" rIns="91425" wrap="square" tIns="91425">
+          <a:bodyPr spcFirstLastPara="1" wrap="square" lIns="91425" tIns="91425" rIns="91425" bIns="91425" anchor="ctr" anchorCtr="0">
             <a:noAutofit/>
           </a:bodyPr>
           <a:lstStyle/>
           <a:p>
-            <a:pPr indent="0" lvl="0" marL="0" rtl="0" algn="l">
+            <a:pPr marL="0" lvl="0" indent="0" algn="l" rtl="0">
               <a:spcBef>
                 <a:spcPts val="0"/>
               </a:spcBef>
@@ -4433,9 +4532,6 @@
               </a:spcAft>
               <a:buNone/>
             </a:pPr>
-            <a:r>
-              <a:t/>
-            </a:r>
             <a:endParaRPr/>
           </a:p>
         </p:txBody>
@@ -4476,12 +4572,12 @@
           </a:ln>
         </p:spPr>
         <p:txBody>
-          <a:bodyPr anchorCtr="0" anchor="ctr" bIns="91425" lIns="91425" spcFirstLastPara="1" rIns="91425" wrap="square" tIns="91425">
+          <a:bodyPr spcFirstLastPara="1" wrap="square" lIns="91425" tIns="91425" rIns="91425" bIns="91425" anchor="ctr" anchorCtr="0">
             <a:noAutofit/>
           </a:bodyPr>
           <a:lstStyle/>
           <a:p>
-            <a:pPr indent="0" lvl="0" marL="0" rtl="0" algn="l">
+            <a:pPr marL="0" lvl="0" indent="0" algn="l" rtl="0">
               <a:spcBef>
                 <a:spcPts val="0"/>
               </a:spcBef>
@@ -4490,9 +4586,6 @@
               </a:spcAft>
               <a:buNone/>
             </a:pPr>
-            <a:r>
-              <a:t/>
-            </a:r>
             <a:endParaRPr/>
           </a:p>
         </p:txBody>
@@ -4500,7 +4593,9 @@
       <p:sp>
         <p:nvSpPr>
           <p:cNvPr id="39" name="Google Shape;39;p7"/>
-          <p:cNvSpPr txBox="1"/>
+          <p:cNvSpPr txBox="1">
+            <a:spLocks noGrp="1"/>
+          </p:cNvSpPr>
           <p:nvPr>
             <p:ph type="title"/>
           </p:nvPr>
@@ -4515,7 +4610,7 @@
           </a:prstGeom>
         </p:spPr>
         <p:txBody>
-          <a:bodyPr anchorCtr="0" anchor="b" bIns="91425" lIns="91425" spcFirstLastPara="1" rIns="91425" wrap="square" tIns="91425">
+          <a:bodyPr spcFirstLastPara="1" wrap="square" lIns="91425" tIns="91425" rIns="91425" bIns="91425" anchor="b" anchorCtr="0">
             <a:noAutofit/>
           </a:bodyPr>
           <a:lstStyle>
@@ -4619,15 +4714,19 @@
               <a:defRPr sz="2400"/>
             </a:lvl9pPr>
           </a:lstStyle>
-          <a:p/>
+          <a:p>
+            <a:endParaRPr/>
+          </a:p>
         </p:txBody>
       </p:sp>
       <p:sp>
         <p:nvSpPr>
           <p:cNvPr id="40" name="Google Shape;40;p7"/>
-          <p:cNvSpPr txBox="1"/>
+          <p:cNvSpPr txBox="1">
+            <a:spLocks noGrp="1"/>
+          </p:cNvSpPr>
           <p:nvPr>
-            <p:ph idx="1" type="body"/>
+            <p:ph type="body" idx="1"/>
           </p:nvPr>
         </p:nvSpPr>
         <p:spPr>
@@ -4640,11 +4739,11 @@
           </a:prstGeom>
         </p:spPr>
         <p:txBody>
-          <a:bodyPr anchorCtr="0" anchor="t" bIns="91425" lIns="91425" spcFirstLastPara="1" rIns="91425" wrap="square" tIns="91425">
+          <a:bodyPr spcFirstLastPara="1" wrap="square" lIns="91425" tIns="91425" rIns="91425" bIns="91425" anchor="t" anchorCtr="0">
             <a:noAutofit/>
           </a:bodyPr>
           <a:lstStyle>
-            <a:lvl1pPr indent="-304800" lvl="0" marL="457200">
+            <a:lvl1pPr marL="457200" lvl="0" indent="-304800">
               <a:spcBef>
                 <a:spcPts val="0"/>
               </a:spcBef>
@@ -4662,7 +4761,7 @@
                 </a:solidFill>
               </a:defRPr>
             </a:lvl1pPr>
-            <a:lvl2pPr indent="-304800" lvl="1" marL="914400">
+            <a:lvl2pPr marL="914400" lvl="1" indent="-304800">
               <a:spcBef>
                 <a:spcPts val="1600"/>
               </a:spcBef>
@@ -4680,7 +4779,7 @@
                 </a:solidFill>
               </a:defRPr>
             </a:lvl2pPr>
-            <a:lvl3pPr indent="-304800" lvl="2" marL="1371600">
+            <a:lvl3pPr marL="1371600" lvl="2" indent="-304800">
               <a:spcBef>
                 <a:spcPts val="1600"/>
               </a:spcBef>
@@ -4698,7 +4797,7 @@
                 </a:solidFill>
               </a:defRPr>
             </a:lvl3pPr>
-            <a:lvl4pPr indent="-304800" lvl="3" marL="1828800">
+            <a:lvl4pPr marL="1828800" lvl="3" indent="-304800">
               <a:spcBef>
                 <a:spcPts val="1600"/>
               </a:spcBef>
@@ -4716,7 +4815,7 @@
                 </a:solidFill>
               </a:defRPr>
             </a:lvl4pPr>
-            <a:lvl5pPr indent="-304800" lvl="4" marL="2286000">
+            <a:lvl5pPr marL="2286000" lvl="4" indent="-304800">
               <a:spcBef>
                 <a:spcPts val="1600"/>
               </a:spcBef>
@@ -4734,7 +4833,7 @@
                 </a:solidFill>
               </a:defRPr>
             </a:lvl5pPr>
-            <a:lvl6pPr indent="-304800" lvl="5" marL="2743200">
+            <a:lvl6pPr marL="2743200" lvl="5" indent="-304800">
               <a:spcBef>
                 <a:spcPts val="1600"/>
               </a:spcBef>
@@ -4752,7 +4851,7 @@
                 </a:solidFill>
               </a:defRPr>
             </a:lvl6pPr>
-            <a:lvl7pPr indent="-304800" lvl="6" marL="3200400">
+            <a:lvl7pPr marL="3200400" lvl="6" indent="-304800">
               <a:spcBef>
                 <a:spcPts val="1600"/>
               </a:spcBef>
@@ -4770,7 +4869,7 @@
                 </a:solidFill>
               </a:defRPr>
             </a:lvl7pPr>
-            <a:lvl8pPr indent="-304800" lvl="7" marL="3657600">
+            <a:lvl8pPr marL="3657600" lvl="7" indent="-304800">
               <a:spcBef>
                 <a:spcPts val="1600"/>
               </a:spcBef>
@@ -4788,7 +4887,7 @@
                 </a:solidFill>
               </a:defRPr>
             </a:lvl8pPr>
-            <a:lvl9pPr indent="-304800" lvl="8" marL="4114800">
+            <a:lvl9pPr marL="4114800" lvl="8" indent="-304800">
               <a:spcBef>
                 <a:spcPts val="1600"/>
               </a:spcBef>
@@ -4807,15 +4906,19 @@
               </a:defRPr>
             </a:lvl9pPr>
           </a:lstStyle>
-          <a:p/>
+          <a:p>
+            <a:endParaRPr/>
+          </a:p>
         </p:txBody>
       </p:sp>
       <p:sp>
         <p:nvSpPr>
           <p:cNvPr id="41" name="Google Shape;41;p7"/>
-          <p:cNvSpPr txBox="1"/>
+          <p:cNvSpPr txBox="1">
+            <a:spLocks noGrp="1"/>
+          </p:cNvSpPr>
           <p:nvPr>
-            <p:ph idx="12" type="sldNum"/>
+            <p:ph type="sldNum" idx="12"/>
           </p:nvPr>
         </p:nvSpPr>
         <p:spPr>
@@ -4828,7 +4931,7 @@
           </a:prstGeom>
         </p:spPr>
         <p:txBody>
-          <a:bodyPr anchorCtr="0" anchor="ctr" bIns="91425" lIns="91425" spcFirstLastPara="1" rIns="91425" wrap="square" tIns="91425">
+          <a:bodyPr spcFirstLastPara="1" wrap="square" lIns="91425" tIns="91425" rIns="91425" bIns="91425" anchor="ctr" anchorCtr="0">
             <a:noAutofit/>
           </a:bodyPr>
           <a:lstStyle>
@@ -4870,7 +4973,7 @@
             </a:lvl9pPr>
           </a:lstStyle>
           <a:p>
-            <a:pPr indent="0" lvl="0" marL="0" rtl="0" algn="r">
+            <a:pPr marL="0" lvl="0" indent="0" algn="r" rtl="0">
               <a:spcBef>
                 <a:spcPts val="0"/>
               </a:spcBef>
@@ -4896,11 +4999,11 @@
 </file>
 
 <file path=ppt/slideLayouts/slideLayout7.xml><?xml version="1.0" encoding="utf-8"?>
-<p:sldLayout xmlns:a="http://schemas.openxmlformats.org/drawingml/2006/main" xmlns:r="http://schemas.openxmlformats.org/officeDocument/2006/relationships" xmlns:mc="http://schemas.openxmlformats.org/markup-compatibility/2006" xmlns:mv="urn:schemas-microsoft-com:mac:vml" xmlns:p="http://schemas.openxmlformats.org/presentationml/2006/main" xmlns:c="http://schemas.openxmlformats.org/drawingml/2006/chart" xmlns:dgm="http://schemas.openxmlformats.org/drawingml/2006/diagram" xmlns:o="urn:schemas-microsoft-com:office:office" xmlns:v="urn:schemas-microsoft-com:vml" xmlns:pvml="urn:schemas-microsoft-com:office:powerpoint" xmlns:com="http://schemas.openxmlformats.org/drawingml/2006/compatibility" xmlns:p14="http://schemas.microsoft.com/office/powerpoint/2010/main" xmlns:p15="http://schemas.microsoft.com/office/powerpoint/2012/main" matchingName="Main point">
+<p:sldLayout xmlns:a="http://schemas.openxmlformats.org/drawingml/2006/main" xmlns:r="http://schemas.openxmlformats.org/officeDocument/2006/relationships" xmlns:p="http://schemas.openxmlformats.org/presentationml/2006/main" matchingName="Main point">
   <p:cSld name="MAIN_POINT">
     <p:spTree>
       <p:nvGrpSpPr>
-        <p:cNvPr id="42" name="Shape 42"/>
+        <p:cNvPr id="1" name="Shape 42"/>
         <p:cNvGrpSpPr/>
         <p:nvPr/>
       </p:nvGrpSpPr>
@@ -4915,7 +5018,9 @@
       <p:sp>
         <p:nvSpPr>
           <p:cNvPr id="43" name="Google Shape;43;p8"/>
-          <p:cNvSpPr txBox="1"/>
+          <p:cNvSpPr txBox="1">
+            <a:spLocks noGrp="1"/>
+          </p:cNvSpPr>
           <p:nvPr>
             <p:ph type="title"/>
           </p:nvPr>
@@ -4930,7 +5035,7 @@
           </a:prstGeom>
         </p:spPr>
         <p:txBody>
-          <a:bodyPr anchorCtr="0" anchor="ctr" bIns="91425" lIns="91425" spcFirstLastPara="1" rIns="91425" wrap="square" tIns="91425">
+          <a:bodyPr spcFirstLastPara="1" wrap="square" lIns="91425" tIns="91425" rIns="91425" bIns="91425" anchor="ctr" anchorCtr="0">
             <a:noAutofit/>
           </a:bodyPr>
           <a:lstStyle>
@@ -5034,15 +5139,19 @@
               <a:defRPr sz="6000"/>
             </a:lvl9pPr>
           </a:lstStyle>
-          <a:p/>
+          <a:p>
+            <a:endParaRPr/>
+          </a:p>
         </p:txBody>
       </p:sp>
       <p:sp>
         <p:nvSpPr>
           <p:cNvPr id="44" name="Google Shape;44;p8"/>
-          <p:cNvSpPr txBox="1"/>
+          <p:cNvSpPr txBox="1">
+            <a:spLocks noGrp="1"/>
+          </p:cNvSpPr>
           <p:nvPr>
-            <p:ph idx="12" type="sldNum"/>
+            <p:ph type="sldNum" idx="12"/>
           </p:nvPr>
         </p:nvSpPr>
         <p:spPr>
@@ -5055,7 +5164,7 @@
           </a:prstGeom>
         </p:spPr>
         <p:txBody>
-          <a:bodyPr anchorCtr="0" anchor="ctr" bIns="91425" lIns="91425" spcFirstLastPara="1" rIns="91425" wrap="square" tIns="91425">
+          <a:bodyPr spcFirstLastPara="1" wrap="square" lIns="91425" tIns="91425" rIns="91425" bIns="91425" anchor="ctr" anchorCtr="0">
             <a:noAutofit/>
           </a:bodyPr>
           <a:lstStyle>
@@ -5133,7 +5242,7 @@
             </a:lvl9pPr>
           </a:lstStyle>
           <a:p>
-            <a:pPr indent="0" lvl="0" marL="0" rtl="0" algn="r">
+            <a:pPr marL="0" lvl="0" indent="0" algn="r" rtl="0">
               <a:spcBef>
                 <a:spcPts val="0"/>
               </a:spcBef>
@@ -5159,11 +5268,11 @@
 </file>
 
 <file path=ppt/slideLayouts/slideLayout8.xml><?xml version="1.0" encoding="utf-8"?>
-<p:sldLayout xmlns:a="http://schemas.openxmlformats.org/drawingml/2006/main" xmlns:r="http://schemas.openxmlformats.org/officeDocument/2006/relationships" xmlns:mc="http://schemas.openxmlformats.org/markup-compatibility/2006" xmlns:mv="urn:schemas-microsoft-com:mac:vml" xmlns:p="http://schemas.openxmlformats.org/presentationml/2006/main" xmlns:c="http://schemas.openxmlformats.org/drawingml/2006/chart" xmlns:dgm="http://schemas.openxmlformats.org/drawingml/2006/diagram" xmlns:o="urn:schemas-microsoft-com:office:office" xmlns:v="urn:schemas-microsoft-com:vml" xmlns:pvml="urn:schemas-microsoft-com:office:powerpoint" xmlns:com="http://schemas.openxmlformats.org/drawingml/2006/compatibility" xmlns:p14="http://schemas.microsoft.com/office/powerpoint/2010/main" xmlns:p15="http://schemas.microsoft.com/office/powerpoint/2012/main" matchingName="Section title and description">
+<p:sldLayout xmlns:a="http://schemas.openxmlformats.org/drawingml/2006/main" xmlns:r="http://schemas.openxmlformats.org/officeDocument/2006/relationships" xmlns:p="http://schemas.openxmlformats.org/presentationml/2006/main" matchingName="Section title and description">
   <p:cSld name="SECTION_TITLE_AND_DESCRIPTION">
     <p:spTree>
       <p:nvGrpSpPr>
-        <p:cNvPr id="45" name="Shape 45"/>
+        <p:cNvPr id="1" name="Shape 45"/>
         <p:cNvGrpSpPr/>
         <p:nvPr/>
       </p:nvGrpSpPr>
@@ -5197,12 +5306,12 @@
           </a:ln>
         </p:spPr>
         <p:txBody>
-          <a:bodyPr anchorCtr="0" anchor="ctr" bIns="91425" lIns="91425" spcFirstLastPara="1" rIns="91425" wrap="square" tIns="91425">
+          <a:bodyPr spcFirstLastPara="1" wrap="square" lIns="91425" tIns="91425" rIns="91425" bIns="91425" anchor="ctr" anchorCtr="0">
             <a:noAutofit/>
           </a:bodyPr>
           <a:lstStyle/>
           <a:p>
-            <a:pPr indent="0" lvl="0" marL="0" rtl="0" algn="l">
+            <a:pPr marL="0" lvl="0" indent="0" algn="l" rtl="0">
               <a:spcBef>
                 <a:spcPts val="0"/>
               </a:spcBef>
@@ -5211,9 +5320,6 @@
               </a:spcAft>
               <a:buNone/>
             </a:pPr>
-            <a:r>
-              <a:t/>
-            </a:r>
             <a:endParaRPr/>
           </a:p>
         </p:txBody>
@@ -5254,12 +5360,12 @@
           </a:ln>
         </p:spPr>
         <p:txBody>
-          <a:bodyPr anchorCtr="0" anchor="ctr" bIns="91425" lIns="91425" spcFirstLastPara="1" rIns="91425" wrap="square" tIns="91425">
+          <a:bodyPr spcFirstLastPara="1" wrap="square" lIns="91425" tIns="91425" rIns="91425" bIns="91425" anchor="ctr" anchorCtr="0">
             <a:noAutofit/>
           </a:bodyPr>
           <a:lstStyle/>
           <a:p>
-            <a:pPr indent="0" lvl="0" marL="0" rtl="0" algn="l">
+            <a:pPr marL="0" lvl="0" indent="0" algn="l" rtl="0">
               <a:spcBef>
                 <a:spcPts val="0"/>
               </a:spcBef>
@@ -5268,9 +5374,6 @@
               </a:spcAft>
               <a:buNone/>
             </a:pPr>
-            <a:r>
-              <a:t/>
-            </a:r>
             <a:endParaRPr/>
           </a:p>
         </p:txBody>
@@ -5278,7 +5381,9 @@
       <p:sp>
         <p:nvSpPr>
           <p:cNvPr id="48" name="Google Shape;48;p9"/>
-          <p:cNvSpPr txBox="1"/>
+          <p:cNvSpPr txBox="1">
+            <a:spLocks noGrp="1"/>
+          </p:cNvSpPr>
           <p:nvPr>
             <p:ph type="title"/>
           </p:nvPr>
@@ -5293,7 +5398,7 @@
           </a:prstGeom>
         </p:spPr>
         <p:txBody>
-          <a:bodyPr anchorCtr="0" anchor="b" bIns="91425" lIns="91425" spcFirstLastPara="1" rIns="91425" wrap="square" tIns="91425">
+          <a:bodyPr spcFirstLastPara="1" wrap="square" lIns="91425" tIns="91425" rIns="91425" bIns="91425" anchor="b" anchorCtr="0">
             <a:noAutofit/>
           </a:bodyPr>
           <a:lstStyle>
@@ -5460,15 +5565,19 @@
               </a:defRPr>
             </a:lvl9pPr>
           </a:lstStyle>
-          <a:p/>
+          <a:p>
+            <a:endParaRPr/>
+          </a:p>
         </p:txBody>
       </p:sp>
       <p:sp>
         <p:nvSpPr>
           <p:cNvPr id="49" name="Google Shape;49;p9"/>
-          <p:cNvSpPr txBox="1"/>
+          <p:cNvSpPr txBox="1">
+            <a:spLocks noGrp="1"/>
+          </p:cNvSpPr>
           <p:nvPr>
-            <p:ph idx="1" type="subTitle"/>
+            <p:ph type="subTitle" idx="1"/>
           </p:nvPr>
         </p:nvSpPr>
         <p:spPr>
@@ -5481,7 +5590,7 @@
           </a:prstGeom>
         </p:spPr>
         <p:txBody>
-          <a:bodyPr anchorCtr="0" anchor="t" bIns="91425" lIns="91425" spcFirstLastPara="1" rIns="91425" wrap="square" tIns="91425">
+          <a:bodyPr spcFirstLastPara="1" wrap="square" lIns="91425" tIns="91425" rIns="91425" bIns="91425" anchor="t" anchorCtr="0">
             <a:noAutofit/>
           </a:bodyPr>
           <a:lstStyle>
@@ -5612,15 +5721,19 @@
               <a:defRPr sz="2100"/>
             </a:lvl9pPr>
           </a:lstStyle>
-          <a:p/>
+          <a:p>
+            <a:endParaRPr/>
+          </a:p>
         </p:txBody>
       </p:sp>
       <p:sp>
         <p:nvSpPr>
           <p:cNvPr id="50" name="Google Shape;50;p9"/>
-          <p:cNvSpPr txBox="1"/>
+          <p:cNvSpPr txBox="1">
+            <a:spLocks noGrp="1"/>
+          </p:cNvSpPr>
           <p:nvPr>
-            <p:ph idx="2" type="body"/>
+            <p:ph type="body" idx="2"/>
           </p:nvPr>
         </p:nvSpPr>
         <p:spPr>
@@ -5633,11 +5746,11 @@
           </a:prstGeom>
         </p:spPr>
         <p:txBody>
-          <a:bodyPr anchorCtr="0" anchor="ctr" bIns="91425" lIns="91425" spcFirstLastPara="1" rIns="91425" wrap="square" tIns="91425">
+          <a:bodyPr spcFirstLastPara="1" wrap="square" lIns="91425" tIns="91425" rIns="91425" bIns="91425" anchor="ctr" anchorCtr="0">
             <a:noAutofit/>
           </a:bodyPr>
           <a:lstStyle>
-            <a:lvl1pPr indent="-342900" lvl="0" marL="457200">
+            <a:lvl1pPr marL="457200" lvl="0" indent="-342900">
               <a:spcBef>
                 <a:spcPts val="0"/>
               </a:spcBef>
@@ -5655,7 +5768,7 @@
                 </a:solidFill>
               </a:defRPr>
             </a:lvl1pPr>
-            <a:lvl2pPr indent="-317500" lvl="1" marL="914400">
+            <a:lvl2pPr marL="914400" lvl="1" indent="-317500">
               <a:spcBef>
                 <a:spcPts val="1600"/>
               </a:spcBef>
@@ -5673,7 +5786,7 @@
                 </a:solidFill>
               </a:defRPr>
             </a:lvl2pPr>
-            <a:lvl3pPr indent="-317500" lvl="2" marL="1371600">
+            <a:lvl3pPr marL="1371600" lvl="2" indent="-317500">
               <a:spcBef>
                 <a:spcPts val="1600"/>
               </a:spcBef>
@@ -5691,7 +5804,7 @@
                 </a:solidFill>
               </a:defRPr>
             </a:lvl3pPr>
-            <a:lvl4pPr indent="-317500" lvl="3" marL="1828800">
+            <a:lvl4pPr marL="1828800" lvl="3" indent="-317500">
               <a:spcBef>
                 <a:spcPts val="1600"/>
               </a:spcBef>
@@ -5709,7 +5822,7 @@
                 </a:solidFill>
               </a:defRPr>
             </a:lvl4pPr>
-            <a:lvl5pPr indent="-317500" lvl="4" marL="2286000">
+            <a:lvl5pPr marL="2286000" lvl="4" indent="-317500">
               <a:spcBef>
                 <a:spcPts val="1600"/>
               </a:spcBef>
@@ -5727,7 +5840,7 @@
                 </a:solidFill>
               </a:defRPr>
             </a:lvl5pPr>
-            <a:lvl6pPr indent="-317500" lvl="5" marL="2743200">
+            <a:lvl6pPr marL="2743200" lvl="5" indent="-317500">
               <a:spcBef>
                 <a:spcPts val="1600"/>
               </a:spcBef>
@@ -5745,7 +5858,7 @@
                 </a:solidFill>
               </a:defRPr>
             </a:lvl6pPr>
-            <a:lvl7pPr indent="-317500" lvl="6" marL="3200400">
+            <a:lvl7pPr marL="3200400" lvl="6" indent="-317500">
               <a:spcBef>
                 <a:spcPts val="1600"/>
               </a:spcBef>
@@ -5763,7 +5876,7 @@
                 </a:solidFill>
               </a:defRPr>
             </a:lvl7pPr>
-            <a:lvl8pPr indent="-317500" lvl="7" marL="3657600">
+            <a:lvl8pPr marL="3657600" lvl="7" indent="-317500">
               <a:spcBef>
                 <a:spcPts val="1600"/>
               </a:spcBef>
@@ -5781,7 +5894,7 @@
                 </a:solidFill>
               </a:defRPr>
             </a:lvl8pPr>
-            <a:lvl9pPr indent="-317500" lvl="8" marL="4114800">
+            <a:lvl9pPr marL="4114800" lvl="8" indent="-317500">
               <a:spcBef>
                 <a:spcPts val="1600"/>
               </a:spcBef>
@@ -5800,15 +5913,19 @@
               </a:defRPr>
             </a:lvl9pPr>
           </a:lstStyle>
-          <a:p/>
+          <a:p>
+            <a:endParaRPr/>
+          </a:p>
         </p:txBody>
       </p:sp>
       <p:sp>
         <p:nvSpPr>
           <p:cNvPr id="51" name="Google Shape;51;p9"/>
-          <p:cNvSpPr txBox="1"/>
+          <p:cNvSpPr txBox="1">
+            <a:spLocks noGrp="1"/>
+          </p:cNvSpPr>
           <p:nvPr>
-            <p:ph idx="12" type="sldNum"/>
+            <p:ph type="sldNum" idx="12"/>
           </p:nvPr>
         </p:nvSpPr>
         <p:spPr>
@@ -5821,7 +5938,7 @@
           </a:prstGeom>
         </p:spPr>
         <p:txBody>
-          <a:bodyPr anchorCtr="0" anchor="ctr" bIns="91425" lIns="91425" spcFirstLastPara="1" rIns="91425" wrap="square" tIns="91425">
+          <a:bodyPr spcFirstLastPara="1" wrap="square" lIns="91425" tIns="91425" rIns="91425" bIns="91425" anchor="ctr" anchorCtr="0">
             <a:noAutofit/>
           </a:bodyPr>
           <a:lstStyle>
@@ -5899,7 +6016,7 @@
             </a:lvl9pPr>
           </a:lstStyle>
           <a:p>
-            <a:pPr indent="0" lvl="0" marL="0" rtl="0" algn="r">
+            <a:pPr marL="0" lvl="0" indent="0" algn="r" rtl="0">
               <a:spcBef>
                 <a:spcPts val="0"/>
               </a:spcBef>
@@ -5925,11 +6042,11 @@
 </file>
 
 <file path=ppt/slideLayouts/slideLayout9.xml><?xml version="1.0" encoding="utf-8"?>
-<p:sldLayout xmlns:a="http://schemas.openxmlformats.org/drawingml/2006/main" xmlns:r="http://schemas.openxmlformats.org/officeDocument/2006/relationships" xmlns:mc="http://schemas.openxmlformats.org/markup-compatibility/2006" xmlns:mv="urn:schemas-microsoft-com:mac:vml" xmlns:p="http://schemas.openxmlformats.org/presentationml/2006/main" xmlns:c="http://schemas.openxmlformats.org/drawingml/2006/chart" xmlns:dgm="http://schemas.openxmlformats.org/drawingml/2006/diagram" xmlns:o="urn:schemas-microsoft-com:office:office" xmlns:v="urn:schemas-microsoft-com:vml" xmlns:pvml="urn:schemas-microsoft-com:office:powerpoint" xmlns:com="http://schemas.openxmlformats.org/drawingml/2006/compatibility" xmlns:p14="http://schemas.microsoft.com/office/powerpoint/2010/main" xmlns:p15="http://schemas.microsoft.com/office/powerpoint/2012/main" matchingName="Caption">
+<p:sldLayout xmlns:a="http://schemas.openxmlformats.org/drawingml/2006/main" xmlns:r="http://schemas.openxmlformats.org/officeDocument/2006/relationships" xmlns:p="http://schemas.openxmlformats.org/presentationml/2006/main" matchingName="Caption">
   <p:cSld name="CAPTION_ONLY">
     <p:spTree>
       <p:nvGrpSpPr>
-        <p:cNvPr id="52" name="Shape 52"/>
+        <p:cNvPr id="1" name="Shape 52"/>
         <p:cNvGrpSpPr/>
         <p:nvPr/>
       </p:nvGrpSpPr>
@@ -5948,7 +6065,7 @@
           <p:nvPr/>
         </p:nvSpPr>
         <p:spPr>
-          <a:xfrm flipH="1" rot="10800000">
+          <a:xfrm rot="10800000" flipH="1">
             <a:off x="0" y="0"/>
             <a:ext cx="9144000" cy="4695900"/>
           </a:xfrm>
@@ -5963,12 +6080,12 @@
           </a:ln>
         </p:spPr>
         <p:txBody>
-          <a:bodyPr anchorCtr="0" anchor="ctr" bIns="91425" lIns="91425" spcFirstLastPara="1" rIns="91425" wrap="square" tIns="91425">
+          <a:bodyPr spcFirstLastPara="1" wrap="square" lIns="91425" tIns="91425" rIns="91425" bIns="91425" anchor="ctr" anchorCtr="0">
             <a:noAutofit/>
           </a:bodyPr>
           <a:lstStyle/>
           <a:p>
-            <a:pPr indent="0" lvl="0" marL="0" rtl="0" algn="l">
+            <a:pPr marL="0" lvl="0" indent="0" algn="l" rtl="0">
               <a:spcBef>
                 <a:spcPts val="0"/>
               </a:spcBef>
@@ -5977,9 +6094,6 @@
               </a:spcAft>
               <a:buNone/>
             </a:pPr>
-            <a:r>
-              <a:t/>
-            </a:r>
             <a:endParaRPr/>
           </a:p>
         </p:txBody>
@@ -5991,7 +6105,7 @@
           <p:nvPr/>
         </p:nvSpPr>
         <p:spPr>
-          <a:xfrm flipH="1" rot="10800000">
+          <a:xfrm rot="10800000" flipH="1">
             <a:off x="0" y="4622725"/>
             <a:ext cx="9144000" cy="74100"/>
           </a:xfrm>
@@ -6020,12 +6134,12 @@
           </a:ln>
         </p:spPr>
         <p:txBody>
-          <a:bodyPr anchorCtr="0" anchor="ctr" bIns="91425" lIns="91425" spcFirstLastPara="1" rIns="91425" wrap="square" tIns="91425">
+          <a:bodyPr spcFirstLastPara="1" wrap="square" lIns="91425" tIns="91425" rIns="91425" bIns="91425" anchor="ctr" anchorCtr="0">
             <a:noAutofit/>
           </a:bodyPr>
           <a:lstStyle/>
           <a:p>
-            <a:pPr indent="0" lvl="0" marL="0" rtl="0" algn="l">
+            <a:pPr marL="0" lvl="0" indent="0" algn="l" rtl="0">
               <a:spcBef>
                 <a:spcPts val="0"/>
               </a:spcBef>
@@ -6034,9 +6148,6 @@
               </a:spcAft>
               <a:buNone/>
             </a:pPr>
-            <a:r>
-              <a:t/>
-            </a:r>
             <a:endParaRPr/>
           </a:p>
         </p:txBody>
@@ -6044,9 +6155,11 @@
       <p:sp>
         <p:nvSpPr>
           <p:cNvPr id="55" name="Google Shape;55;p10"/>
-          <p:cNvSpPr txBox="1"/>
+          <p:cNvSpPr txBox="1">
+            <a:spLocks noGrp="1"/>
+          </p:cNvSpPr>
           <p:nvPr>
-            <p:ph idx="1" type="body"/>
+            <p:ph type="body" idx="1"/>
           </p:nvPr>
         </p:nvSpPr>
         <p:spPr>
@@ -6059,11 +6172,11 @@
           </a:prstGeom>
         </p:spPr>
         <p:txBody>
-          <a:bodyPr anchorCtr="0" anchor="ctr" bIns="91425" lIns="91425" spcFirstLastPara="1" rIns="91425" wrap="square" tIns="91425">
+          <a:bodyPr spcFirstLastPara="1" wrap="square" lIns="91425" tIns="91425" rIns="91425" bIns="91425" anchor="ctr" anchorCtr="0">
             <a:noAutofit/>
           </a:bodyPr>
           <a:lstStyle>
-            <a:lvl1pPr indent="-228600" lvl="0" marL="457200">
+            <a:lvl1pPr marL="457200" lvl="0" indent="-228600">
               <a:lnSpc>
                 <a:spcPct val="100000"/>
               </a:lnSpc>
@@ -6085,15 +6198,19 @@
               </a:defRPr>
             </a:lvl1pPr>
           </a:lstStyle>
-          <a:p/>
+          <a:p>
+            <a:endParaRPr/>
+          </a:p>
         </p:txBody>
       </p:sp>
       <p:sp>
         <p:nvSpPr>
           <p:cNvPr id="56" name="Google Shape;56;p10"/>
-          <p:cNvSpPr txBox="1"/>
+          <p:cNvSpPr txBox="1">
+            <a:spLocks noGrp="1"/>
+          </p:cNvSpPr>
           <p:nvPr>
-            <p:ph idx="12" type="sldNum"/>
+            <p:ph type="sldNum" idx="12"/>
           </p:nvPr>
         </p:nvSpPr>
         <p:spPr>
@@ -6106,7 +6223,7 @@
           </a:prstGeom>
         </p:spPr>
         <p:txBody>
-          <a:bodyPr anchorCtr="0" anchor="ctr" bIns="91425" lIns="91425" spcFirstLastPara="1" rIns="91425" wrap="square" tIns="91425">
+          <a:bodyPr spcFirstLastPara="1" wrap="square" lIns="91425" tIns="91425" rIns="91425" bIns="91425" anchor="ctr" anchorCtr="0">
             <a:noAutofit/>
           </a:bodyPr>
           <a:lstStyle>
@@ -6184,7 +6301,7 @@
             </a:lvl9pPr>
           </a:lstStyle>
           <a:p>
-            <a:pPr indent="0" lvl="0" marL="0" rtl="0" algn="r">
+            <a:pPr marL="0" lvl="0" indent="0" algn="r" rtl="0">
               <a:spcBef>
                 <a:spcPts val="0"/>
               </a:spcBef>
@@ -6210,18 +6327,19 @@
 </file>
 
 <file path=ppt/slideMasters/slideMaster1.xml><?xml version="1.0" encoding="utf-8"?>
-<p:sldMaster xmlns:a="http://schemas.openxmlformats.org/drawingml/2006/main" xmlns:r="http://schemas.openxmlformats.org/officeDocument/2006/relationships" xmlns:mc="http://schemas.openxmlformats.org/markup-compatibility/2006" xmlns:mv="urn:schemas-microsoft-com:mac:vml" xmlns:p="http://schemas.openxmlformats.org/presentationml/2006/main" xmlns:c="http://schemas.openxmlformats.org/drawingml/2006/chart" xmlns:dgm="http://schemas.openxmlformats.org/drawingml/2006/diagram" xmlns:o="urn:schemas-microsoft-com:office:office" xmlns:v="urn:schemas-microsoft-com:vml" xmlns:pvml="urn:schemas-microsoft-com:office:powerpoint" xmlns:com="http://schemas.openxmlformats.org/drawingml/2006/compatibility" xmlns:p14="http://schemas.microsoft.com/office/powerpoint/2010/main" xmlns:p15="http://schemas.microsoft.com/office/powerpoint/2012/main">
+<p:sldMaster xmlns:a="http://schemas.openxmlformats.org/drawingml/2006/main" xmlns:r="http://schemas.openxmlformats.org/officeDocument/2006/relationships" xmlns:p="http://schemas.openxmlformats.org/presentationml/2006/main">
   <p:cSld name="material">
     <p:bg>
       <p:bgPr>
         <a:solidFill>
           <a:schemeClr val="dk1"/>
         </a:solidFill>
+        <a:effectLst/>
       </p:bgPr>
     </p:bg>
     <p:spTree>
       <p:nvGrpSpPr>
-        <p:cNvPr id="5" name="Shape 5"/>
+        <p:cNvPr id="1" name="Shape 5"/>
         <p:cNvGrpSpPr/>
         <p:nvPr/>
       </p:nvGrpSpPr>
@@ -6236,7 +6354,9 @@
       <p:sp>
         <p:nvSpPr>
           <p:cNvPr id="6" name="Google Shape;6;p1"/>
-          <p:cNvSpPr txBox="1"/>
+          <p:cNvSpPr txBox="1">
+            <a:spLocks noGrp="1"/>
+          </p:cNvSpPr>
           <p:nvPr>
             <p:ph type="title"/>
           </p:nvPr>
@@ -6255,7 +6375,7 @@
           </a:ln>
         </p:spPr>
         <p:txBody>
-          <a:bodyPr anchorCtr="0" anchor="b" bIns="91425" lIns="91425" spcFirstLastPara="1" rIns="91425" wrap="square" tIns="91425">
+          <a:bodyPr spcFirstLastPara="1" wrap="square" lIns="91425" tIns="91425" rIns="91425" bIns="91425" anchor="b" anchorCtr="0">
             <a:noAutofit/>
           </a:bodyPr>
           <a:lstStyle>
@@ -6467,15 +6587,19 @@
               </a:defRPr>
             </a:lvl9pPr>
           </a:lstStyle>
-          <a:p/>
+          <a:p>
+            <a:endParaRPr/>
+          </a:p>
         </p:txBody>
       </p:sp>
       <p:sp>
         <p:nvSpPr>
           <p:cNvPr id="7" name="Google Shape;7;p1"/>
-          <p:cNvSpPr txBox="1"/>
+          <p:cNvSpPr txBox="1">
+            <a:spLocks noGrp="1"/>
+          </p:cNvSpPr>
           <p:nvPr>
-            <p:ph idx="1" type="body"/>
+            <p:ph type="body" idx="1"/>
           </p:nvPr>
         </p:nvSpPr>
         <p:spPr>
@@ -6492,11 +6616,11 @@
           </a:ln>
         </p:spPr>
         <p:txBody>
-          <a:bodyPr anchorCtr="0" anchor="t" bIns="91425" lIns="91425" spcFirstLastPara="1" rIns="91425" wrap="square" tIns="91425">
+          <a:bodyPr spcFirstLastPara="1" wrap="square" lIns="91425" tIns="91425" rIns="91425" bIns="91425" anchor="t" anchorCtr="0">
             <a:noAutofit/>
           </a:bodyPr>
           <a:lstStyle>
-            <a:lvl1pPr indent="-342900" lvl="0" marL="457200">
+            <a:lvl1pPr marL="457200" lvl="0" indent="-342900">
               <a:lnSpc>
                 <a:spcPct val="115000"/>
               </a:lnSpc>
@@ -6522,7 +6646,7 @@
                 <a:sym typeface="Roboto"/>
               </a:defRPr>
             </a:lvl1pPr>
-            <a:lvl2pPr indent="-317500" lvl="1" marL="914400">
+            <a:lvl2pPr marL="914400" lvl="1" indent="-317500">
               <a:lnSpc>
                 <a:spcPct val="115000"/>
               </a:lnSpc>
@@ -6548,7 +6672,7 @@
                 <a:sym typeface="Roboto"/>
               </a:defRPr>
             </a:lvl2pPr>
-            <a:lvl3pPr indent="-317500" lvl="2" marL="1371600">
+            <a:lvl3pPr marL="1371600" lvl="2" indent="-317500">
               <a:lnSpc>
                 <a:spcPct val="115000"/>
               </a:lnSpc>
@@ -6574,7 +6698,7 @@
                 <a:sym typeface="Roboto"/>
               </a:defRPr>
             </a:lvl3pPr>
-            <a:lvl4pPr indent="-317500" lvl="3" marL="1828800">
+            <a:lvl4pPr marL="1828800" lvl="3" indent="-317500">
               <a:lnSpc>
                 <a:spcPct val="115000"/>
               </a:lnSpc>
@@ -6600,7 +6724,7 @@
                 <a:sym typeface="Roboto"/>
               </a:defRPr>
             </a:lvl4pPr>
-            <a:lvl5pPr indent="-317500" lvl="4" marL="2286000">
+            <a:lvl5pPr marL="2286000" lvl="4" indent="-317500">
               <a:lnSpc>
                 <a:spcPct val="115000"/>
               </a:lnSpc>
@@ -6626,7 +6750,7 @@
                 <a:sym typeface="Roboto"/>
               </a:defRPr>
             </a:lvl5pPr>
-            <a:lvl6pPr indent="-317500" lvl="5" marL="2743200">
+            <a:lvl6pPr marL="2743200" lvl="5" indent="-317500">
               <a:lnSpc>
                 <a:spcPct val="115000"/>
               </a:lnSpc>
@@ -6652,7 +6776,7 @@
                 <a:sym typeface="Roboto"/>
               </a:defRPr>
             </a:lvl6pPr>
-            <a:lvl7pPr indent="-317500" lvl="6" marL="3200400">
+            <a:lvl7pPr marL="3200400" lvl="6" indent="-317500">
               <a:lnSpc>
                 <a:spcPct val="115000"/>
               </a:lnSpc>
@@ -6678,7 +6802,7 @@
                 <a:sym typeface="Roboto"/>
               </a:defRPr>
             </a:lvl7pPr>
-            <a:lvl8pPr indent="-317500" lvl="7" marL="3657600">
+            <a:lvl8pPr marL="3657600" lvl="7" indent="-317500">
               <a:lnSpc>
                 <a:spcPct val="115000"/>
               </a:lnSpc>
@@ -6704,7 +6828,7 @@
                 <a:sym typeface="Roboto"/>
               </a:defRPr>
             </a:lvl8pPr>
-            <a:lvl9pPr indent="-317500" lvl="8" marL="4114800">
+            <a:lvl9pPr marL="4114800" lvl="8" indent="-317500">
               <a:lnSpc>
                 <a:spcPct val="115000"/>
               </a:lnSpc>
@@ -6731,15 +6855,19 @@
               </a:defRPr>
             </a:lvl9pPr>
           </a:lstStyle>
-          <a:p/>
+          <a:p>
+            <a:endParaRPr/>
+          </a:p>
         </p:txBody>
       </p:sp>
       <p:sp>
         <p:nvSpPr>
           <p:cNvPr id="8" name="Google Shape;8;p1"/>
-          <p:cNvSpPr txBox="1"/>
+          <p:cNvSpPr txBox="1">
+            <a:spLocks noGrp="1"/>
+          </p:cNvSpPr>
           <p:nvPr>
-            <p:ph idx="12" type="sldNum"/>
+            <p:ph type="sldNum" idx="12"/>
           </p:nvPr>
         </p:nvSpPr>
         <p:spPr>
@@ -6756,7 +6884,7 @@
           </a:ln>
         </p:spPr>
         <p:txBody>
-          <a:bodyPr anchorCtr="0" anchor="ctr" bIns="91425" lIns="91425" spcFirstLastPara="1" rIns="91425" wrap="square" tIns="91425">
+          <a:bodyPr spcFirstLastPara="1" wrap="square" lIns="91425" tIns="91425" rIns="91425" bIns="91425" anchor="ctr" anchorCtr="0">
             <a:noAutofit/>
           </a:bodyPr>
           <a:lstStyle>
@@ -6870,7 +6998,7 @@
             </a:lvl9pPr>
           </a:lstStyle>
           <a:p>
-            <a:pPr indent="0" lvl="0" marL="0" rtl="0" algn="r">
+            <a:pPr marL="0" lvl="0" indent="0" algn="r" rtl="0">
               <a:spcBef>
                 <a:spcPts val="0"/>
               </a:spcBef>
@@ -6889,7 +7017,7 @@
       </p:sp>
     </p:spTree>
   </p:cSld>
-  <p:clrMap accent1="accent1" accent2="accent2" accent3="accent3" accent4="accent4" accent5="accent5" accent6="accent6" bg1="lt1" bg2="dk2" tx1="dk1" tx2="lt2" folHlink="folHlink" hlink="hlink"/>
+  <p:clrMap bg1="lt1" tx1="dk1" bg2="dk2" tx2="lt2" accent1="accent1" accent2="accent2" accent3="accent3" accent4="accent4" accent5="accent5" accent6="accent6" hlink="hlink" folHlink="folHlink"/>
   <p:sldLayoutIdLst>
     <p:sldLayoutId id="2147483648" r:id="rId1"/>
     <p:sldLayoutId id="2147483649" r:id="rId2"/>
@@ -6903,10 +7031,10 @@
     <p:sldLayoutId id="2147483657" r:id="rId10"/>
     <p:sldLayoutId id="2147483658" r:id="rId11"/>
   </p:sldLayoutIdLst>
-  <p:hf dt="0" ftr="0" hdr="0" sldNum="0"/>
+  <p:hf sldNum="0" hdr="0" ftr="0" dt="0"/>
   <p:txStyles>
     <p:titleStyle>
-      <a:defPPr lvl="0" marR="0" rtl="0" algn="l">
+      <a:defPPr marR="0" lvl="0" algn="l" rtl="0">
         <a:lnSpc>
           <a:spcPct val="100000"/>
         </a:lnSpc>
@@ -6917,7 +7045,7 @@
           <a:spcPts val="0"/>
         </a:spcAft>
       </a:defPPr>
-      <a:lvl1pPr lvl="0" marR="0" rtl="0" algn="l">
+      <a:lvl1pPr marR="0" lvl="0" algn="l" rtl="0">
         <a:lnSpc>
           <a:spcPct val="100000"/>
         </a:lnSpc>
@@ -6931,7 +7059,7 @@
           <a:srgbClr val="000000"/>
         </a:buClr>
         <a:buFont typeface="Arial"/>
-        <a:defRPr b="0" i="0" sz="1400" u="none" cap="none" strike="noStrike">
+        <a:defRPr sz="1400" b="0" i="0" u="none" strike="noStrike" cap="none">
           <a:solidFill>
             <a:srgbClr val="000000"/>
           </a:solidFill>
@@ -6941,7 +7069,7 @@
           <a:sym typeface="Arial"/>
         </a:defRPr>
       </a:lvl1pPr>
-      <a:lvl2pPr lvl="1" marR="0" rtl="0" algn="l">
+      <a:lvl2pPr marR="0" lvl="1" algn="l" rtl="0">
         <a:lnSpc>
           <a:spcPct val="100000"/>
         </a:lnSpc>
@@ -6955,7 +7083,7 @@
           <a:srgbClr val="000000"/>
         </a:buClr>
         <a:buFont typeface="Arial"/>
-        <a:defRPr b="0" i="0" sz="1400" u="none" cap="none" strike="noStrike">
+        <a:defRPr sz="1400" b="0" i="0" u="none" strike="noStrike" cap="none">
           <a:solidFill>
             <a:srgbClr val="000000"/>
           </a:solidFill>
@@ -6965,7 +7093,7 @@
           <a:sym typeface="Arial"/>
         </a:defRPr>
       </a:lvl2pPr>
-      <a:lvl3pPr lvl="2" marR="0" rtl="0" algn="l">
+      <a:lvl3pPr marR="0" lvl="2" algn="l" rtl="0">
         <a:lnSpc>
           <a:spcPct val="100000"/>
         </a:lnSpc>
@@ -6979,7 +7107,7 @@
           <a:srgbClr val="000000"/>
         </a:buClr>
         <a:buFont typeface="Arial"/>
-        <a:defRPr b="0" i="0" sz="1400" u="none" cap="none" strike="noStrike">
+        <a:defRPr sz="1400" b="0" i="0" u="none" strike="noStrike" cap="none">
           <a:solidFill>
             <a:srgbClr val="000000"/>
           </a:solidFill>
@@ -6989,7 +7117,7 @@
           <a:sym typeface="Arial"/>
         </a:defRPr>
       </a:lvl3pPr>
-      <a:lvl4pPr lvl="3" marR="0" rtl="0" algn="l">
+      <a:lvl4pPr marR="0" lvl="3" algn="l" rtl="0">
         <a:lnSpc>
           <a:spcPct val="100000"/>
         </a:lnSpc>
@@ -7003,7 +7131,7 @@
           <a:srgbClr val="000000"/>
         </a:buClr>
         <a:buFont typeface="Arial"/>
-        <a:defRPr b="0" i="0" sz="1400" u="none" cap="none" strike="noStrike">
+        <a:defRPr sz="1400" b="0" i="0" u="none" strike="noStrike" cap="none">
           <a:solidFill>
             <a:srgbClr val="000000"/>
           </a:solidFill>
@@ -7013,7 +7141,7 @@
           <a:sym typeface="Arial"/>
         </a:defRPr>
       </a:lvl4pPr>
-      <a:lvl5pPr lvl="4" marR="0" rtl="0" algn="l">
+      <a:lvl5pPr marR="0" lvl="4" algn="l" rtl="0">
         <a:lnSpc>
           <a:spcPct val="100000"/>
         </a:lnSpc>
@@ -7027,7 +7155,7 @@
           <a:srgbClr val="000000"/>
         </a:buClr>
         <a:buFont typeface="Arial"/>
-        <a:defRPr b="0" i="0" sz="1400" u="none" cap="none" strike="noStrike">
+        <a:defRPr sz="1400" b="0" i="0" u="none" strike="noStrike" cap="none">
           <a:solidFill>
             <a:srgbClr val="000000"/>
           </a:solidFill>
@@ -7037,7 +7165,7 @@
           <a:sym typeface="Arial"/>
         </a:defRPr>
       </a:lvl5pPr>
-      <a:lvl6pPr lvl="5" marR="0" rtl="0" algn="l">
+      <a:lvl6pPr marR="0" lvl="5" algn="l" rtl="0">
         <a:lnSpc>
           <a:spcPct val="100000"/>
         </a:lnSpc>
@@ -7051,7 +7179,7 @@
           <a:srgbClr val="000000"/>
         </a:buClr>
         <a:buFont typeface="Arial"/>
-        <a:defRPr b="0" i="0" sz="1400" u="none" cap="none" strike="noStrike">
+        <a:defRPr sz="1400" b="0" i="0" u="none" strike="noStrike" cap="none">
           <a:solidFill>
             <a:srgbClr val="000000"/>
           </a:solidFill>
@@ -7061,7 +7189,7 @@
           <a:sym typeface="Arial"/>
         </a:defRPr>
       </a:lvl6pPr>
-      <a:lvl7pPr lvl="6" marR="0" rtl="0" algn="l">
+      <a:lvl7pPr marR="0" lvl="6" algn="l" rtl="0">
         <a:lnSpc>
           <a:spcPct val="100000"/>
         </a:lnSpc>
@@ -7075,7 +7203,7 @@
           <a:srgbClr val="000000"/>
         </a:buClr>
         <a:buFont typeface="Arial"/>
-        <a:defRPr b="0" i="0" sz="1400" u="none" cap="none" strike="noStrike">
+        <a:defRPr sz="1400" b="0" i="0" u="none" strike="noStrike" cap="none">
           <a:solidFill>
             <a:srgbClr val="000000"/>
           </a:solidFill>
@@ -7085,7 +7213,7 @@
           <a:sym typeface="Arial"/>
         </a:defRPr>
       </a:lvl7pPr>
-      <a:lvl8pPr lvl="7" marR="0" rtl="0" algn="l">
+      <a:lvl8pPr marR="0" lvl="7" algn="l" rtl="0">
         <a:lnSpc>
           <a:spcPct val="100000"/>
         </a:lnSpc>
@@ -7099,7 +7227,7 @@
           <a:srgbClr val="000000"/>
         </a:buClr>
         <a:buFont typeface="Arial"/>
-        <a:defRPr b="0" i="0" sz="1400" u="none" cap="none" strike="noStrike">
+        <a:defRPr sz="1400" b="0" i="0" u="none" strike="noStrike" cap="none">
           <a:solidFill>
             <a:srgbClr val="000000"/>
           </a:solidFill>
@@ -7109,7 +7237,7 @@
           <a:sym typeface="Arial"/>
         </a:defRPr>
       </a:lvl8pPr>
-      <a:lvl9pPr lvl="8" marR="0" rtl="0" algn="l">
+      <a:lvl9pPr marR="0" lvl="8" algn="l" rtl="0">
         <a:lnSpc>
           <a:spcPct val="100000"/>
         </a:lnSpc>
@@ -7123,7 +7251,7 @@
           <a:srgbClr val="000000"/>
         </a:buClr>
         <a:buFont typeface="Arial"/>
-        <a:defRPr b="0" i="0" sz="1400" u="none" cap="none" strike="noStrike">
+        <a:defRPr sz="1400" b="0" i="0" u="none" strike="noStrike" cap="none">
           <a:solidFill>
             <a:srgbClr val="000000"/>
           </a:solidFill>
@@ -7135,7 +7263,7 @@
       </a:lvl9pPr>
     </p:titleStyle>
     <p:bodyStyle>
-      <a:defPPr lvl="0" marR="0" rtl="0" algn="l">
+      <a:defPPr marR="0" lvl="0" algn="l" rtl="0">
         <a:lnSpc>
           <a:spcPct val="100000"/>
         </a:lnSpc>
@@ -7146,7 +7274,7 @@
           <a:spcPts val="0"/>
         </a:spcAft>
       </a:defPPr>
-      <a:lvl1pPr lvl="0" marR="0" rtl="0" algn="l">
+      <a:lvl1pPr marR="0" lvl="0" algn="l" rtl="0">
         <a:lnSpc>
           <a:spcPct val="100000"/>
         </a:lnSpc>
@@ -7160,7 +7288,7 @@
           <a:srgbClr val="000000"/>
         </a:buClr>
         <a:buFont typeface="Arial"/>
-        <a:defRPr b="0" i="0" sz="1400" u="none" cap="none" strike="noStrike">
+        <a:defRPr sz="1400" b="0" i="0" u="none" strike="noStrike" cap="none">
           <a:solidFill>
             <a:srgbClr val="000000"/>
           </a:solidFill>
@@ -7170,7 +7298,7 @@
           <a:sym typeface="Arial"/>
         </a:defRPr>
       </a:lvl1pPr>
-      <a:lvl2pPr lvl="1" marR="0" rtl="0" algn="l">
+      <a:lvl2pPr marR="0" lvl="1" algn="l" rtl="0">
         <a:lnSpc>
           <a:spcPct val="100000"/>
         </a:lnSpc>
@@ -7184,7 +7312,7 @@
           <a:srgbClr val="000000"/>
         </a:buClr>
         <a:buFont typeface="Arial"/>
-        <a:defRPr b="0" i="0" sz="1400" u="none" cap="none" strike="noStrike">
+        <a:defRPr sz="1400" b="0" i="0" u="none" strike="noStrike" cap="none">
           <a:solidFill>
             <a:srgbClr val="000000"/>
           </a:solidFill>
@@ -7194,7 +7322,7 @@
           <a:sym typeface="Arial"/>
         </a:defRPr>
       </a:lvl2pPr>
-      <a:lvl3pPr lvl="2" marR="0" rtl="0" algn="l">
+      <a:lvl3pPr marR="0" lvl="2" algn="l" rtl="0">
         <a:lnSpc>
           <a:spcPct val="100000"/>
         </a:lnSpc>
@@ -7208,7 +7336,7 @@
           <a:srgbClr val="000000"/>
         </a:buClr>
         <a:buFont typeface="Arial"/>
-        <a:defRPr b="0" i="0" sz="1400" u="none" cap="none" strike="noStrike">
+        <a:defRPr sz="1400" b="0" i="0" u="none" strike="noStrike" cap="none">
           <a:solidFill>
             <a:srgbClr val="000000"/>
           </a:solidFill>
@@ -7218,7 +7346,7 @@
           <a:sym typeface="Arial"/>
         </a:defRPr>
       </a:lvl3pPr>
-      <a:lvl4pPr lvl="3" marR="0" rtl="0" algn="l">
+      <a:lvl4pPr marR="0" lvl="3" algn="l" rtl="0">
         <a:lnSpc>
           <a:spcPct val="100000"/>
         </a:lnSpc>
@@ -7232,7 +7360,7 @@
           <a:srgbClr val="000000"/>
         </a:buClr>
         <a:buFont typeface="Arial"/>
-        <a:defRPr b="0" i="0" sz="1400" u="none" cap="none" strike="noStrike">
+        <a:defRPr sz="1400" b="0" i="0" u="none" strike="noStrike" cap="none">
           <a:solidFill>
             <a:srgbClr val="000000"/>
           </a:solidFill>
@@ -7242,7 +7370,7 @@
           <a:sym typeface="Arial"/>
         </a:defRPr>
       </a:lvl4pPr>
-      <a:lvl5pPr lvl="4" marR="0" rtl="0" algn="l">
+      <a:lvl5pPr marR="0" lvl="4" algn="l" rtl="0">
         <a:lnSpc>
           <a:spcPct val="100000"/>
         </a:lnSpc>
@@ -7256,7 +7384,7 @@
           <a:srgbClr val="000000"/>
         </a:buClr>
         <a:buFont typeface="Arial"/>
-        <a:defRPr b="0" i="0" sz="1400" u="none" cap="none" strike="noStrike">
+        <a:defRPr sz="1400" b="0" i="0" u="none" strike="noStrike" cap="none">
           <a:solidFill>
             <a:srgbClr val="000000"/>
           </a:solidFill>
@@ -7266,7 +7394,7 @@
           <a:sym typeface="Arial"/>
         </a:defRPr>
       </a:lvl5pPr>
-      <a:lvl6pPr lvl="5" marR="0" rtl="0" algn="l">
+      <a:lvl6pPr marR="0" lvl="5" algn="l" rtl="0">
         <a:lnSpc>
           <a:spcPct val="100000"/>
         </a:lnSpc>
@@ -7280,7 +7408,7 @@
           <a:srgbClr val="000000"/>
         </a:buClr>
         <a:buFont typeface="Arial"/>
-        <a:defRPr b="0" i="0" sz="1400" u="none" cap="none" strike="noStrike">
+        <a:defRPr sz="1400" b="0" i="0" u="none" strike="noStrike" cap="none">
           <a:solidFill>
             <a:srgbClr val="000000"/>
           </a:solidFill>
@@ -7290,7 +7418,7 @@
           <a:sym typeface="Arial"/>
         </a:defRPr>
       </a:lvl6pPr>
-      <a:lvl7pPr lvl="6" marR="0" rtl="0" algn="l">
+      <a:lvl7pPr marR="0" lvl="6" algn="l" rtl="0">
         <a:lnSpc>
           <a:spcPct val="100000"/>
         </a:lnSpc>
@@ -7304,7 +7432,7 @@
           <a:srgbClr val="000000"/>
         </a:buClr>
         <a:buFont typeface="Arial"/>
-        <a:defRPr b="0" i="0" sz="1400" u="none" cap="none" strike="noStrike">
+        <a:defRPr sz="1400" b="0" i="0" u="none" strike="noStrike" cap="none">
           <a:solidFill>
             <a:srgbClr val="000000"/>
           </a:solidFill>
@@ -7314,7 +7442,7 @@
           <a:sym typeface="Arial"/>
         </a:defRPr>
       </a:lvl7pPr>
-      <a:lvl8pPr lvl="7" marR="0" rtl="0" algn="l">
+      <a:lvl8pPr marR="0" lvl="7" algn="l" rtl="0">
         <a:lnSpc>
           <a:spcPct val="100000"/>
         </a:lnSpc>
@@ -7328,7 +7456,7 @@
           <a:srgbClr val="000000"/>
         </a:buClr>
         <a:buFont typeface="Arial"/>
-        <a:defRPr b="0" i="0" sz="1400" u="none" cap="none" strike="noStrike">
+        <a:defRPr sz="1400" b="0" i="0" u="none" strike="noStrike" cap="none">
           <a:solidFill>
             <a:srgbClr val="000000"/>
           </a:solidFill>
@@ -7338,7 +7466,7 @@
           <a:sym typeface="Arial"/>
         </a:defRPr>
       </a:lvl8pPr>
-      <a:lvl9pPr lvl="8" marR="0" rtl="0" algn="l">
+      <a:lvl9pPr marR="0" lvl="8" algn="l" rtl="0">
         <a:lnSpc>
           <a:spcPct val="100000"/>
         </a:lnSpc>
@@ -7352,7 +7480,7 @@
           <a:srgbClr val="000000"/>
         </a:buClr>
         <a:buFont typeface="Arial"/>
-        <a:defRPr b="0" i="0" sz="1400" u="none" cap="none" strike="noStrike">
+        <a:defRPr sz="1400" b="0" i="0" u="none" strike="noStrike" cap="none">
           <a:solidFill>
             <a:srgbClr val="000000"/>
           </a:solidFill>
@@ -7364,7 +7492,7 @@
       </a:lvl9pPr>
     </p:bodyStyle>
     <p:otherStyle>
-      <a:defPPr lvl="0" marR="0" rtl="0" algn="l">
+      <a:defPPr marR="0" lvl="0" algn="l" rtl="0">
         <a:lnSpc>
           <a:spcPct val="100000"/>
         </a:lnSpc>
@@ -7375,7 +7503,7 @@
           <a:spcPts val="0"/>
         </a:spcAft>
       </a:defPPr>
-      <a:lvl1pPr lvl="0" marR="0" rtl="0" algn="l">
+      <a:lvl1pPr marR="0" lvl="0" algn="l" rtl="0">
         <a:lnSpc>
           <a:spcPct val="100000"/>
         </a:lnSpc>
@@ -7389,7 +7517,7 @@
           <a:srgbClr val="000000"/>
         </a:buClr>
         <a:buFont typeface="Arial"/>
-        <a:defRPr b="0" i="0" sz="1400" u="none" cap="none" strike="noStrike">
+        <a:defRPr sz="1400" b="0" i="0" u="none" strike="noStrike" cap="none">
           <a:solidFill>
             <a:srgbClr val="000000"/>
           </a:solidFill>
@@ -7399,7 +7527,7 @@
           <a:sym typeface="Arial"/>
         </a:defRPr>
       </a:lvl1pPr>
-      <a:lvl2pPr lvl="1" marR="0" rtl="0" algn="l">
+      <a:lvl2pPr marR="0" lvl="1" algn="l" rtl="0">
         <a:lnSpc>
           <a:spcPct val="100000"/>
         </a:lnSpc>
@@ -7413,7 +7541,7 @@
           <a:srgbClr val="000000"/>
         </a:buClr>
         <a:buFont typeface="Arial"/>
-        <a:defRPr b="0" i="0" sz="1400" u="none" cap="none" strike="noStrike">
+        <a:defRPr sz="1400" b="0" i="0" u="none" strike="noStrike" cap="none">
           <a:solidFill>
             <a:srgbClr val="000000"/>
           </a:solidFill>
@@ -7423,7 +7551,7 @@
           <a:sym typeface="Arial"/>
         </a:defRPr>
       </a:lvl2pPr>
-      <a:lvl3pPr lvl="2" marR="0" rtl="0" algn="l">
+      <a:lvl3pPr marR="0" lvl="2" algn="l" rtl="0">
         <a:lnSpc>
           <a:spcPct val="100000"/>
         </a:lnSpc>
@@ -7437,7 +7565,7 @@
           <a:srgbClr val="000000"/>
         </a:buClr>
         <a:buFont typeface="Arial"/>
-        <a:defRPr b="0" i="0" sz="1400" u="none" cap="none" strike="noStrike">
+        <a:defRPr sz="1400" b="0" i="0" u="none" strike="noStrike" cap="none">
           <a:solidFill>
             <a:srgbClr val="000000"/>
           </a:solidFill>
@@ -7447,7 +7575,7 @@
           <a:sym typeface="Arial"/>
         </a:defRPr>
       </a:lvl3pPr>
-      <a:lvl4pPr lvl="3" marR="0" rtl="0" algn="l">
+      <a:lvl4pPr marR="0" lvl="3" algn="l" rtl="0">
         <a:lnSpc>
           <a:spcPct val="100000"/>
         </a:lnSpc>
@@ -7461,7 +7589,7 @@
           <a:srgbClr val="000000"/>
         </a:buClr>
         <a:buFont typeface="Arial"/>
-        <a:defRPr b="0" i="0" sz="1400" u="none" cap="none" strike="noStrike">
+        <a:defRPr sz="1400" b="0" i="0" u="none" strike="noStrike" cap="none">
           <a:solidFill>
             <a:srgbClr val="000000"/>
           </a:solidFill>
@@ -7471,7 +7599,7 @@
           <a:sym typeface="Arial"/>
         </a:defRPr>
       </a:lvl4pPr>
-      <a:lvl5pPr lvl="4" marR="0" rtl="0" algn="l">
+      <a:lvl5pPr marR="0" lvl="4" algn="l" rtl="0">
         <a:lnSpc>
           <a:spcPct val="100000"/>
         </a:lnSpc>
@@ -7485,7 +7613,7 @@
           <a:srgbClr val="000000"/>
         </a:buClr>
         <a:buFont typeface="Arial"/>
-        <a:defRPr b="0" i="0" sz="1400" u="none" cap="none" strike="noStrike">
+        <a:defRPr sz="1400" b="0" i="0" u="none" strike="noStrike" cap="none">
           <a:solidFill>
             <a:srgbClr val="000000"/>
           </a:solidFill>
@@ -7495,7 +7623,7 @@
           <a:sym typeface="Arial"/>
         </a:defRPr>
       </a:lvl5pPr>
-      <a:lvl6pPr lvl="5" marR="0" rtl="0" algn="l">
+      <a:lvl6pPr marR="0" lvl="5" algn="l" rtl="0">
         <a:lnSpc>
           <a:spcPct val="100000"/>
         </a:lnSpc>
@@ -7509,7 +7637,7 @@
           <a:srgbClr val="000000"/>
         </a:buClr>
         <a:buFont typeface="Arial"/>
-        <a:defRPr b="0" i="0" sz="1400" u="none" cap="none" strike="noStrike">
+        <a:defRPr sz="1400" b="0" i="0" u="none" strike="noStrike" cap="none">
           <a:solidFill>
             <a:srgbClr val="000000"/>
           </a:solidFill>
@@ -7519,7 +7647,7 @@
           <a:sym typeface="Arial"/>
         </a:defRPr>
       </a:lvl6pPr>
-      <a:lvl7pPr lvl="6" marR="0" rtl="0" algn="l">
+      <a:lvl7pPr marR="0" lvl="6" algn="l" rtl="0">
         <a:lnSpc>
           <a:spcPct val="100000"/>
         </a:lnSpc>
@@ -7533,7 +7661,7 @@
           <a:srgbClr val="000000"/>
         </a:buClr>
         <a:buFont typeface="Arial"/>
-        <a:defRPr b="0" i="0" sz="1400" u="none" cap="none" strike="noStrike">
+        <a:defRPr sz="1400" b="0" i="0" u="none" strike="noStrike" cap="none">
           <a:solidFill>
             <a:srgbClr val="000000"/>
           </a:solidFill>
@@ -7543,7 +7671,7 @@
           <a:sym typeface="Arial"/>
         </a:defRPr>
       </a:lvl7pPr>
-      <a:lvl8pPr lvl="7" marR="0" rtl="0" algn="l">
+      <a:lvl8pPr marR="0" lvl="7" algn="l" rtl="0">
         <a:lnSpc>
           <a:spcPct val="100000"/>
         </a:lnSpc>
@@ -7557,7 +7685,7 @@
           <a:srgbClr val="000000"/>
         </a:buClr>
         <a:buFont typeface="Arial"/>
-        <a:defRPr b="0" i="0" sz="1400" u="none" cap="none" strike="noStrike">
+        <a:defRPr sz="1400" b="0" i="0" u="none" strike="noStrike" cap="none">
           <a:solidFill>
             <a:srgbClr val="000000"/>
           </a:solidFill>
@@ -7567,7 +7695,7 @@
           <a:sym typeface="Arial"/>
         </a:defRPr>
       </a:lvl8pPr>
-      <a:lvl9pPr lvl="8" marR="0" rtl="0" algn="l">
+      <a:lvl9pPr marR="0" lvl="8" algn="l" rtl="0">
         <a:lnSpc>
           <a:spcPct val="100000"/>
         </a:lnSpc>
@@ -7581,7 +7709,7 @@
           <a:srgbClr val="000000"/>
         </a:buClr>
         <a:buFont typeface="Arial"/>
-        <a:defRPr b="0" i="0" sz="1400" u="none" cap="none" strike="noStrike">
+        <a:defRPr sz="1400" b="0" i="0" u="none" strike="noStrike" cap="none">
           <a:solidFill>
             <a:srgbClr val="000000"/>
           </a:solidFill>
@@ -7597,11 +7725,11 @@
 </file>
 
 <file path=ppt/slides/slide1.xml><?xml version="1.0" encoding="utf-8"?>
-<p:sld xmlns:a="http://schemas.openxmlformats.org/drawingml/2006/main" xmlns:r="http://schemas.openxmlformats.org/officeDocument/2006/relationships" xmlns:mc="http://schemas.openxmlformats.org/markup-compatibility/2006" xmlns:mv="urn:schemas-microsoft-com:mac:vml" xmlns:p="http://schemas.openxmlformats.org/presentationml/2006/main" xmlns:c="http://schemas.openxmlformats.org/drawingml/2006/chart" xmlns:dgm="http://schemas.openxmlformats.org/drawingml/2006/diagram" xmlns:o="urn:schemas-microsoft-com:office:office" xmlns:v="urn:schemas-microsoft-com:vml" xmlns:pvml="urn:schemas-microsoft-com:office:powerpoint" xmlns:com="http://schemas.openxmlformats.org/drawingml/2006/compatibility" xmlns:p14="http://schemas.microsoft.com/office/powerpoint/2010/main" xmlns:p15="http://schemas.microsoft.com/office/powerpoint/2012/main">
+<p:sld xmlns:a="http://schemas.openxmlformats.org/drawingml/2006/main" xmlns:r="http://schemas.openxmlformats.org/officeDocument/2006/relationships" xmlns:p="http://schemas.openxmlformats.org/presentationml/2006/main">
   <p:cSld>
     <p:spTree>
       <p:nvGrpSpPr>
-        <p:cNvPr id="66" name="Shape 66"/>
+        <p:cNvPr id="1" name="Shape 66"/>
         <p:cNvGrpSpPr/>
         <p:nvPr/>
       </p:nvGrpSpPr>
@@ -7616,7 +7744,9 @@
       <p:sp>
         <p:nvSpPr>
           <p:cNvPr id="67" name="Google Shape;67;p13"/>
-          <p:cNvSpPr txBox="1"/>
+          <p:cNvSpPr txBox="1">
+            <a:spLocks noGrp="1"/>
+          </p:cNvSpPr>
           <p:nvPr>
             <p:ph type="ctrTitle"/>
           </p:nvPr>
@@ -7631,12 +7761,12 @@
           </a:prstGeom>
         </p:spPr>
         <p:txBody>
-          <a:bodyPr anchorCtr="0" anchor="b" bIns="91425" lIns="91425" spcFirstLastPara="1" rIns="91425" wrap="square" tIns="91425">
+          <a:bodyPr spcFirstLastPara="1" wrap="square" lIns="91425" tIns="91425" rIns="91425" bIns="91425" anchor="b" anchorCtr="0">
             <a:noAutofit/>
           </a:bodyPr>
           <a:lstStyle/>
           <a:p>
-            <a:pPr indent="0" lvl="0" marL="0" rtl="0" algn="l">
+            <a:pPr marL="0" lvl="0" indent="0" algn="l" rtl="0">
               <a:spcBef>
                 <a:spcPts val="0"/>
               </a:spcBef>
@@ -7656,9 +7786,11 @@
       <p:sp>
         <p:nvSpPr>
           <p:cNvPr id="68" name="Google Shape;68;p13"/>
-          <p:cNvSpPr txBox="1"/>
+          <p:cNvSpPr txBox="1">
+            <a:spLocks noGrp="1"/>
+          </p:cNvSpPr>
           <p:nvPr>
-            <p:ph idx="1" type="subTitle"/>
+            <p:ph type="subTitle" idx="1"/>
           </p:nvPr>
         </p:nvSpPr>
         <p:spPr>
@@ -7671,12 +7803,12 @@
           </a:prstGeom>
         </p:spPr>
         <p:txBody>
-          <a:bodyPr anchorCtr="0" anchor="t" bIns="91425" lIns="91425" spcFirstLastPara="1" rIns="91425" wrap="square" tIns="91425">
+          <a:bodyPr spcFirstLastPara="1" wrap="square" lIns="91425" tIns="91425" rIns="91425" bIns="91425" anchor="t" anchorCtr="0">
             <a:noAutofit/>
           </a:bodyPr>
           <a:lstStyle/>
           <a:p>
-            <a:pPr indent="0" lvl="0" marL="0" rtl="0" algn="l">
+            <a:pPr marL="0" lvl="0" indent="0" algn="l" rtl="0">
               <a:spcBef>
                 <a:spcPts val="0"/>
               </a:spcBef>
@@ -7702,11 +7834,11 @@
 </file>
 
 <file path=ppt/slides/slide10.xml><?xml version="1.0" encoding="utf-8"?>
-<p:sld xmlns:a="http://schemas.openxmlformats.org/drawingml/2006/main" xmlns:r="http://schemas.openxmlformats.org/officeDocument/2006/relationships" xmlns:mc="http://schemas.openxmlformats.org/markup-compatibility/2006" xmlns:mv="urn:schemas-microsoft-com:mac:vml" xmlns:p="http://schemas.openxmlformats.org/presentationml/2006/main" xmlns:c="http://schemas.openxmlformats.org/drawingml/2006/chart" xmlns:dgm="http://schemas.openxmlformats.org/drawingml/2006/diagram" xmlns:o="urn:schemas-microsoft-com:office:office" xmlns:v="urn:schemas-microsoft-com:vml" xmlns:pvml="urn:schemas-microsoft-com:office:powerpoint" xmlns:com="http://schemas.openxmlformats.org/drawingml/2006/compatibility" xmlns:p14="http://schemas.microsoft.com/office/powerpoint/2010/main" xmlns:p15="http://schemas.microsoft.com/office/powerpoint/2012/main">
+<p:sld xmlns:a="http://schemas.openxmlformats.org/drawingml/2006/main" xmlns:r="http://schemas.openxmlformats.org/officeDocument/2006/relationships" xmlns:p="http://schemas.openxmlformats.org/presentationml/2006/main">
   <p:cSld>
     <p:spTree>
       <p:nvGrpSpPr>
-        <p:cNvPr id="131" name="Shape 131"/>
+        <p:cNvPr id="1" name="Shape 131"/>
         <p:cNvGrpSpPr/>
         <p:nvPr/>
       </p:nvGrpSpPr>
@@ -7721,9 +7853,11 @@
       <p:sp>
         <p:nvSpPr>
           <p:cNvPr id="132" name="Google Shape;132;p22"/>
-          <p:cNvSpPr txBox="1"/>
+          <p:cNvSpPr txBox="1">
+            <a:spLocks noGrp="1"/>
+          </p:cNvSpPr>
           <p:nvPr>
-            <p:ph idx="4294967295" type="title"/>
+            <p:ph type="title" idx="4294967295"/>
           </p:nvPr>
         </p:nvSpPr>
         <p:spPr>
@@ -7736,12 +7870,12 @@
           </a:prstGeom>
         </p:spPr>
         <p:txBody>
-          <a:bodyPr anchorCtr="0" anchor="ctr" bIns="91425" lIns="91425" spcFirstLastPara="1" rIns="91425" wrap="square" tIns="91425">
+          <a:bodyPr spcFirstLastPara="1" wrap="square" lIns="91425" tIns="91425" rIns="91425" bIns="91425" anchor="ctr" anchorCtr="0">
             <a:noAutofit/>
           </a:bodyPr>
           <a:lstStyle/>
           <a:p>
-            <a:pPr indent="0" lvl="0" marL="0" rtl="0" algn="ctr">
+            <a:pPr marL="0" lvl="0" indent="0" algn="ctr" rtl="0">
               <a:spcBef>
                 <a:spcPts val="0"/>
               </a:spcBef>
@@ -7781,23 +7915,25 @@
             <a:avLst/>
           </a:prstGeom>
           <a:noFill/>
-          <a:ln cap="flat" cmpd="sng" w="28575">
+          <a:ln w="28575" cap="flat" cmpd="sng">
             <a:solidFill>
               <a:schemeClr val="dk1"/>
             </a:solidFill>
             <a:prstDash val="solid"/>
             <a:round/>
-            <a:headEnd len="sm" w="sm" type="none"/>
-            <a:tailEnd len="sm" w="sm" type="none"/>
+            <a:headEnd type="none" w="sm" len="sm"/>
+            <a:tailEnd type="none" w="sm" len="sm"/>
           </a:ln>
         </p:spPr>
       </p:cxnSp>
       <p:sp>
         <p:nvSpPr>
           <p:cNvPr id="134" name="Google Shape;134;p22"/>
-          <p:cNvSpPr txBox="1"/>
+          <p:cNvSpPr txBox="1">
+            <a:spLocks noGrp="1"/>
+          </p:cNvSpPr>
           <p:nvPr>
-            <p:ph idx="4294967295" type="body"/>
+            <p:ph type="body" idx="4294967295"/>
           </p:nvPr>
         </p:nvSpPr>
         <p:spPr>
@@ -7810,12 +7946,12 @@
           </a:prstGeom>
         </p:spPr>
         <p:txBody>
-          <a:bodyPr anchorCtr="0" anchor="t" bIns="91425" lIns="91425" spcFirstLastPara="1" rIns="91425" wrap="square" tIns="91425">
+          <a:bodyPr spcFirstLastPara="1" wrap="square" lIns="91425" tIns="91425" rIns="91425" bIns="91425" anchor="t" anchorCtr="0">
             <a:noAutofit/>
           </a:bodyPr>
           <a:lstStyle/>
           <a:p>
-            <a:pPr indent="0" lvl="0" marL="0" rtl="0" algn="ctr">
+            <a:pPr marL="0" lvl="0" indent="0" algn="ctr" rtl="0">
               <a:lnSpc>
                 <a:spcPct val="100000"/>
               </a:lnSpc>
@@ -7844,11 +7980,11 @@
 </file>
 
 <file path=ppt/slides/slide2.xml><?xml version="1.0" encoding="utf-8"?>
-<p:sld xmlns:a="http://schemas.openxmlformats.org/drawingml/2006/main" xmlns:r="http://schemas.openxmlformats.org/officeDocument/2006/relationships" xmlns:mc="http://schemas.openxmlformats.org/markup-compatibility/2006" xmlns:mv="urn:schemas-microsoft-com:mac:vml" xmlns:p="http://schemas.openxmlformats.org/presentationml/2006/main" xmlns:c="http://schemas.openxmlformats.org/drawingml/2006/chart" xmlns:dgm="http://schemas.openxmlformats.org/drawingml/2006/diagram" xmlns:o="urn:schemas-microsoft-com:office:office" xmlns:v="urn:schemas-microsoft-com:vml" xmlns:pvml="urn:schemas-microsoft-com:office:powerpoint" xmlns:com="http://schemas.openxmlformats.org/drawingml/2006/compatibility" xmlns:p14="http://schemas.microsoft.com/office/powerpoint/2010/main" xmlns:p15="http://schemas.microsoft.com/office/powerpoint/2012/main">
+<p:sld xmlns:a="http://schemas.openxmlformats.org/drawingml/2006/main" xmlns:r="http://schemas.openxmlformats.org/officeDocument/2006/relationships" xmlns:p="http://schemas.openxmlformats.org/presentationml/2006/main">
   <p:cSld>
     <p:spTree>
       <p:nvGrpSpPr>
-        <p:cNvPr id="72" name="Shape 72"/>
+        <p:cNvPr id="1" name="Shape 72"/>
         <p:cNvGrpSpPr/>
         <p:nvPr/>
       </p:nvGrpSpPr>
@@ -7863,7 +7999,9 @@
       <p:sp>
         <p:nvSpPr>
           <p:cNvPr id="73" name="Google Shape;73;p14"/>
-          <p:cNvSpPr txBox="1"/>
+          <p:cNvSpPr txBox="1">
+            <a:spLocks noGrp="1"/>
+          </p:cNvSpPr>
           <p:nvPr>
             <p:ph type="title"/>
           </p:nvPr>
@@ -7878,12 +8016,12 @@
           </a:prstGeom>
         </p:spPr>
         <p:txBody>
-          <a:bodyPr anchorCtr="0" anchor="b" bIns="91425" lIns="91425" spcFirstLastPara="1" rIns="91425" wrap="square" tIns="91425">
+          <a:bodyPr spcFirstLastPara="1" wrap="square" lIns="91425" tIns="91425" rIns="91425" bIns="91425" anchor="b" anchorCtr="0">
             <a:noAutofit/>
           </a:bodyPr>
           <a:lstStyle/>
           <a:p>
-            <a:pPr indent="0" lvl="0" marL="0" rtl="0" algn="ctr">
+            <a:pPr marL="0" lvl="0" indent="0" algn="ctr" rtl="0">
               <a:spcBef>
                 <a:spcPts val="0"/>
               </a:spcBef>
@@ -7903,9 +8041,11 @@
       <p:sp>
         <p:nvSpPr>
           <p:cNvPr id="74" name="Google Shape;74;p14"/>
-          <p:cNvSpPr txBox="1"/>
+          <p:cNvSpPr txBox="1">
+            <a:spLocks noGrp="1"/>
+          </p:cNvSpPr>
           <p:nvPr>
-            <p:ph idx="1" type="subTitle"/>
+            <p:ph type="subTitle" idx="1"/>
           </p:nvPr>
         </p:nvSpPr>
         <p:spPr>
@@ -7918,12 +8058,12 @@
           </a:prstGeom>
         </p:spPr>
         <p:txBody>
-          <a:bodyPr anchorCtr="0" anchor="t" bIns="91425" lIns="91425" spcFirstLastPara="1" rIns="91425" wrap="square" tIns="91425">
+          <a:bodyPr spcFirstLastPara="1" wrap="square" lIns="91425" tIns="91425" rIns="91425" bIns="91425" anchor="t" anchorCtr="0">
             <a:noAutofit/>
           </a:bodyPr>
           <a:lstStyle/>
           <a:p>
-            <a:pPr indent="0" lvl="0" marL="0" rtl="0" algn="ctr">
+            <a:pPr marL="0" lvl="0" indent="0" algn="ctr" rtl="0">
               <a:spcBef>
                 <a:spcPts val="0"/>
               </a:spcBef>
@@ -7932,9 +8072,6 @@
               </a:spcAft>
               <a:buNone/>
             </a:pPr>
-            <a:r>
-              <a:t/>
-            </a:r>
             <a:endParaRPr/>
           </a:p>
         </p:txBody>
@@ -7942,9 +8079,11 @@
       <p:sp>
         <p:nvSpPr>
           <p:cNvPr id="75" name="Google Shape;75;p14"/>
-          <p:cNvSpPr txBox="1"/>
+          <p:cNvSpPr txBox="1">
+            <a:spLocks noGrp="1"/>
+          </p:cNvSpPr>
           <p:nvPr>
-            <p:ph idx="2" type="body"/>
+            <p:ph type="body" idx="2"/>
           </p:nvPr>
         </p:nvSpPr>
         <p:spPr>
@@ -7957,12 +8096,12 @@
           </a:prstGeom>
         </p:spPr>
         <p:txBody>
-          <a:bodyPr anchorCtr="0" anchor="ctr" bIns="91425" lIns="91425" spcFirstLastPara="1" rIns="91425" wrap="square" tIns="91425">
+          <a:bodyPr spcFirstLastPara="1" wrap="square" lIns="91425" tIns="91425" rIns="91425" bIns="91425" anchor="ctr" anchorCtr="0">
             <a:noAutofit/>
           </a:bodyPr>
           <a:lstStyle/>
           <a:p>
-            <a:pPr indent="0" lvl="0" marL="0" rtl="0" algn="l">
+            <a:pPr marL="0" lvl="0" indent="0" algn="l" rtl="0">
               <a:spcBef>
                 <a:spcPts val="0"/>
               </a:spcBef>
@@ -7971,13 +8110,10 @@
               </a:spcAft>
               <a:buNone/>
             </a:pPr>
-            <a:r>
-              <a:t/>
-            </a:r>
             <a:endParaRPr/>
           </a:p>
           <a:p>
-            <a:pPr indent="-342900" lvl="0" marL="457200" rtl="0" algn="l">
+            <a:pPr marL="457200" lvl="0" indent="-342900" algn="l" rtl="0">
               <a:spcBef>
                 <a:spcPts val="1600"/>
               </a:spcBef>
@@ -7994,7 +8130,7 @@
             <a:endParaRPr/>
           </a:p>
           <a:p>
-            <a:pPr indent="-342900" lvl="0" marL="457200" rtl="0" algn="l">
+            <a:pPr marL="457200" lvl="0" indent="-342900" algn="l" rtl="0">
               <a:spcBef>
                 <a:spcPts val="0"/>
               </a:spcBef>
@@ -8021,11 +8157,11 @@
 </file>
 
 <file path=ppt/slides/slide3.xml><?xml version="1.0" encoding="utf-8"?>
-<p:sld xmlns:a="http://schemas.openxmlformats.org/drawingml/2006/main" xmlns:r="http://schemas.openxmlformats.org/officeDocument/2006/relationships" xmlns:mc="http://schemas.openxmlformats.org/markup-compatibility/2006" xmlns:mv="urn:schemas-microsoft-com:mac:vml" xmlns:p="http://schemas.openxmlformats.org/presentationml/2006/main" xmlns:c="http://schemas.openxmlformats.org/drawingml/2006/chart" xmlns:dgm="http://schemas.openxmlformats.org/drawingml/2006/diagram" xmlns:o="urn:schemas-microsoft-com:office:office" xmlns:v="urn:schemas-microsoft-com:vml" xmlns:pvml="urn:schemas-microsoft-com:office:powerpoint" xmlns:com="http://schemas.openxmlformats.org/drawingml/2006/compatibility" xmlns:p14="http://schemas.microsoft.com/office/powerpoint/2010/main" xmlns:p15="http://schemas.microsoft.com/office/powerpoint/2012/main">
+<p:sld xmlns:a="http://schemas.openxmlformats.org/drawingml/2006/main" xmlns:r="http://schemas.openxmlformats.org/officeDocument/2006/relationships" xmlns:p="http://schemas.openxmlformats.org/presentationml/2006/main">
   <p:cSld>
     <p:spTree>
       <p:nvGrpSpPr>
-        <p:cNvPr id="79" name="Shape 79"/>
+        <p:cNvPr id="1" name="Shape 79"/>
         <p:cNvGrpSpPr/>
         <p:nvPr/>
       </p:nvGrpSpPr>
@@ -8040,7 +8176,9 @@
       <p:sp>
         <p:nvSpPr>
           <p:cNvPr id="80" name="Google Shape;80;p15"/>
-          <p:cNvSpPr txBox="1"/>
+          <p:cNvSpPr txBox="1">
+            <a:spLocks noGrp="1"/>
+          </p:cNvSpPr>
           <p:nvPr>
             <p:ph type="title"/>
           </p:nvPr>
@@ -8055,12 +8193,12 @@
           </a:prstGeom>
         </p:spPr>
         <p:txBody>
-          <a:bodyPr anchorCtr="0" anchor="ctr" bIns="91425" lIns="91425" spcFirstLastPara="1" rIns="91425" wrap="square" tIns="91425">
+          <a:bodyPr spcFirstLastPara="1" wrap="square" lIns="91425" tIns="91425" rIns="91425" bIns="91425" anchor="ctr" anchorCtr="0">
             <a:noAutofit/>
           </a:bodyPr>
           <a:lstStyle/>
           <a:p>
-            <a:pPr indent="0" lvl="0" marL="0" rtl="0" algn="l">
+            <a:pPr marL="0" lvl="0" indent="0" algn="l" rtl="0">
               <a:spcBef>
                 <a:spcPts val="0"/>
               </a:spcBef>
@@ -8114,11 +8252,11 @@
 </file>
 
 <file path=ppt/slides/slide4.xml><?xml version="1.0" encoding="utf-8"?>
-<p:sld xmlns:a="http://schemas.openxmlformats.org/drawingml/2006/main" xmlns:r="http://schemas.openxmlformats.org/officeDocument/2006/relationships" xmlns:mc="http://schemas.openxmlformats.org/markup-compatibility/2006" xmlns:mv="urn:schemas-microsoft-com:mac:vml" xmlns:p="http://schemas.openxmlformats.org/presentationml/2006/main" xmlns:c="http://schemas.openxmlformats.org/drawingml/2006/chart" xmlns:dgm="http://schemas.openxmlformats.org/drawingml/2006/diagram" xmlns:o="urn:schemas-microsoft-com:office:office" xmlns:v="urn:schemas-microsoft-com:vml" xmlns:pvml="urn:schemas-microsoft-com:office:powerpoint" xmlns:com="http://schemas.openxmlformats.org/drawingml/2006/compatibility" xmlns:p14="http://schemas.microsoft.com/office/powerpoint/2010/main" xmlns:p15="http://schemas.microsoft.com/office/powerpoint/2012/main">
+<p:sld xmlns:a="http://schemas.openxmlformats.org/drawingml/2006/main" xmlns:r="http://schemas.openxmlformats.org/officeDocument/2006/relationships" xmlns:p="http://schemas.openxmlformats.org/presentationml/2006/main">
   <p:cSld>
     <p:spTree>
       <p:nvGrpSpPr>
-        <p:cNvPr id="85" name="Shape 85"/>
+        <p:cNvPr id="1" name="Shape 85"/>
         <p:cNvGrpSpPr/>
         <p:nvPr/>
       </p:nvGrpSpPr>
@@ -8133,7 +8271,9 @@
       <p:sp>
         <p:nvSpPr>
           <p:cNvPr id="86" name="Google Shape;86;p16"/>
-          <p:cNvSpPr txBox="1"/>
+          <p:cNvSpPr txBox="1">
+            <a:spLocks noGrp="1"/>
+          </p:cNvSpPr>
           <p:nvPr>
             <p:ph type="title"/>
           </p:nvPr>
@@ -8148,12 +8288,12 @@
           </a:prstGeom>
         </p:spPr>
         <p:txBody>
-          <a:bodyPr anchorCtr="0" anchor="ctr" bIns="91425" lIns="91425" spcFirstLastPara="1" rIns="91425" wrap="square" tIns="91425">
+          <a:bodyPr spcFirstLastPara="1" wrap="square" lIns="91425" tIns="91425" rIns="91425" bIns="91425" anchor="ctr" anchorCtr="0">
             <a:noAutofit/>
           </a:bodyPr>
           <a:lstStyle/>
           <a:p>
-            <a:pPr indent="0" lvl="0" marL="0" rtl="0" algn="l">
+            <a:pPr marL="0" lvl="0" indent="0" algn="l" rtl="0">
               <a:spcBef>
                 <a:spcPts val="0"/>
               </a:spcBef>
@@ -8291,11 +8431,11 @@
 </file>
 
 <file path=ppt/slides/slide5.xml><?xml version="1.0" encoding="utf-8"?>
-<p:sld xmlns:a="http://schemas.openxmlformats.org/drawingml/2006/main" xmlns:r="http://schemas.openxmlformats.org/officeDocument/2006/relationships" xmlns:mc="http://schemas.openxmlformats.org/markup-compatibility/2006" xmlns:mv="urn:schemas-microsoft-com:mac:vml" xmlns:p="http://schemas.openxmlformats.org/presentationml/2006/main" xmlns:c="http://schemas.openxmlformats.org/drawingml/2006/chart" xmlns:dgm="http://schemas.openxmlformats.org/drawingml/2006/diagram" xmlns:o="urn:schemas-microsoft-com:office:office" xmlns:v="urn:schemas-microsoft-com:vml" xmlns:pvml="urn:schemas-microsoft-com:office:powerpoint" xmlns:com="http://schemas.openxmlformats.org/drawingml/2006/compatibility" xmlns:p14="http://schemas.microsoft.com/office/powerpoint/2010/main" xmlns:p15="http://schemas.microsoft.com/office/powerpoint/2012/main">
+<p:sld xmlns:a="http://schemas.openxmlformats.org/drawingml/2006/main" xmlns:r="http://schemas.openxmlformats.org/officeDocument/2006/relationships" xmlns:p="http://schemas.openxmlformats.org/presentationml/2006/main">
   <p:cSld>
     <p:spTree>
       <p:nvGrpSpPr>
-        <p:cNvPr id="94" name="Shape 94"/>
+        <p:cNvPr id="1" name="Shape 94"/>
         <p:cNvGrpSpPr/>
         <p:nvPr/>
       </p:nvGrpSpPr>
@@ -8310,7 +8450,9 @@
       <p:sp>
         <p:nvSpPr>
           <p:cNvPr id="95" name="Google Shape;95;p17"/>
-          <p:cNvSpPr txBox="1"/>
+          <p:cNvSpPr txBox="1">
+            <a:spLocks noGrp="1"/>
+          </p:cNvSpPr>
           <p:nvPr>
             <p:ph type="title"/>
           </p:nvPr>
@@ -8325,12 +8467,12 @@
           </a:prstGeom>
         </p:spPr>
         <p:txBody>
-          <a:bodyPr anchorCtr="0" anchor="ctr" bIns="91425" lIns="91425" spcFirstLastPara="1" rIns="91425" wrap="square" tIns="91425">
+          <a:bodyPr spcFirstLastPara="1" wrap="square" lIns="91425" tIns="91425" rIns="91425" bIns="91425" anchor="ctr" anchorCtr="0">
             <a:noAutofit/>
           </a:bodyPr>
           <a:lstStyle/>
           <a:p>
-            <a:pPr indent="0" lvl="0" marL="0" rtl="0" algn="l">
+            <a:pPr marL="0" lvl="0" indent="0" algn="l" rtl="0">
               <a:spcBef>
                 <a:spcPts val="0"/>
               </a:spcBef>
@@ -8496,11 +8638,11 @@
 </file>
 
 <file path=ppt/slides/slide6.xml><?xml version="1.0" encoding="utf-8"?>
-<p:sld xmlns:a="http://schemas.openxmlformats.org/drawingml/2006/main" xmlns:r="http://schemas.openxmlformats.org/officeDocument/2006/relationships" xmlns:mc="http://schemas.openxmlformats.org/markup-compatibility/2006" xmlns:mv="urn:schemas-microsoft-com:mac:vml" xmlns:p="http://schemas.openxmlformats.org/presentationml/2006/main" xmlns:c="http://schemas.openxmlformats.org/drawingml/2006/chart" xmlns:dgm="http://schemas.openxmlformats.org/drawingml/2006/diagram" xmlns:o="urn:schemas-microsoft-com:office:office" xmlns:v="urn:schemas-microsoft-com:vml" xmlns:pvml="urn:schemas-microsoft-com:office:powerpoint" xmlns:com="http://schemas.openxmlformats.org/drawingml/2006/compatibility" xmlns:p14="http://schemas.microsoft.com/office/powerpoint/2010/main" xmlns:p15="http://schemas.microsoft.com/office/powerpoint/2012/main">
+<p:sld xmlns:a="http://schemas.openxmlformats.org/drawingml/2006/main" xmlns:r="http://schemas.openxmlformats.org/officeDocument/2006/relationships" xmlns:p="http://schemas.openxmlformats.org/presentationml/2006/main">
   <p:cSld>
     <p:spTree>
       <p:nvGrpSpPr>
-        <p:cNvPr id="104" name="Shape 104"/>
+        <p:cNvPr id="1" name="Shape 104"/>
         <p:cNvGrpSpPr/>
         <p:nvPr/>
       </p:nvGrpSpPr>
@@ -8515,7 +8657,9 @@
       <p:sp>
         <p:nvSpPr>
           <p:cNvPr id="105" name="Google Shape;105;p18"/>
-          <p:cNvSpPr txBox="1"/>
+          <p:cNvSpPr txBox="1">
+            <a:spLocks noGrp="1"/>
+          </p:cNvSpPr>
           <p:nvPr>
             <p:ph type="title"/>
           </p:nvPr>
@@ -8530,12 +8674,12 @@
           </a:prstGeom>
         </p:spPr>
         <p:txBody>
-          <a:bodyPr anchorCtr="0" anchor="ctr" bIns="91425" lIns="91425" spcFirstLastPara="1" rIns="91425" wrap="square" tIns="91425">
+          <a:bodyPr spcFirstLastPara="1" wrap="square" lIns="91425" tIns="91425" rIns="91425" bIns="91425" anchor="ctr" anchorCtr="0">
             <a:noAutofit/>
           </a:bodyPr>
           <a:lstStyle/>
           <a:p>
-            <a:pPr indent="0" lvl="0" marL="0" rtl="0" algn="l">
+            <a:pPr marL="0" lvl="0" indent="0" algn="l" rtl="0">
               <a:spcBef>
                 <a:spcPts val="0"/>
               </a:spcBef>
@@ -8617,11 +8761,11 @@
 </file>
 
 <file path=ppt/slides/slide7.xml><?xml version="1.0" encoding="utf-8"?>
-<p:sld xmlns:a="http://schemas.openxmlformats.org/drawingml/2006/main" xmlns:r="http://schemas.openxmlformats.org/officeDocument/2006/relationships" xmlns:mc="http://schemas.openxmlformats.org/markup-compatibility/2006" xmlns:mv="urn:schemas-microsoft-com:mac:vml" xmlns:p="http://schemas.openxmlformats.org/presentationml/2006/main" xmlns:c="http://schemas.openxmlformats.org/drawingml/2006/chart" xmlns:dgm="http://schemas.openxmlformats.org/drawingml/2006/diagram" xmlns:o="urn:schemas-microsoft-com:office:office" xmlns:v="urn:schemas-microsoft-com:vml" xmlns:pvml="urn:schemas-microsoft-com:office:powerpoint" xmlns:com="http://schemas.openxmlformats.org/drawingml/2006/compatibility" xmlns:p14="http://schemas.microsoft.com/office/powerpoint/2010/main" xmlns:p15="http://schemas.microsoft.com/office/powerpoint/2012/main">
+<p:sld xmlns:a="http://schemas.openxmlformats.org/drawingml/2006/main" xmlns:r="http://schemas.openxmlformats.org/officeDocument/2006/relationships" xmlns:p="http://schemas.openxmlformats.org/presentationml/2006/main">
   <p:cSld>
     <p:spTree>
       <p:nvGrpSpPr>
-        <p:cNvPr id="111" name="Shape 111"/>
+        <p:cNvPr id="1" name="Shape 111"/>
         <p:cNvGrpSpPr/>
         <p:nvPr/>
       </p:nvGrpSpPr>
@@ -8636,7 +8780,9 @@
       <p:sp>
         <p:nvSpPr>
           <p:cNvPr id="112" name="Google Shape;112;p19"/>
-          <p:cNvSpPr txBox="1"/>
+          <p:cNvSpPr txBox="1">
+            <a:spLocks noGrp="1"/>
+          </p:cNvSpPr>
           <p:nvPr>
             <p:ph type="title"/>
           </p:nvPr>
@@ -8651,12 +8797,12 @@
           </a:prstGeom>
         </p:spPr>
         <p:txBody>
-          <a:bodyPr anchorCtr="0" anchor="ctr" bIns="91425" lIns="91425" spcFirstLastPara="1" rIns="91425" wrap="square" tIns="91425">
+          <a:bodyPr spcFirstLastPara="1" wrap="square" lIns="91425" tIns="91425" rIns="91425" bIns="91425" anchor="ctr" anchorCtr="0">
             <a:noAutofit/>
           </a:bodyPr>
           <a:lstStyle/>
           <a:p>
-            <a:pPr indent="0" lvl="0" marL="0" rtl="0" algn="l">
+            <a:pPr marL="0" lvl="0" indent="0" algn="l" rtl="0">
               <a:spcBef>
                 <a:spcPts val="0"/>
               </a:spcBef>
@@ -8738,11 +8884,11 @@
 </file>
 
 <file path=ppt/slides/slide8.xml><?xml version="1.0" encoding="utf-8"?>
-<p:sld xmlns:a="http://schemas.openxmlformats.org/drawingml/2006/main" xmlns:r="http://schemas.openxmlformats.org/officeDocument/2006/relationships" xmlns:mc="http://schemas.openxmlformats.org/markup-compatibility/2006" xmlns:mv="urn:schemas-microsoft-com:mac:vml" xmlns:p="http://schemas.openxmlformats.org/presentationml/2006/main" xmlns:c="http://schemas.openxmlformats.org/drawingml/2006/chart" xmlns:dgm="http://schemas.openxmlformats.org/drawingml/2006/diagram" xmlns:o="urn:schemas-microsoft-com:office:office" xmlns:v="urn:schemas-microsoft-com:vml" xmlns:pvml="urn:schemas-microsoft-com:office:powerpoint" xmlns:com="http://schemas.openxmlformats.org/drawingml/2006/compatibility" xmlns:p14="http://schemas.microsoft.com/office/powerpoint/2010/main" xmlns:p15="http://schemas.microsoft.com/office/powerpoint/2012/main">
+<p:sld xmlns:a="http://schemas.openxmlformats.org/drawingml/2006/main" xmlns:r="http://schemas.openxmlformats.org/officeDocument/2006/relationships" xmlns:p="http://schemas.openxmlformats.org/presentationml/2006/main">
   <p:cSld>
     <p:spTree>
       <p:nvGrpSpPr>
-        <p:cNvPr id="118" name="Shape 118"/>
+        <p:cNvPr id="1" name="Shape 118"/>
         <p:cNvGrpSpPr/>
         <p:nvPr/>
       </p:nvGrpSpPr>
@@ -8757,7 +8903,9 @@
       <p:sp>
         <p:nvSpPr>
           <p:cNvPr id="119" name="Google Shape;119;p20"/>
-          <p:cNvSpPr txBox="1"/>
+          <p:cNvSpPr txBox="1">
+            <a:spLocks noGrp="1"/>
+          </p:cNvSpPr>
           <p:nvPr>
             <p:ph type="title"/>
           </p:nvPr>
@@ -8772,12 +8920,12 @@
           </a:prstGeom>
         </p:spPr>
         <p:txBody>
-          <a:bodyPr anchorCtr="0" anchor="ctr" bIns="91425" lIns="91425" spcFirstLastPara="1" rIns="91425" wrap="square" tIns="91425">
+          <a:bodyPr spcFirstLastPara="1" wrap="square" lIns="91425" tIns="91425" rIns="91425" bIns="91425" anchor="ctr" anchorCtr="0">
             <a:noAutofit/>
           </a:bodyPr>
           <a:lstStyle/>
           <a:p>
-            <a:pPr indent="0" lvl="0" marL="0" rtl="0" algn="l">
+            <a:pPr marL="0" lvl="0" indent="0" algn="l" rtl="0">
               <a:spcBef>
                 <a:spcPts val="0"/>
               </a:spcBef>
@@ -8859,11 +9007,11 @@
 </file>
 
 <file path=ppt/slides/slide9.xml><?xml version="1.0" encoding="utf-8"?>
-<p:sld xmlns:a="http://schemas.openxmlformats.org/drawingml/2006/main" xmlns:r="http://schemas.openxmlformats.org/officeDocument/2006/relationships" xmlns:mc="http://schemas.openxmlformats.org/markup-compatibility/2006" xmlns:mv="urn:schemas-microsoft-com:mac:vml" xmlns:p="http://schemas.openxmlformats.org/presentationml/2006/main" xmlns:c="http://schemas.openxmlformats.org/drawingml/2006/chart" xmlns:dgm="http://schemas.openxmlformats.org/drawingml/2006/diagram" xmlns:o="urn:schemas-microsoft-com:office:office" xmlns:v="urn:schemas-microsoft-com:vml" xmlns:pvml="urn:schemas-microsoft-com:office:powerpoint" xmlns:com="http://schemas.openxmlformats.org/drawingml/2006/compatibility" xmlns:p14="http://schemas.microsoft.com/office/powerpoint/2010/main" xmlns:p15="http://schemas.microsoft.com/office/powerpoint/2012/main">
+<p:sld xmlns:a="http://schemas.openxmlformats.org/drawingml/2006/main" xmlns:r="http://schemas.openxmlformats.org/officeDocument/2006/relationships" xmlns:p="http://schemas.openxmlformats.org/presentationml/2006/main">
   <p:cSld>
     <p:spTree>
       <p:nvGrpSpPr>
-        <p:cNvPr id="125" name="Shape 125"/>
+        <p:cNvPr id="1" name="Shape 125"/>
         <p:cNvGrpSpPr/>
         <p:nvPr/>
       </p:nvGrpSpPr>
@@ -8878,7 +9026,9 @@
       <p:sp>
         <p:nvSpPr>
           <p:cNvPr id="126" name="Google Shape;126;p21"/>
-          <p:cNvSpPr txBox="1"/>
+          <p:cNvSpPr txBox="1">
+            <a:spLocks noGrp="1"/>
+          </p:cNvSpPr>
           <p:nvPr>
             <p:ph type="title"/>
           </p:nvPr>
@@ -8893,12 +9043,12 @@
           </a:prstGeom>
         </p:spPr>
         <p:txBody>
-          <a:bodyPr anchorCtr="0" anchor="b" bIns="91425" lIns="91425" spcFirstLastPara="1" rIns="91425" wrap="square" tIns="91425">
+          <a:bodyPr spcFirstLastPara="1" wrap="square" lIns="91425" tIns="91425" rIns="91425" bIns="91425" anchor="b" anchorCtr="0">
             <a:noAutofit/>
           </a:bodyPr>
           <a:lstStyle/>
           <a:p>
-            <a:pPr indent="0" lvl="0" marL="0" rtl="0" algn="l">
+            <a:pPr marL="0" lvl="0" indent="0" algn="l" rtl="0">
               <a:spcBef>
                 <a:spcPts val="0"/>
               </a:spcBef>
@@ -8908,19 +9058,21 @@
               <a:buNone/>
             </a:pPr>
             <a:r>
-              <a:rPr lang="en"/>
+              <a:rPr lang="en" dirty="0"/>
               <a:t>Keep practicing!</a:t>
             </a:r>
-            <a:endParaRPr/>
+            <a:endParaRPr dirty="0"/>
           </a:p>
         </p:txBody>
       </p:sp>
       <p:sp>
         <p:nvSpPr>
           <p:cNvPr id="127" name="Google Shape;127;p21"/>
-          <p:cNvSpPr txBox="1"/>
+          <p:cNvSpPr txBox="1">
+            <a:spLocks noGrp="1"/>
+          </p:cNvSpPr>
           <p:nvPr>
-            <p:ph idx="1" type="body"/>
+            <p:ph type="body" idx="1"/>
           </p:nvPr>
         </p:nvSpPr>
         <p:spPr>
@@ -8933,12 +9085,12 @@
           </a:prstGeom>
         </p:spPr>
         <p:txBody>
-          <a:bodyPr anchorCtr="0" anchor="t" bIns="91425" lIns="91425" spcFirstLastPara="1" rIns="91425" wrap="square" tIns="91425">
+          <a:bodyPr spcFirstLastPara="1" wrap="square" lIns="91425" tIns="91425" rIns="91425" bIns="91425" anchor="t" anchorCtr="0">
             <a:noAutofit/>
           </a:bodyPr>
           <a:lstStyle/>
           <a:p>
-            <a:pPr indent="-342900" lvl="0" marL="457200" rtl="0" algn="l">
+            <a:pPr marL="457200" lvl="0" indent="-342900" algn="l" rtl="0">
               <a:spcBef>
                 <a:spcPts val="0"/>
               </a:spcBef>
@@ -8949,69 +9101,42 @@
               <a:buChar char="●"/>
             </a:pPr>
             <a:r>
-              <a:rPr lang="en"/>
-              <a:t>Create html list of person in this room, show their profile and count the number of the people</a:t>
+              <a:rPr lang="en" dirty="0"/>
+              <a:t>Write a </a:t>
             </a:r>
-            <a:endParaRPr/>
-          </a:p>
-          <a:p>
-            <a:pPr indent="0" lvl="0" marL="0" rtl="0" algn="l">
-              <a:spcBef>
-                <a:spcPts val="1600"/>
-              </a:spcBef>
-              <a:spcAft>
-                <a:spcPts val="0"/>
-              </a:spcAft>
-              <a:buNone/>
-            </a:pPr>
             <a:r>
-              <a:t/>
+              <a:rPr lang="en" dirty="0" err="1"/>
+              <a:t>Javascript</a:t>
             </a:r>
-            <a:endParaRPr/>
-          </a:p>
-          <a:p>
-            <a:pPr indent="0" lvl="0" marL="0" rtl="0" algn="l">
-              <a:lnSpc>
-                <a:spcPct val="100000"/>
-              </a:lnSpc>
-              <a:spcBef>
-                <a:spcPts val="1600"/>
-              </a:spcBef>
-              <a:spcAft>
-                <a:spcPts val="0"/>
-              </a:spcAft>
-              <a:buNone/>
-            </a:pPr>
             <a:r>
-              <a:rPr lang="en" sz="1200"/>
-              <a:t>References:</a:t>
+              <a:rPr lang="en" dirty="0"/>
+              <a:t> </a:t>
             </a:r>
-            <a:endParaRPr sz="1200"/>
-          </a:p>
-          <a:p>
-            <a:pPr indent="-304800" lvl="0" marL="457200" rtl="0" algn="l">
-              <a:lnSpc>
-                <a:spcPct val="100000"/>
-              </a:lnSpc>
-              <a:spcBef>
-                <a:spcPts val="0"/>
-              </a:spcBef>
-              <a:spcAft>
-                <a:spcPts val="0"/>
-              </a:spcAft>
-              <a:buSzPts val="1200"/>
-              <a:buChar char="●"/>
-            </a:pPr>
             <a:r>
-              <a:rPr lang="en" sz="1200" u="sng">
-                <a:solidFill>
-                  <a:schemeClr val="hlink"/>
-                </a:solidFill>
-                <a:hlinkClick r:id="rId3"/>
-              </a:rPr>
-              <a:t>w3schools.com</a:t>
+              <a:rPr lang="en" dirty="0" err="1"/>
+              <a:t>progra</a:t>
             </a:r>
-            <a:endParaRPr sz="1200"/>
+            <a:r>
+              <a:rPr lang="en-ID" dirty="0"/>
+              <a:t>m</a:t>
+            </a:r>
+            <a:r>
+              <a:rPr lang="en" dirty="0"/>
+              <a:t> to show the names and ages of person in this room and count the number of the people who is </a:t>
+            </a:r>
+            <a:r>
+              <a:rPr lang="en" dirty="0" err="1"/>
+              <a:t>betwee</a:t>
+            </a:r>
+            <a:r>
+              <a:rPr lang="en-ID" dirty="0"/>
+              <a:t>n</a:t>
+            </a:r>
+            <a:r>
+              <a:rPr lang="en" dirty="0"/>
+              <a:t> 25 – 30 years old. If they are &lt; 25, gives an error “Too young!”, if they are &gt; 30, gives an error “Too old!”.</a:t>
+            </a:r>
+            <a:endParaRPr dirty="0"/>
           </a:p>
         </p:txBody>
       </p:sp>
@@ -9024,7 +9149,288 @@
 </file>
 
 <file path=ppt/theme/theme1.xml><?xml version="1.0" encoding="utf-8"?>
-<a:theme xmlns:a="http://schemas.openxmlformats.org/drawingml/2006/main" xmlns:r="http://schemas.openxmlformats.org/officeDocument/2006/relationships">
+<a:theme xmlns:a="http://schemas.openxmlformats.org/drawingml/2006/main" name="Material">
+  <a:themeElements>
+    <a:clrScheme name="Material">
+      <a:dk1>
+        <a:srgbClr val="4285F4"/>
+      </a:dk1>
+      <a:lt1>
+        <a:srgbClr val="FFFFFF"/>
+      </a:lt1>
+      <a:dk2>
+        <a:srgbClr val="424242"/>
+      </a:dk2>
+      <a:lt2>
+        <a:srgbClr val="737373"/>
+      </a:lt2>
+      <a:accent1>
+        <a:srgbClr val="0277BD"/>
+      </a:accent1>
+      <a:accent2>
+        <a:srgbClr val="0F9D58"/>
+      </a:accent2>
+      <a:accent3>
+        <a:srgbClr val="DB4437"/>
+      </a:accent3>
+      <a:accent4>
+        <a:srgbClr val="FAFAFA"/>
+      </a:accent4>
+      <a:accent5>
+        <a:srgbClr val="4FC3F7"/>
+      </a:accent5>
+      <a:accent6>
+        <a:srgbClr val="F4B400"/>
+      </a:accent6>
+      <a:hlink>
+        <a:srgbClr val="4FC3F7"/>
+      </a:hlink>
+      <a:folHlink>
+        <a:srgbClr val="4FC3F7"/>
+      </a:folHlink>
+    </a:clrScheme>
+    <a:fontScheme name="Office">
+      <a:majorFont>
+        <a:latin typeface="Arial"/>
+        <a:ea typeface=""/>
+        <a:cs typeface=""/>
+        <a:font script="Jpan" typeface="ＭＳ Ｐゴシック"/>
+        <a:font script="Hang" typeface="맑은 고딕"/>
+        <a:font script="Hans" typeface="宋体"/>
+        <a:font script="Hant" typeface="新細明體"/>
+        <a:font script="Arab" typeface="Times New Roman"/>
+        <a:font script="Hebr" typeface="Times New Roman"/>
+        <a:font script="Thai" typeface="Angsana New"/>
+        <a:font script="Ethi" typeface="Nyala"/>
+        <a:font script="Beng" typeface="Vrinda"/>
+        <a:font script="Gujr" typeface="Shruti"/>
+        <a:font script="Khmr" typeface="MoolBoran"/>
+        <a:font script="Knda" typeface="Tunga"/>
+        <a:font script="Guru" typeface="Raavi"/>
+        <a:font script="Cans" typeface="Euphemia"/>
+        <a:font script="Cher" typeface="Plantagenet Cherokee"/>
+        <a:font script="Yiii" typeface="Microsoft Yi Baiti"/>
+        <a:font script="Tibt" typeface="Microsoft Himalaya"/>
+        <a:font script="Thaa" typeface="MV Boli"/>
+        <a:font script="Deva" typeface="Mangal"/>
+        <a:font script="Telu" typeface="Gautami"/>
+        <a:font script="Taml" typeface="Latha"/>
+        <a:font script="Syrc" typeface="Estrangelo Edessa"/>
+        <a:font script="Orya" typeface="Kalinga"/>
+        <a:font script="Mlym" typeface="Kartika"/>
+        <a:font script="Laoo" typeface="DokChampa"/>
+        <a:font script="Sinh" typeface="Iskoola Pota"/>
+        <a:font script="Mong" typeface="Mongolian Baiti"/>
+        <a:font script="Viet" typeface="Times New Roman"/>
+        <a:font script="Uigh" typeface="Microsoft Uighur"/>
+        <a:font script="Geor" typeface="Sylfaen"/>
+      </a:majorFont>
+      <a:minorFont>
+        <a:latin typeface="Arial"/>
+        <a:ea typeface=""/>
+        <a:cs typeface=""/>
+        <a:font script="Jpan" typeface="ＭＳ Ｐゴシック"/>
+        <a:font script="Hang" typeface="맑은 고딕"/>
+        <a:font script="Hans" typeface="宋体"/>
+        <a:font script="Hant" typeface="新細明體"/>
+        <a:font script="Arab" typeface="Arial"/>
+        <a:font script="Hebr" typeface="Arial"/>
+        <a:font script="Thai" typeface="Cordia New"/>
+        <a:font script="Ethi" typeface="Nyala"/>
+        <a:font script="Beng" typeface="Vrinda"/>
+        <a:font script="Gujr" typeface="Shruti"/>
+        <a:font script="Khmr" typeface="DaunPenh"/>
+        <a:font script="Knda" typeface="Tunga"/>
+        <a:font script="Guru" typeface="Raavi"/>
+        <a:font script="Cans" typeface="Euphemia"/>
+        <a:font script="Cher" typeface="Plantagenet Cherokee"/>
+        <a:font script="Yiii" typeface="Microsoft Yi Baiti"/>
+        <a:font script="Tibt" typeface="Microsoft Himalaya"/>
+        <a:font script="Thaa" typeface="MV Boli"/>
+        <a:font script="Deva" typeface="Mangal"/>
+        <a:font script="Telu" typeface="Gautami"/>
+        <a:font script="Taml" typeface="Latha"/>
+        <a:font script="Syrc" typeface="Estrangelo Edessa"/>
+        <a:font script="Orya" typeface="Kalinga"/>
+        <a:font script="Mlym" typeface="Kartika"/>
+        <a:font script="Laoo" typeface="DokChampa"/>
+        <a:font script="Sinh" typeface="Iskoola Pota"/>
+        <a:font script="Mong" typeface="Mongolian Baiti"/>
+        <a:font script="Viet" typeface="Arial"/>
+        <a:font script="Uigh" typeface="Microsoft Uighur"/>
+        <a:font script="Geor" typeface="Sylfaen"/>
+      </a:minorFont>
+    </a:fontScheme>
+    <a:fmtScheme name="Office">
+      <a:fillStyleLst>
+        <a:solidFill>
+          <a:schemeClr val="phClr"/>
+        </a:solidFill>
+        <a:gradFill rotWithShape="1">
+          <a:gsLst>
+            <a:gs pos="0">
+              <a:schemeClr val="phClr">
+                <a:tint val="50000"/>
+                <a:satMod val="300000"/>
+              </a:schemeClr>
+            </a:gs>
+            <a:gs pos="35000">
+              <a:schemeClr val="phClr">
+                <a:tint val="37000"/>
+                <a:satMod val="300000"/>
+              </a:schemeClr>
+            </a:gs>
+            <a:gs pos="100000">
+              <a:schemeClr val="phClr">
+                <a:tint val="15000"/>
+                <a:satMod val="350000"/>
+              </a:schemeClr>
+            </a:gs>
+          </a:gsLst>
+          <a:lin ang="16200000" scaled="1"/>
+        </a:gradFill>
+        <a:gradFill rotWithShape="1">
+          <a:gsLst>
+            <a:gs pos="0">
+              <a:schemeClr val="phClr">
+                <a:tint val="100000"/>
+                <a:shade val="100000"/>
+                <a:satMod val="130000"/>
+              </a:schemeClr>
+            </a:gs>
+            <a:gs pos="100000">
+              <a:schemeClr val="phClr">
+                <a:tint val="50000"/>
+                <a:shade val="100000"/>
+                <a:satMod val="350000"/>
+              </a:schemeClr>
+            </a:gs>
+          </a:gsLst>
+          <a:lin ang="16200000" scaled="0"/>
+        </a:gradFill>
+      </a:fillStyleLst>
+      <a:lnStyleLst>
+        <a:ln w="9525" cap="flat" cmpd="sng" algn="ctr">
+          <a:solidFill>
+            <a:schemeClr val="phClr">
+              <a:shade val="95000"/>
+              <a:satMod val="105000"/>
+            </a:schemeClr>
+          </a:solidFill>
+          <a:prstDash val="solid"/>
+        </a:ln>
+        <a:ln w="25400" cap="flat" cmpd="sng" algn="ctr">
+          <a:solidFill>
+            <a:schemeClr val="phClr"/>
+          </a:solidFill>
+          <a:prstDash val="solid"/>
+        </a:ln>
+        <a:ln w="38100" cap="flat" cmpd="sng" algn="ctr">
+          <a:solidFill>
+            <a:schemeClr val="phClr"/>
+          </a:solidFill>
+          <a:prstDash val="solid"/>
+        </a:ln>
+      </a:lnStyleLst>
+      <a:effectStyleLst>
+        <a:effectStyle>
+          <a:effectLst>
+            <a:outerShdw blurRad="40000" dist="20000" dir="5400000" rotWithShape="0">
+              <a:srgbClr val="000000">
+                <a:alpha val="38000"/>
+              </a:srgbClr>
+            </a:outerShdw>
+          </a:effectLst>
+        </a:effectStyle>
+        <a:effectStyle>
+          <a:effectLst>
+            <a:outerShdw blurRad="40000" dist="23000" dir="5400000" rotWithShape="0">
+              <a:srgbClr val="000000">
+                <a:alpha val="35000"/>
+              </a:srgbClr>
+            </a:outerShdw>
+          </a:effectLst>
+        </a:effectStyle>
+        <a:effectStyle>
+          <a:effectLst>
+            <a:outerShdw blurRad="40000" dist="23000" dir="5400000" rotWithShape="0">
+              <a:srgbClr val="000000">
+                <a:alpha val="35000"/>
+              </a:srgbClr>
+            </a:outerShdw>
+          </a:effectLst>
+          <a:scene3d>
+            <a:camera prst="orthographicFront">
+              <a:rot lat="0" lon="0" rev="0"/>
+            </a:camera>
+            <a:lightRig rig="threePt" dir="t">
+              <a:rot lat="0" lon="0" rev="1200000"/>
+            </a:lightRig>
+          </a:scene3d>
+          <a:sp3d>
+            <a:bevelT w="63500" h="25400"/>
+          </a:sp3d>
+        </a:effectStyle>
+      </a:effectStyleLst>
+      <a:bgFillStyleLst>
+        <a:solidFill>
+          <a:schemeClr val="phClr"/>
+        </a:solidFill>
+        <a:gradFill rotWithShape="1">
+          <a:gsLst>
+            <a:gs pos="0">
+              <a:schemeClr val="phClr">
+                <a:tint val="40000"/>
+                <a:satMod val="350000"/>
+              </a:schemeClr>
+            </a:gs>
+            <a:gs pos="40000">
+              <a:schemeClr val="phClr">
+                <a:tint val="45000"/>
+                <a:shade val="99000"/>
+                <a:satMod val="350000"/>
+              </a:schemeClr>
+            </a:gs>
+            <a:gs pos="100000">
+              <a:schemeClr val="phClr">
+                <a:shade val="20000"/>
+                <a:satMod val="255000"/>
+              </a:schemeClr>
+            </a:gs>
+          </a:gsLst>
+          <a:path path="circle">
+            <a:fillToRect l="50000" t="-80000" r="50000" b="180000"/>
+          </a:path>
+        </a:gradFill>
+        <a:gradFill rotWithShape="1">
+          <a:gsLst>
+            <a:gs pos="0">
+              <a:schemeClr val="phClr">
+                <a:tint val="80000"/>
+                <a:satMod val="300000"/>
+              </a:schemeClr>
+            </a:gs>
+            <a:gs pos="100000">
+              <a:schemeClr val="phClr">
+                <a:shade val="30000"/>
+                <a:satMod val="200000"/>
+              </a:schemeClr>
+            </a:gs>
+          </a:gsLst>
+          <a:path path="circle">
+            <a:fillToRect l="50000" t="50000" r="50000" b="50000"/>
+          </a:path>
+        </a:gradFill>
+      </a:bgFillStyleLst>
+    </a:fmtScheme>
+  </a:themeElements>
+  <a:objectDefaults/>
+  <a:extraClrSchemeLst/>
+</a:theme>
+</file>
+
+<file path=ppt/theme/theme2.xml><?xml version="1.0" encoding="utf-8"?>
+<a:theme xmlns:a="http://schemas.openxmlformats.org/drawingml/2006/main">
   <a:themeElements>
     <a:clrScheme name="Default">
       <a:dk1>
@@ -9299,284 +9705,7 @@
       </a:bgFillStyleLst>
     </a:fmtScheme>
   </a:themeElements>
-</a:theme>
-</file>
-
-<file path=ppt/theme/theme2.xml><?xml version="1.0" encoding="utf-8"?>
-<a:theme xmlns:a="http://schemas.openxmlformats.org/drawingml/2006/main" xmlns:r="http://schemas.openxmlformats.org/officeDocument/2006/relationships" name="Material">
-  <a:themeElements>
-    <a:clrScheme name="Material">
-      <a:dk1>
-        <a:srgbClr val="4285F4"/>
-      </a:dk1>
-      <a:lt1>
-        <a:srgbClr val="FFFFFF"/>
-      </a:lt1>
-      <a:dk2>
-        <a:srgbClr val="424242"/>
-      </a:dk2>
-      <a:lt2>
-        <a:srgbClr val="737373"/>
-      </a:lt2>
-      <a:accent1>
-        <a:srgbClr val="0277BD"/>
-      </a:accent1>
-      <a:accent2>
-        <a:srgbClr val="0F9D58"/>
-      </a:accent2>
-      <a:accent3>
-        <a:srgbClr val="DB4437"/>
-      </a:accent3>
-      <a:accent4>
-        <a:srgbClr val="FAFAFA"/>
-      </a:accent4>
-      <a:accent5>
-        <a:srgbClr val="4FC3F7"/>
-      </a:accent5>
-      <a:accent6>
-        <a:srgbClr val="F4B400"/>
-      </a:accent6>
-      <a:hlink>
-        <a:srgbClr val="4FC3F7"/>
-      </a:hlink>
-      <a:folHlink>
-        <a:srgbClr val="4FC3F7"/>
-      </a:folHlink>
-    </a:clrScheme>
-    <a:fontScheme name="Office">
-      <a:majorFont>
-        <a:latin typeface="Arial"/>
-        <a:ea typeface=""/>
-        <a:cs typeface=""/>
-        <a:font script="Jpan" typeface="ＭＳ Ｐゴシック"/>
-        <a:font script="Hang" typeface="맑은 고딕"/>
-        <a:font script="Hans" typeface="宋体"/>
-        <a:font script="Hant" typeface="新細明體"/>
-        <a:font script="Arab" typeface="Times New Roman"/>
-        <a:font script="Hebr" typeface="Times New Roman"/>
-        <a:font script="Thai" typeface="Angsana New"/>
-        <a:font script="Ethi" typeface="Nyala"/>
-        <a:font script="Beng" typeface="Vrinda"/>
-        <a:font script="Gujr" typeface="Shruti"/>
-        <a:font script="Khmr" typeface="MoolBoran"/>
-        <a:font script="Knda" typeface="Tunga"/>
-        <a:font script="Guru" typeface="Raavi"/>
-        <a:font script="Cans" typeface="Euphemia"/>
-        <a:font script="Cher" typeface="Plantagenet Cherokee"/>
-        <a:font script="Yiii" typeface="Microsoft Yi Baiti"/>
-        <a:font script="Tibt" typeface="Microsoft Himalaya"/>
-        <a:font script="Thaa" typeface="MV Boli"/>
-        <a:font script="Deva" typeface="Mangal"/>
-        <a:font script="Telu" typeface="Gautami"/>
-        <a:font script="Taml" typeface="Latha"/>
-        <a:font script="Syrc" typeface="Estrangelo Edessa"/>
-        <a:font script="Orya" typeface="Kalinga"/>
-        <a:font script="Mlym" typeface="Kartika"/>
-        <a:font script="Laoo" typeface="DokChampa"/>
-        <a:font script="Sinh" typeface="Iskoola Pota"/>
-        <a:font script="Mong" typeface="Mongolian Baiti"/>
-        <a:font script="Viet" typeface="Times New Roman"/>
-        <a:font script="Uigh" typeface="Microsoft Uighur"/>
-        <a:font script="Geor" typeface="Sylfaen"/>
-      </a:majorFont>
-      <a:minorFont>
-        <a:latin typeface="Arial"/>
-        <a:ea typeface=""/>
-        <a:cs typeface=""/>
-        <a:font script="Jpan" typeface="ＭＳ Ｐゴシック"/>
-        <a:font script="Hang" typeface="맑은 고딕"/>
-        <a:font script="Hans" typeface="宋体"/>
-        <a:font script="Hant" typeface="新細明體"/>
-        <a:font script="Arab" typeface="Arial"/>
-        <a:font script="Hebr" typeface="Arial"/>
-        <a:font script="Thai" typeface="Cordia New"/>
-        <a:font script="Ethi" typeface="Nyala"/>
-        <a:font script="Beng" typeface="Vrinda"/>
-        <a:font script="Gujr" typeface="Shruti"/>
-        <a:font script="Khmr" typeface="DaunPenh"/>
-        <a:font script="Knda" typeface="Tunga"/>
-        <a:font script="Guru" typeface="Raavi"/>
-        <a:font script="Cans" typeface="Euphemia"/>
-        <a:font script="Cher" typeface="Plantagenet Cherokee"/>
-        <a:font script="Yiii" typeface="Microsoft Yi Baiti"/>
-        <a:font script="Tibt" typeface="Microsoft Himalaya"/>
-        <a:font script="Thaa" typeface="MV Boli"/>
-        <a:font script="Deva" typeface="Mangal"/>
-        <a:font script="Telu" typeface="Gautami"/>
-        <a:font script="Taml" typeface="Latha"/>
-        <a:font script="Syrc" typeface="Estrangelo Edessa"/>
-        <a:font script="Orya" typeface="Kalinga"/>
-        <a:font script="Mlym" typeface="Kartika"/>
-        <a:font script="Laoo" typeface="DokChampa"/>
-        <a:font script="Sinh" typeface="Iskoola Pota"/>
-        <a:font script="Mong" typeface="Mongolian Baiti"/>
-        <a:font script="Viet" typeface="Arial"/>
-        <a:font script="Uigh" typeface="Microsoft Uighur"/>
-        <a:font script="Geor" typeface="Sylfaen"/>
-      </a:minorFont>
-    </a:fontScheme>
-    <a:fmtScheme name="Office">
-      <a:fillStyleLst>
-        <a:solidFill>
-          <a:schemeClr val="phClr"/>
-        </a:solidFill>
-        <a:gradFill rotWithShape="1">
-          <a:gsLst>
-            <a:gs pos="0">
-              <a:schemeClr val="phClr">
-                <a:tint val="50000"/>
-                <a:satMod val="300000"/>
-              </a:schemeClr>
-            </a:gs>
-            <a:gs pos="35000">
-              <a:schemeClr val="phClr">
-                <a:tint val="37000"/>
-                <a:satMod val="300000"/>
-              </a:schemeClr>
-            </a:gs>
-            <a:gs pos="100000">
-              <a:schemeClr val="phClr">
-                <a:tint val="15000"/>
-                <a:satMod val="350000"/>
-              </a:schemeClr>
-            </a:gs>
-          </a:gsLst>
-          <a:lin ang="16200000" scaled="1"/>
-        </a:gradFill>
-        <a:gradFill rotWithShape="1">
-          <a:gsLst>
-            <a:gs pos="0">
-              <a:schemeClr val="phClr">
-                <a:tint val="100000"/>
-                <a:shade val="100000"/>
-                <a:satMod val="130000"/>
-              </a:schemeClr>
-            </a:gs>
-            <a:gs pos="100000">
-              <a:schemeClr val="phClr">
-                <a:tint val="50000"/>
-                <a:shade val="100000"/>
-                <a:satMod val="350000"/>
-              </a:schemeClr>
-            </a:gs>
-          </a:gsLst>
-          <a:lin ang="16200000" scaled="0"/>
-        </a:gradFill>
-      </a:fillStyleLst>
-      <a:lnStyleLst>
-        <a:ln w="9525" cap="flat" cmpd="sng" algn="ctr">
-          <a:solidFill>
-            <a:schemeClr val="phClr">
-              <a:shade val="95000"/>
-              <a:satMod val="105000"/>
-            </a:schemeClr>
-          </a:solidFill>
-          <a:prstDash val="solid"/>
-        </a:ln>
-        <a:ln w="25400" cap="flat" cmpd="sng" algn="ctr">
-          <a:solidFill>
-            <a:schemeClr val="phClr"/>
-          </a:solidFill>
-          <a:prstDash val="solid"/>
-        </a:ln>
-        <a:ln w="38100" cap="flat" cmpd="sng" algn="ctr">
-          <a:solidFill>
-            <a:schemeClr val="phClr"/>
-          </a:solidFill>
-          <a:prstDash val="solid"/>
-        </a:ln>
-      </a:lnStyleLst>
-      <a:effectStyleLst>
-        <a:effectStyle>
-          <a:effectLst>
-            <a:outerShdw blurRad="40000" dist="20000" dir="5400000" rotWithShape="0">
-              <a:srgbClr val="000000">
-                <a:alpha val="38000"/>
-              </a:srgbClr>
-            </a:outerShdw>
-          </a:effectLst>
-        </a:effectStyle>
-        <a:effectStyle>
-          <a:effectLst>
-            <a:outerShdw blurRad="40000" dist="23000" dir="5400000" rotWithShape="0">
-              <a:srgbClr val="000000">
-                <a:alpha val="35000"/>
-              </a:srgbClr>
-            </a:outerShdw>
-          </a:effectLst>
-        </a:effectStyle>
-        <a:effectStyle>
-          <a:effectLst>
-            <a:outerShdw blurRad="40000" dist="23000" dir="5400000" rotWithShape="0">
-              <a:srgbClr val="000000">
-                <a:alpha val="35000"/>
-              </a:srgbClr>
-            </a:outerShdw>
-          </a:effectLst>
-          <a:scene3d>
-            <a:camera prst="orthographicFront">
-              <a:rot lat="0" lon="0" rev="0"/>
-            </a:camera>
-            <a:lightRig rig="threePt" dir="t">
-              <a:rot lat="0" lon="0" rev="1200000"/>
-            </a:lightRig>
-          </a:scene3d>
-          <a:sp3d>
-            <a:bevelT w="63500" h="25400"/>
-          </a:sp3d>
-        </a:effectStyle>
-      </a:effectStyleLst>
-      <a:bgFillStyleLst>
-        <a:solidFill>
-          <a:schemeClr val="phClr"/>
-        </a:solidFill>
-        <a:gradFill rotWithShape="1">
-          <a:gsLst>
-            <a:gs pos="0">
-              <a:schemeClr val="phClr">
-                <a:tint val="40000"/>
-                <a:satMod val="350000"/>
-              </a:schemeClr>
-            </a:gs>
-            <a:gs pos="40000">
-              <a:schemeClr val="phClr">
-                <a:tint val="45000"/>
-                <a:shade val="99000"/>
-                <a:satMod val="350000"/>
-              </a:schemeClr>
-            </a:gs>
-            <a:gs pos="100000">
-              <a:schemeClr val="phClr">
-                <a:shade val="20000"/>
-                <a:satMod val="255000"/>
-              </a:schemeClr>
-            </a:gs>
-          </a:gsLst>
-          <a:path path="circle">
-            <a:fillToRect l="50000" t="-80000" r="50000" b="180000"/>
-          </a:path>
-        </a:gradFill>
-        <a:gradFill rotWithShape="1">
-          <a:gsLst>
-            <a:gs pos="0">
-              <a:schemeClr val="phClr">
-                <a:tint val="80000"/>
-                <a:satMod val="300000"/>
-              </a:schemeClr>
-            </a:gs>
-            <a:gs pos="100000">
-              <a:schemeClr val="phClr">
-                <a:shade val="30000"/>
-                <a:satMod val="200000"/>
-              </a:schemeClr>
-            </a:gs>
-          </a:gsLst>
-          <a:path path="circle">
-            <a:fillToRect l="50000" t="50000" r="50000" b="50000"/>
-          </a:path>
-        </a:gradFill>
-      </a:bgFillStyleLst>
-    </a:fmtScheme>
-  </a:themeElements>
+  <a:objectDefaults/>
+  <a:extraClrSchemeLst/>
 </a:theme>
 </file>